--- a/中越詩歌/安靜_Vững an.pptx
+++ b/中越詩歌/安靜_Vững an.pptx
@@ -6,11 +6,18 @@
   </p:sldMasterIdLst>
   <p:sldIdLst>
     <p:sldId id="256" r:id="rId2"/>
-    <p:sldId id="260" r:id="rId3"/>
-    <p:sldId id="261" r:id="rId4"/>
-    <p:sldId id="257" r:id="rId5"/>
-    <p:sldId id="258" r:id="rId6"/>
-    <p:sldId id="259" r:id="rId7"/>
+    <p:sldId id="257" r:id="rId3"/>
+    <p:sldId id="258" r:id="rId4"/>
+    <p:sldId id="259" r:id="rId5"/>
+    <p:sldId id="260" r:id="rId6"/>
+    <p:sldId id="261" r:id="rId7"/>
+    <p:sldId id="262" r:id="rId8"/>
+    <p:sldId id="263" r:id="rId9"/>
+    <p:sldId id="264" r:id="rId10"/>
+    <p:sldId id="265" r:id="rId11"/>
+    <p:sldId id="266" r:id="rId12"/>
+    <p:sldId id="267" r:id="rId13"/>
+    <p:sldId id="268" r:id="rId14"/>
   </p:sldIdLst>
   <p:sldSz cx="10080625" cy="5670550"/>
   <p:notesSz cx="7559675" cy="10691813"/>
@@ -759,91 +766,6 @@
 </p:sldLayout>
 </file>
 
-<file path=ppt/slideLayouts/slideLayout12.xml><?xml version="1.0" encoding="utf-8"?>
-<p:sldLayout xmlns:a="http://schemas.openxmlformats.org/drawingml/2006/main" xmlns:r="http://schemas.openxmlformats.org/officeDocument/2006/relationships" xmlns:p="http://schemas.openxmlformats.org/presentationml/2006/main" type="tx">
-  <p:cSld name="Title Slide">
-    <p:spTree>
-      <p:nvGrpSpPr>
-        <p:cNvPr id="1" name=""/>
-        <p:cNvGrpSpPr/>
-        <p:nvPr/>
-      </p:nvGrpSpPr>
-      <p:grpSpPr>
-        <a:xfrm>
-          <a:off x="0" y="0"/>
-          <a:ext cx="0" cy="0"/>
-          <a:chOff x="0" y="0"/>
-          <a:chExt cx="0" cy="0"/>
-        </a:xfrm>
-      </p:grpSpPr>
-      <p:sp>
-        <p:nvSpPr>
-          <p:cNvPr id="5" name="PlaceHolder 1"/>
-          <p:cNvSpPr>
-            <a:spLocks noGrp="1"/>
-          </p:cNvSpPr>
-          <p:nvPr>
-            <p:ph type="title"/>
-          </p:nvPr>
-        </p:nvSpPr>
-        <p:spPr>
-          <a:xfrm>
-            <a:off x="504000" y="226080"/>
-            <a:ext cx="9071640" cy="946440"/>
-          </a:xfrm>
-          <a:prstGeom prst="rect">
-            <a:avLst/>
-          </a:prstGeom>
-        </p:spPr>
-        <p:txBody>
-          <a:bodyPr lIns="0" tIns="0" rIns="0" bIns="0" anchor="ctr"/>
-          <a:lstStyle/>
-          <a:p>
-            <a:pPr algn="ctr"/>
-            <a:endParaRPr lang="en-US" sz="4400" b="0" strike="noStrike" spc="-1">
-              <a:latin typeface="Arial"/>
-            </a:endParaRPr>
-          </a:p>
-        </p:txBody>
-      </p:sp>
-      <p:sp>
-        <p:nvSpPr>
-          <p:cNvPr id="6" name="PlaceHolder 2"/>
-          <p:cNvSpPr>
-            <a:spLocks noGrp="1"/>
-          </p:cNvSpPr>
-          <p:nvPr>
-            <p:ph type="subTitle"/>
-          </p:nvPr>
-        </p:nvSpPr>
-        <p:spPr>
-          <a:xfrm>
-            <a:off x="504000" y="1326600"/>
-            <a:ext cx="9071640" cy="3288240"/>
-          </a:xfrm>
-          <a:prstGeom prst="rect">
-            <a:avLst/>
-          </a:prstGeom>
-        </p:spPr>
-        <p:txBody>
-          <a:bodyPr lIns="0" tIns="0" rIns="0" bIns="0" anchor="ctr"/>
-          <a:lstStyle/>
-          <a:p>
-            <a:pPr algn="ctr"/>
-            <a:endParaRPr lang="en-US" sz="3200" b="0" strike="noStrike" spc="-1">
-              <a:latin typeface="Arial"/>
-            </a:endParaRPr>
-          </a:p>
-        </p:txBody>
-      </p:sp>
-    </p:spTree>
-  </p:cSld>
-  <p:clrMapOvr>
-    <a:masterClrMapping/>
-  </p:clrMapOvr>
-</p:sldLayout>
-</file>
-
 <file path=ppt/slideLayouts/slideLayout2.xml><?xml version="1.0" encoding="utf-8"?>
 <p:sldLayout xmlns:a="http://schemas.openxmlformats.org/drawingml/2006/main" xmlns:r="http://schemas.openxmlformats.org/officeDocument/2006/relationships" xmlns:p="http://schemas.openxmlformats.org/presentationml/2006/main" type="obj" preserve="1">
   <p:cSld name="標題及物件">
@@ -2827,7 +2749,7 @@
     <p:bg>
       <p:bgPr>
         <a:blipFill dpi="0" rotWithShape="1">
-          <a:blip r:embed="rId14"/>
+          <a:blip r:embed="rId13"/>
           <a:srcRect/>
           <a:tile tx="0" ty="0" sx="100000" sy="100000" flip="none" algn="tl"/>
         </a:blipFill>
@@ -3095,7 +3017,6 @@
     <p:sldLayoutId id="2147483670" r:id="rId9"/>
     <p:sldLayoutId id="2147483671" r:id="rId10"/>
     <p:sldLayoutId id="2147483672" r:id="rId11"/>
-    <p:sldLayoutId id="2147483673" r:id="rId12"/>
   </p:sldLayoutIdLst>
   <p:txStyles>
     <p:titleStyle>
@@ -3369,146 +3290,1446 @@
       </p:grpSpPr>
       <p:sp>
         <p:nvSpPr>
-          <p:cNvPr id="41" name="TextShape 1"/>
-          <p:cNvSpPr txBox="1"/>
-          <p:nvPr/>
+          <p:cNvPr id="4" name="標題 3"/>
+          <p:cNvSpPr>
+            <a:spLocks noGrp="1"/>
+          </p:cNvSpPr>
+          <p:nvPr>
+            <p:ph type="title"/>
+          </p:nvPr>
         </p:nvSpPr>
         <p:spPr>
           <a:xfrm>
-            <a:off x="0" y="182880"/>
-            <a:ext cx="10080000" cy="1116000"/>
+            <a:off x="-1" y="1901108"/>
+            <a:ext cx="10080625" cy="945059"/>
+          </a:xfrm>
+        </p:spPr>
+        <p:txBody>
+          <a:bodyPr>
+            <a:noAutofit/>
+          </a:bodyPr>
+          <a:lstStyle/>
+          <a:p>
+            <a:r>
+              <a:rPr lang="zh-CN" altLang="en-US" sz="5953" b="1" i="1" dirty="0">
+                <a:solidFill>
+                  <a:srgbClr val="660033"/>
+                </a:solidFill>
+                <a:effectLst>
+                  <a:outerShdw blurRad="38100" dist="38100" dir="2700000" algn="tl">
+                    <a:srgbClr val="000000">
+                      <a:alpha val="43137"/>
+                    </a:srgbClr>
+                  </a:outerShdw>
+                </a:effectLst>
+                <a:latin typeface="微軟正黑體" pitchFamily="34" charset="-120"/>
+                <a:ea typeface="微軟正黑體" pitchFamily="34" charset="-120"/>
+              </a:rPr>
+              <a:t>安</a:t>
+            </a:r>
+            <a:r>
+              <a:rPr lang="zh-CN" altLang="en-US" sz="5953" b="1" i="1" dirty="0">
+                <a:solidFill>
+                  <a:srgbClr val="660033"/>
+                </a:solidFill>
+                <a:effectLst>
+                  <a:outerShdw blurRad="38100" dist="38100" dir="2700000" algn="tl">
+                    <a:srgbClr val="000000">
+                      <a:alpha val="43137"/>
+                    </a:srgbClr>
+                  </a:outerShdw>
+                </a:effectLst>
+                <a:latin typeface="微軟正黑體" pitchFamily="34" charset="-120"/>
+                <a:ea typeface="微軟正黑體" pitchFamily="34" charset="-120"/>
+              </a:rPr>
+              <a:t>靜</a:t>
+            </a:r>
+            <a:endParaRPr lang="zh-TW" altLang="en-US" sz="5953" b="1" i="1" dirty="0">
+              <a:solidFill>
+                <a:srgbClr val="660033"/>
+              </a:solidFill>
+              <a:effectLst>
+                <a:outerShdw blurRad="38100" dist="38100" dir="2700000" algn="tl">
+                  <a:srgbClr val="000000">
+                    <a:alpha val="43137"/>
+                  </a:srgbClr>
+                </a:outerShdw>
+              </a:effectLst>
+              <a:latin typeface="微軟正黑體" pitchFamily="34" charset="-120"/>
+              <a:ea typeface="微軟正黑體" pitchFamily="34" charset="-120"/>
+            </a:endParaRPr>
+          </a:p>
+        </p:txBody>
+      </p:sp>
+      <p:sp>
+        <p:nvSpPr>
+          <p:cNvPr id="3" name="標題 3"/>
+          <p:cNvSpPr txBox="1">
+            <a:spLocks/>
+          </p:cNvSpPr>
+          <p:nvPr/>
+        </p:nvSpPr>
+        <p:spPr>
+          <a:xfrm>
+            <a:off x="1693" y="2676507"/>
+            <a:ext cx="10080625" cy="945059"/>
           </a:xfrm>
           <a:prstGeom prst="rect">
             <a:avLst/>
           </a:prstGeom>
-          <a:noFill/>
-          <a:ln>
-            <a:noFill/>
-          </a:ln>
         </p:spPr>
         <p:txBody>
-          <a:bodyPr lIns="0" tIns="0" rIns="0" bIns="0" anchor="ctr"/>
+          <a:bodyPr vert="horz" lIns="75605" tIns="37802" rIns="75605" bIns="37802" rtlCol="0" anchor="ctr">
+            <a:noAutofit/>
+          </a:bodyPr>
+          <a:lstStyle>
+            <a:lvl1pPr algn="ctr" defTabSz="1219170" rtl="0" eaLnBrk="1" latinLnBrk="0" hangingPunct="1">
+              <a:spcBef>
+                <a:spcPct val="0"/>
+              </a:spcBef>
+              <a:buNone/>
+              <a:defRPr sz="5867" kern="1200">
+                <a:solidFill>
+                  <a:schemeClr val="tx1"/>
+                </a:solidFill>
+                <a:latin typeface="+mj-lt"/>
+                <a:ea typeface="+mj-ea"/>
+                <a:cs typeface="+mj-cs"/>
+              </a:defRPr>
+            </a:lvl1pPr>
+          </a:lstStyle>
+          <a:p>
+            <a:r>
+              <a:rPr lang="en-US" sz="4465" b="1" i="1" dirty="0" err="1">
+                <a:solidFill>
+                  <a:srgbClr val="000066"/>
+                </a:solidFill>
+                <a:effectLst>
+                  <a:outerShdw blurRad="38100" dist="38100" dir="2700000" algn="tl">
+                    <a:srgbClr val="000000">
+                      <a:alpha val="43137"/>
+                    </a:srgbClr>
+                  </a:outerShdw>
+                </a:effectLst>
+                <a:latin typeface="Calibri" panose="020F0502020204030204" pitchFamily="34" charset="0"/>
+                <a:ea typeface="微軟正黑體" pitchFamily="34" charset="-120"/>
+                <a:cs typeface="Calibri" panose="020F0502020204030204" pitchFamily="34" charset="0"/>
+              </a:rPr>
+              <a:t>Vững</a:t>
+            </a:r>
+            <a:r>
+              <a:rPr lang="en-US" sz="4465" b="1" i="1" dirty="0">
+                <a:solidFill>
+                  <a:srgbClr val="000066"/>
+                </a:solidFill>
+                <a:effectLst>
+                  <a:outerShdw blurRad="38100" dist="38100" dir="2700000" algn="tl">
+                    <a:srgbClr val="000000">
+                      <a:alpha val="43137"/>
+                    </a:srgbClr>
+                  </a:outerShdw>
+                </a:effectLst>
+                <a:latin typeface="Calibri" panose="020F0502020204030204" pitchFamily="34" charset="0"/>
+                <a:ea typeface="微軟正黑體" pitchFamily="34" charset="-120"/>
+                <a:cs typeface="Calibri" panose="020F0502020204030204" pitchFamily="34" charset="0"/>
+              </a:rPr>
+              <a:t> an</a:t>
+            </a:r>
+            <a:endParaRPr lang="zh-TW" altLang="en-US" sz="4465" b="1" i="1" dirty="0">
+              <a:solidFill>
+                <a:srgbClr val="000066"/>
+              </a:solidFill>
+              <a:effectLst>
+                <a:outerShdw blurRad="38100" dist="38100" dir="2700000" algn="tl">
+                  <a:srgbClr val="000000">
+                    <a:alpha val="43137"/>
+                  </a:srgbClr>
+                </a:outerShdw>
+              </a:effectLst>
+              <a:latin typeface="Calibri" panose="020F0502020204030204" pitchFamily="34" charset="0"/>
+              <a:ea typeface="微軟正黑體" pitchFamily="34" charset="-120"/>
+              <a:cs typeface="Calibri" panose="020F0502020204030204" pitchFamily="34" charset="0"/>
+            </a:endParaRPr>
+          </a:p>
+        </p:txBody>
+      </p:sp>
+    </p:spTree>
+    <p:extLst>
+      <p:ext uri="{BB962C8B-B14F-4D97-AF65-F5344CB8AC3E}">
+        <p14:creationId xmlns:p14="http://schemas.microsoft.com/office/powerpoint/2010/main" val="2749257685"/>
+      </p:ext>
+    </p:extLst>
+  </p:cSld>
+  <p:clrMapOvr>
+    <a:masterClrMapping/>
+  </p:clrMapOvr>
+</p:sld>
+</file>
+
+<file path=ppt/slides/slide10.xml><?xml version="1.0" encoding="utf-8"?>
+<p:sld xmlns:a="http://schemas.openxmlformats.org/drawingml/2006/main" xmlns:r="http://schemas.openxmlformats.org/officeDocument/2006/relationships" xmlns:p="http://schemas.openxmlformats.org/presentationml/2006/main">
+  <p:cSld>
+    <p:spTree>
+      <p:nvGrpSpPr>
+        <p:cNvPr id="1" name=""/>
+        <p:cNvGrpSpPr/>
+        <p:nvPr/>
+      </p:nvGrpSpPr>
+      <p:grpSpPr>
+        <a:xfrm>
+          <a:off x="0" y="0"/>
+          <a:ext cx="0" cy="0"/>
+          <a:chOff x="0" y="0"/>
+          <a:chExt cx="0" cy="0"/>
+        </a:xfrm>
+      </p:grpSpPr>
+      <p:sp>
+        <p:nvSpPr>
+          <p:cNvPr id="5" name="內容版面配置區 4"/>
+          <p:cNvSpPr>
+            <a:spLocks noGrp="1"/>
+          </p:cNvSpPr>
+          <p:nvPr>
+            <p:ph idx="1"/>
+          </p:nvPr>
+        </p:nvSpPr>
+        <p:spPr>
+          <a:xfrm>
+            <a:off x="-1" y="1792635"/>
+            <a:ext cx="10080625" cy="1089939"/>
+          </a:xfrm>
+        </p:spPr>
+        <p:txBody>
+          <a:bodyPr anchor="ctr">
+            <a:normAutofit/>
+          </a:bodyPr>
           <a:lstStyle/>
           <a:p>
-            <a:pPr algn="ctr"/>
-            <a:r>
-              <a:rPr lang="zh-CN" altLang="en-US" sz="4000" b="1" dirty="0" smtClean="0">
-                <a:solidFill>
-                  <a:srgbClr val="000066"/>
+            <a:pPr algn="ctr">
+              <a:buNone/>
+            </a:pPr>
+            <a:r>
+              <a:rPr lang="zh-TW" altLang="en-US" sz="5292" b="1" dirty="0">
+                <a:solidFill>
+                  <a:srgbClr val="660033"/>
                 </a:solidFill>
                 <a:latin typeface="微軟正黑體" pitchFamily="34" charset="-120"/>
                 <a:ea typeface="微軟正黑體" pitchFamily="34" charset="-120"/>
               </a:rPr>
-              <a:t>安靜</a:t>
-            </a:r>
-            <a:r>
-              <a:rPr dirty="0"/>
-              <a:t/>
-            </a:r>
-            <a:br>
-              <a:rPr dirty="0"/>
-            </a:br>
-            <a:r>
-              <a:rPr lang="en-US" sz="2800" b="1" dirty="0" smtClean="0">
-                <a:solidFill>
-                  <a:srgbClr val="660033"/>
-                </a:solidFill>
-                <a:latin typeface="Arial" panose="020B0604020202020204" pitchFamily="34" charset="0"/>
-                <a:cs typeface="Arial" panose="020B0604020202020204" pitchFamily="34" charset="0"/>
-              </a:rPr>
-              <a:t>VỮNG AN</a:t>
-            </a:r>
-            <a:endParaRPr lang="en-US" sz="4000" b="1" strike="noStrike" spc="-1" dirty="0">
+              <a:t>當大海翻騰波濤洶湧</a:t>
+            </a:r>
+            <a:endParaRPr lang="zh-TW" altLang="en-US" sz="5292" b="1" dirty="0">
               <a:solidFill>
                 <a:srgbClr val="660033"/>
               </a:solidFill>
-              <a:latin typeface="Arial" panose="020B0604020202020204" pitchFamily="34" charset="0"/>
-              <a:cs typeface="Arial" panose="020B0604020202020204" pitchFamily="34" charset="0"/>
+              <a:latin typeface="微軟正黑體" pitchFamily="34" charset="-120"/>
+              <a:ea typeface="微軟正黑體" pitchFamily="34" charset="-120"/>
             </a:endParaRPr>
           </a:p>
         </p:txBody>
       </p:sp>
       <p:sp>
         <p:nvSpPr>
-          <p:cNvPr id="42" name="TextShape 2"/>
-          <p:cNvSpPr txBox="1"/>
+          <p:cNvPr id="3" name="內容版面配置區 4"/>
+          <p:cNvSpPr txBox="1">
+            <a:spLocks/>
+          </p:cNvSpPr>
           <p:nvPr/>
         </p:nvSpPr>
         <p:spPr>
           <a:xfrm>
-            <a:off x="0" y="1305230"/>
-            <a:ext cx="10080000" cy="2231640"/>
+            <a:off x="-1" y="2577744"/>
+            <a:ext cx="10080625" cy="1089939"/>
           </a:xfrm>
           <a:prstGeom prst="rect">
             <a:avLst/>
           </a:prstGeom>
-          <a:noFill/>
-          <a:ln>
-            <a:noFill/>
-          </a:ln>
         </p:spPr>
         <p:txBody>
-          <a:bodyPr lIns="0" tIns="0" rIns="0" bIns="0" anchor="ctr"/>
-          <a:lstStyle/>
-          <a:p>
-            <a:pPr algn="ctr">
+          <a:bodyPr vert="horz" lIns="75605" tIns="37802" rIns="75605" bIns="37802" rtlCol="0" anchor="ctr">
+            <a:normAutofit/>
+          </a:bodyPr>
+          <a:lstStyle>
+            <a:lvl1pPr marL="457189" indent="-457189" algn="l" defTabSz="1219170" rtl="0" eaLnBrk="1" latinLnBrk="0" hangingPunct="1">
+              <a:spcBef>
+                <a:spcPct val="20000"/>
+              </a:spcBef>
+              <a:buFont typeface="Arial" pitchFamily="34" charset="0"/>
+              <a:buChar char="•"/>
+              <a:defRPr sz="4267" kern="1200">
+                <a:solidFill>
+                  <a:schemeClr val="tx1"/>
+                </a:solidFill>
+                <a:latin typeface="+mn-lt"/>
+                <a:ea typeface="+mn-ea"/>
+                <a:cs typeface="+mn-cs"/>
+              </a:defRPr>
+            </a:lvl1pPr>
+            <a:lvl2pPr marL="990575" indent="-380990" algn="l" defTabSz="1219170" rtl="0" eaLnBrk="1" latinLnBrk="0" hangingPunct="1">
+              <a:spcBef>
+                <a:spcPct val="20000"/>
+              </a:spcBef>
+              <a:buFont typeface="Arial" pitchFamily="34" charset="0"/>
+              <a:buChar char="–"/>
+              <a:defRPr sz="3733" kern="1200">
+                <a:solidFill>
+                  <a:schemeClr val="tx1"/>
+                </a:solidFill>
+                <a:latin typeface="+mn-lt"/>
+                <a:ea typeface="+mn-ea"/>
+                <a:cs typeface="+mn-cs"/>
+              </a:defRPr>
+            </a:lvl2pPr>
+            <a:lvl3pPr marL="1523962" indent="-304792" algn="l" defTabSz="1219170" rtl="0" eaLnBrk="1" latinLnBrk="0" hangingPunct="1">
+              <a:spcBef>
+                <a:spcPct val="20000"/>
+              </a:spcBef>
+              <a:buFont typeface="Arial" pitchFamily="34" charset="0"/>
+              <a:buChar char="•"/>
+              <a:defRPr sz="3200" kern="1200">
+                <a:solidFill>
+                  <a:schemeClr val="tx1"/>
+                </a:solidFill>
+                <a:latin typeface="+mn-lt"/>
+                <a:ea typeface="+mn-ea"/>
+                <a:cs typeface="+mn-cs"/>
+              </a:defRPr>
+            </a:lvl3pPr>
+            <a:lvl4pPr marL="2133547" indent="-304792" algn="l" defTabSz="1219170" rtl="0" eaLnBrk="1" latinLnBrk="0" hangingPunct="1">
+              <a:spcBef>
+                <a:spcPct val="20000"/>
+              </a:spcBef>
+              <a:buFont typeface="Arial" pitchFamily="34" charset="0"/>
+              <a:buChar char="–"/>
+              <a:defRPr sz="2667" kern="1200">
+                <a:solidFill>
+                  <a:schemeClr val="tx1"/>
+                </a:solidFill>
+                <a:latin typeface="+mn-lt"/>
+                <a:ea typeface="+mn-ea"/>
+                <a:cs typeface="+mn-cs"/>
+              </a:defRPr>
+            </a:lvl4pPr>
+            <a:lvl5pPr marL="2743131" indent="-304792" algn="l" defTabSz="1219170" rtl="0" eaLnBrk="1" latinLnBrk="0" hangingPunct="1">
+              <a:spcBef>
+                <a:spcPct val="20000"/>
+              </a:spcBef>
+              <a:buFont typeface="Arial" pitchFamily="34" charset="0"/>
+              <a:buChar char="»"/>
+              <a:defRPr sz="2667" kern="1200">
+                <a:solidFill>
+                  <a:schemeClr val="tx1"/>
+                </a:solidFill>
+                <a:latin typeface="+mn-lt"/>
+                <a:ea typeface="+mn-ea"/>
+                <a:cs typeface="+mn-cs"/>
+              </a:defRPr>
+            </a:lvl5pPr>
+            <a:lvl6pPr marL="3352716" indent="-304792" algn="l" defTabSz="1219170" rtl="0" eaLnBrk="1" latinLnBrk="0" hangingPunct="1">
+              <a:spcBef>
+                <a:spcPct val="20000"/>
+              </a:spcBef>
+              <a:buFont typeface="Arial" pitchFamily="34" charset="0"/>
+              <a:buChar char="•"/>
+              <a:defRPr sz="2667" kern="1200">
+                <a:solidFill>
+                  <a:schemeClr val="tx1"/>
+                </a:solidFill>
+                <a:latin typeface="+mn-lt"/>
+                <a:ea typeface="+mn-ea"/>
+                <a:cs typeface="+mn-cs"/>
+              </a:defRPr>
+            </a:lvl6pPr>
+            <a:lvl7pPr marL="3962301" indent="-304792" algn="l" defTabSz="1219170" rtl="0" eaLnBrk="1" latinLnBrk="0" hangingPunct="1">
+              <a:spcBef>
+                <a:spcPct val="20000"/>
+              </a:spcBef>
+              <a:buFont typeface="Arial" pitchFamily="34" charset="0"/>
+              <a:buChar char="•"/>
+              <a:defRPr sz="2667" kern="1200">
+                <a:solidFill>
+                  <a:schemeClr val="tx1"/>
+                </a:solidFill>
+                <a:latin typeface="+mn-lt"/>
+                <a:ea typeface="+mn-ea"/>
+                <a:cs typeface="+mn-cs"/>
+              </a:defRPr>
+            </a:lvl7pPr>
+            <a:lvl8pPr marL="4571886" indent="-304792" algn="l" defTabSz="1219170" rtl="0" eaLnBrk="1" latinLnBrk="0" hangingPunct="1">
+              <a:spcBef>
+                <a:spcPct val="20000"/>
+              </a:spcBef>
+              <a:buFont typeface="Arial" pitchFamily="34" charset="0"/>
+              <a:buChar char="•"/>
+              <a:defRPr sz="2667" kern="1200">
+                <a:solidFill>
+                  <a:schemeClr val="tx1"/>
+                </a:solidFill>
+                <a:latin typeface="+mn-lt"/>
+                <a:ea typeface="+mn-ea"/>
+                <a:cs typeface="+mn-cs"/>
+              </a:defRPr>
+            </a:lvl8pPr>
+            <a:lvl9pPr marL="5181470" indent="-304792" algn="l" defTabSz="1219170" rtl="0" eaLnBrk="1" latinLnBrk="0" hangingPunct="1">
+              <a:spcBef>
+                <a:spcPct val="20000"/>
+              </a:spcBef>
+              <a:buFont typeface="Arial" pitchFamily="34" charset="0"/>
+              <a:buChar char="•"/>
+              <a:defRPr sz="2667" kern="1200">
+                <a:solidFill>
+                  <a:schemeClr val="tx1"/>
+                </a:solidFill>
+                <a:latin typeface="+mn-lt"/>
+                <a:ea typeface="+mn-ea"/>
+                <a:cs typeface="+mn-cs"/>
+              </a:defRPr>
+            </a:lvl9pPr>
+          </a:lstStyle>
+          <a:p>
+            <a:pPr marL="0" indent="0" algn="ctr">
               <a:buNone/>
             </a:pPr>
             <a:r>
-              <a:rPr lang="zh-TW" altLang="en-US" sz="4800" b="1" dirty="0">
-                <a:solidFill>
-                  <a:srgbClr val="000066"/>
-                </a:solidFill>
-                <a:latin typeface="微軟正黑體" pitchFamily="34" charset="-120"/>
-                <a:ea typeface="微軟正黑體" pitchFamily="34" charset="-120"/>
-              </a:rPr>
-              <a:t>藏我在 翅膀蔭下</a:t>
-            </a:r>
-            <a:endParaRPr lang="en-US" altLang="zh-TW" sz="4800" b="1" dirty="0">
+              <a:rPr lang="en-US" sz="3528" b="1" dirty="0" err="1">
+                <a:solidFill>
+                  <a:srgbClr val="000066"/>
+                </a:solidFill>
+                <a:latin typeface="Calibri" panose="020F0502020204030204" pitchFamily="34" charset="0"/>
+                <a:ea typeface="微軟正黑體" pitchFamily="34" charset="-120"/>
+                <a:cs typeface="Calibri" panose="020F0502020204030204" pitchFamily="34" charset="0"/>
+              </a:rPr>
+              <a:t>Dù</a:t>
+            </a:r>
+            <a:r>
+              <a:rPr lang="en-US" sz="3528" b="1" dirty="0">
+                <a:solidFill>
+                  <a:srgbClr val="000066"/>
+                </a:solidFill>
+                <a:latin typeface="Calibri" panose="020F0502020204030204" pitchFamily="34" charset="0"/>
+                <a:ea typeface="微軟正黑體" pitchFamily="34" charset="-120"/>
+                <a:cs typeface="Calibri" panose="020F0502020204030204" pitchFamily="34" charset="0"/>
+              </a:rPr>
+              <a:t> </a:t>
+            </a:r>
+            <a:r>
+              <a:rPr lang="en-US" sz="3528" b="1" dirty="0" err="1">
+                <a:solidFill>
+                  <a:srgbClr val="000066"/>
+                </a:solidFill>
+                <a:latin typeface="Calibri" panose="020F0502020204030204" pitchFamily="34" charset="0"/>
+                <a:ea typeface="微軟正黑體" pitchFamily="34" charset="-120"/>
+                <a:cs typeface="Calibri" panose="020F0502020204030204" pitchFamily="34" charset="0"/>
+              </a:rPr>
+              <a:t>giông</a:t>
+            </a:r>
+            <a:r>
+              <a:rPr lang="en-US" sz="3528" b="1" dirty="0">
+                <a:solidFill>
+                  <a:srgbClr val="000066"/>
+                </a:solidFill>
+                <a:latin typeface="Calibri" panose="020F0502020204030204" pitchFamily="34" charset="0"/>
+                <a:ea typeface="微軟正黑體" pitchFamily="34" charset="-120"/>
+                <a:cs typeface="Calibri" panose="020F0502020204030204" pitchFamily="34" charset="0"/>
+              </a:rPr>
+              <a:t> </a:t>
+            </a:r>
+            <a:r>
+              <a:rPr lang="en-US" sz="3528" b="1" dirty="0" err="1">
+                <a:solidFill>
+                  <a:srgbClr val="000066"/>
+                </a:solidFill>
+                <a:latin typeface="Calibri" panose="020F0502020204030204" pitchFamily="34" charset="0"/>
+                <a:ea typeface="微軟正黑體" pitchFamily="34" charset="-120"/>
+                <a:cs typeface="Calibri" panose="020F0502020204030204" pitchFamily="34" charset="0"/>
+              </a:rPr>
+              <a:t>tố</a:t>
+            </a:r>
+            <a:r>
+              <a:rPr lang="en-US" sz="3528" b="1" dirty="0">
+                <a:solidFill>
+                  <a:srgbClr val="000066"/>
+                </a:solidFill>
+                <a:latin typeface="Calibri" panose="020F0502020204030204" pitchFamily="34" charset="0"/>
+                <a:ea typeface="微軟正黑體" pitchFamily="34" charset="-120"/>
+                <a:cs typeface="Calibri" panose="020F0502020204030204" pitchFamily="34" charset="0"/>
+              </a:rPr>
+              <a:t> </a:t>
+            </a:r>
+            <a:r>
+              <a:rPr lang="en-US" sz="3528" b="1" dirty="0" err="1">
+                <a:solidFill>
+                  <a:srgbClr val="000066"/>
+                </a:solidFill>
+                <a:latin typeface="Calibri" panose="020F0502020204030204" pitchFamily="34" charset="0"/>
+                <a:ea typeface="微軟正黑體" pitchFamily="34" charset="-120"/>
+                <a:cs typeface="Calibri" panose="020F0502020204030204" pitchFamily="34" charset="0"/>
+              </a:rPr>
+              <a:t>khiếp</a:t>
+            </a:r>
+            <a:r>
+              <a:rPr lang="en-US" sz="3528" b="1" dirty="0">
+                <a:solidFill>
+                  <a:srgbClr val="000066"/>
+                </a:solidFill>
+                <a:latin typeface="Calibri" panose="020F0502020204030204" pitchFamily="34" charset="0"/>
+                <a:ea typeface="微軟正黑體" pitchFamily="34" charset="-120"/>
+                <a:cs typeface="Calibri" panose="020F0502020204030204" pitchFamily="34" charset="0"/>
+              </a:rPr>
+              <a:t> </a:t>
+            </a:r>
+            <a:r>
+              <a:rPr lang="en-US" sz="3528" b="1" dirty="0" err="1">
+                <a:solidFill>
+                  <a:srgbClr val="000066"/>
+                </a:solidFill>
+                <a:latin typeface="Calibri" panose="020F0502020204030204" pitchFamily="34" charset="0"/>
+                <a:ea typeface="微軟正黑體" pitchFamily="34" charset="-120"/>
+                <a:cs typeface="Calibri" panose="020F0502020204030204" pitchFamily="34" charset="0"/>
+              </a:rPr>
+              <a:t>kinh</a:t>
+            </a:r>
+            <a:r>
+              <a:rPr lang="en-US" sz="3528" b="1" dirty="0">
+                <a:solidFill>
+                  <a:srgbClr val="000066"/>
+                </a:solidFill>
+                <a:latin typeface="Calibri" panose="020F0502020204030204" pitchFamily="34" charset="0"/>
+                <a:ea typeface="微軟正黑體" pitchFamily="34" charset="-120"/>
+                <a:cs typeface="Calibri" panose="020F0502020204030204" pitchFamily="34" charset="0"/>
+              </a:rPr>
+              <a:t> </a:t>
+            </a:r>
+            <a:r>
+              <a:rPr lang="en-US" sz="3528" b="1" dirty="0" err="1">
+                <a:solidFill>
+                  <a:srgbClr val="000066"/>
+                </a:solidFill>
+                <a:latin typeface="Calibri" panose="020F0502020204030204" pitchFamily="34" charset="0"/>
+                <a:ea typeface="微軟正黑體" pitchFamily="34" charset="-120"/>
+                <a:cs typeface="Calibri" panose="020F0502020204030204" pitchFamily="34" charset="0"/>
+              </a:rPr>
+              <a:t>sóng</a:t>
+            </a:r>
+            <a:r>
+              <a:rPr lang="en-US" sz="3528" b="1" dirty="0">
+                <a:solidFill>
+                  <a:srgbClr val="000066"/>
+                </a:solidFill>
+                <a:latin typeface="Calibri" panose="020F0502020204030204" pitchFamily="34" charset="0"/>
+                <a:ea typeface="微軟正黑體" pitchFamily="34" charset="-120"/>
+                <a:cs typeface="Calibri" panose="020F0502020204030204" pitchFamily="34" charset="0"/>
+              </a:rPr>
+              <a:t> </a:t>
+            </a:r>
+            <a:r>
+              <a:rPr lang="en-US" sz="3528" b="1" dirty="0" err="1">
+                <a:solidFill>
+                  <a:srgbClr val="000066"/>
+                </a:solidFill>
+                <a:latin typeface="Calibri" panose="020F0502020204030204" pitchFamily="34" charset="0"/>
+                <a:ea typeface="微軟正黑體" pitchFamily="34" charset="-120"/>
+                <a:cs typeface="Calibri" panose="020F0502020204030204" pitchFamily="34" charset="0"/>
+              </a:rPr>
+              <a:t>gió</a:t>
+            </a:r>
+            <a:r>
+              <a:rPr lang="en-US" sz="3528" b="1" dirty="0">
+                <a:solidFill>
+                  <a:srgbClr val="000066"/>
+                </a:solidFill>
+                <a:latin typeface="Calibri" panose="020F0502020204030204" pitchFamily="34" charset="0"/>
+                <a:ea typeface="微軟正黑體" pitchFamily="34" charset="-120"/>
+                <a:cs typeface="Calibri" panose="020F0502020204030204" pitchFamily="34" charset="0"/>
+              </a:rPr>
+              <a:t> </a:t>
+            </a:r>
+            <a:r>
+              <a:rPr lang="en-US" sz="3528" b="1" dirty="0" err="1">
+                <a:solidFill>
+                  <a:srgbClr val="000066"/>
+                </a:solidFill>
+                <a:latin typeface="Calibri" panose="020F0502020204030204" pitchFamily="34" charset="0"/>
+                <a:ea typeface="微軟正黑體" pitchFamily="34" charset="-120"/>
+                <a:cs typeface="Calibri" panose="020F0502020204030204" pitchFamily="34" charset="0"/>
+              </a:rPr>
+              <a:t>vây</a:t>
+            </a:r>
+            <a:r>
+              <a:rPr lang="en-US" sz="3528" b="1" dirty="0">
+                <a:solidFill>
+                  <a:srgbClr val="000066"/>
+                </a:solidFill>
+                <a:latin typeface="Calibri" panose="020F0502020204030204" pitchFamily="34" charset="0"/>
+                <a:ea typeface="微軟正黑體" pitchFamily="34" charset="-120"/>
+                <a:cs typeface="Calibri" panose="020F0502020204030204" pitchFamily="34" charset="0"/>
+              </a:rPr>
+              <a:t> </a:t>
+            </a:r>
+            <a:r>
+              <a:rPr lang="en-US" sz="3528" b="1" dirty="0" err="1">
+                <a:solidFill>
+                  <a:srgbClr val="000066"/>
+                </a:solidFill>
+                <a:latin typeface="Calibri" panose="020F0502020204030204" pitchFamily="34" charset="0"/>
+                <a:ea typeface="微軟正黑體" pitchFamily="34" charset="-120"/>
+                <a:cs typeface="Calibri" panose="020F0502020204030204" pitchFamily="34" charset="0"/>
+              </a:rPr>
+              <a:t>quanh</a:t>
+            </a:r>
+            <a:endParaRPr lang="en-US" sz="3528" b="1" dirty="0">
               <a:solidFill>
                 <a:srgbClr val="000066"/>
+              </a:solidFill>
+              <a:latin typeface="Calibri" panose="020F0502020204030204" pitchFamily="34" charset="0"/>
+              <a:ea typeface="微軟正黑體" pitchFamily="34" charset="-120"/>
+              <a:cs typeface="Calibri" panose="020F0502020204030204" pitchFamily="34" charset="0"/>
+            </a:endParaRPr>
+          </a:p>
+        </p:txBody>
+      </p:sp>
+    </p:spTree>
+    <p:extLst>
+      <p:ext uri="{BB962C8B-B14F-4D97-AF65-F5344CB8AC3E}">
+        <p14:creationId xmlns:p14="http://schemas.microsoft.com/office/powerpoint/2010/main" val="1108388488"/>
+      </p:ext>
+    </p:extLst>
+  </p:cSld>
+  <p:clrMapOvr>
+    <a:masterClrMapping/>
+  </p:clrMapOvr>
+</p:sld>
+</file>
+
+<file path=ppt/slides/slide11.xml><?xml version="1.0" encoding="utf-8"?>
+<p:sld xmlns:a="http://schemas.openxmlformats.org/drawingml/2006/main" xmlns:r="http://schemas.openxmlformats.org/officeDocument/2006/relationships" xmlns:p="http://schemas.openxmlformats.org/presentationml/2006/main">
+  <p:cSld>
+    <p:spTree>
+      <p:nvGrpSpPr>
+        <p:cNvPr id="1" name=""/>
+        <p:cNvGrpSpPr/>
+        <p:nvPr/>
+      </p:nvGrpSpPr>
+      <p:grpSpPr>
+        <a:xfrm>
+          <a:off x="0" y="0"/>
+          <a:ext cx="0" cy="0"/>
+          <a:chOff x="0" y="0"/>
+          <a:chExt cx="0" cy="0"/>
+        </a:xfrm>
+      </p:grpSpPr>
+      <p:sp>
+        <p:nvSpPr>
+          <p:cNvPr id="5" name="內容版面配置區 4"/>
+          <p:cNvSpPr>
+            <a:spLocks noGrp="1"/>
+          </p:cNvSpPr>
+          <p:nvPr>
+            <p:ph idx="1"/>
+          </p:nvPr>
+        </p:nvSpPr>
+        <p:spPr>
+          <a:xfrm>
+            <a:off x="-1" y="1792635"/>
+            <a:ext cx="10080625" cy="1089939"/>
+          </a:xfrm>
+        </p:spPr>
+        <p:txBody>
+          <a:bodyPr anchor="ctr">
+            <a:normAutofit/>
+          </a:bodyPr>
+          <a:lstStyle/>
+          <a:p>
+            <a:pPr algn="ctr">
+              <a:buNone/>
+            </a:pPr>
+            <a:r>
+              <a:rPr lang="zh-TW" altLang="en-US" sz="5292" b="1" dirty="0">
+                <a:solidFill>
+                  <a:srgbClr val="660033"/>
+                </a:solidFill>
+                <a:latin typeface="微軟正黑體" pitchFamily="34" charset="-120"/>
+                <a:ea typeface="微軟正黑體" pitchFamily="34" charset="-120"/>
+              </a:rPr>
+              <a:t>我與祢展翅暴風上空</a:t>
+            </a:r>
+          </a:p>
+        </p:txBody>
+      </p:sp>
+      <p:sp>
+        <p:nvSpPr>
+          <p:cNvPr id="3" name="內容版面配置區 4"/>
+          <p:cNvSpPr txBox="1">
+            <a:spLocks/>
+          </p:cNvSpPr>
+          <p:nvPr/>
+        </p:nvSpPr>
+        <p:spPr>
+          <a:xfrm>
+            <a:off x="-1" y="2577744"/>
+            <a:ext cx="10080625" cy="1089939"/>
+          </a:xfrm>
+          <a:prstGeom prst="rect">
+            <a:avLst/>
+          </a:prstGeom>
+        </p:spPr>
+        <p:txBody>
+          <a:bodyPr vert="horz" lIns="75605" tIns="37802" rIns="75605" bIns="37802" rtlCol="0" anchor="ctr">
+            <a:normAutofit/>
+          </a:bodyPr>
+          <a:lstStyle>
+            <a:lvl1pPr marL="457189" indent="-457189" algn="l" defTabSz="1219170" rtl="0" eaLnBrk="1" latinLnBrk="0" hangingPunct="1">
+              <a:spcBef>
+                <a:spcPct val="20000"/>
+              </a:spcBef>
+              <a:buFont typeface="Arial" pitchFamily="34" charset="0"/>
+              <a:buChar char="•"/>
+              <a:defRPr sz="4267" kern="1200">
+                <a:solidFill>
+                  <a:schemeClr val="tx1"/>
+                </a:solidFill>
+                <a:latin typeface="+mn-lt"/>
+                <a:ea typeface="+mn-ea"/>
+                <a:cs typeface="+mn-cs"/>
+              </a:defRPr>
+            </a:lvl1pPr>
+            <a:lvl2pPr marL="990575" indent="-380990" algn="l" defTabSz="1219170" rtl="0" eaLnBrk="1" latinLnBrk="0" hangingPunct="1">
+              <a:spcBef>
+                <a:spcPct val="20000"/>
+              </a:spcBef>
+              <a:buFont typeface="Arial" pitchFamily="34" charset="0"/>
+              <a:buChar char="–"/>
+              <a:defRPr sz="3733" kern="1200">
+                <a:solidFill>
+                  <a:schemeClr val="tx1"/>
+                </a:solidFill>
+                <a:latin typeface="+mn-lt"/>
+                <a:ea typeface="+mn-ea"/>
+                <a:cs typeface="+mn-cs"/>
+              </a:defRPr>
+            </a:lvl2pPr>
+            <a:lvl3pPr marL="1523962" indent="-304792" algn="l" defTabSz="1219170" rtl="0" eaLnBrk="1" latinLnBrk="0" hangingPunct="1">
+              <a:spcBef>
+                <a:spcPct val="20000"/>
+              </a:spcBef>
+              <a:buFont typeface="Arial" pitchFamily="34" charset="0"/>
+              <a:buChar char="•"/>
+              <a:defRPr sz="3200" kern="1200">
+                <a:solidFill>
+                  <a:schemeClr val="tx1"/>
+                </a:solidFill>
+                <a:latin typeface="+mn-lt"/>
+                <a:ea typeface="+mn-ea"/>
+                <a:cs typeface="+mn-cs"/>
+              </a:defRPr>
+            </a:lvl3pPr>
+            <a:lvl4pPr marL="2133547" indent="-304792" algn="l" defTabSz="1219170" rtl="0" eaLnBrk="1" latinLnBrk="0" hangingPunct="1">
+              <a:spcBef>
+                <a:spcPct val="20000"/>
+              </a:spcBef>
+              <a:buFont typeface="Arial" pitchFamily="34" charset="0"/>
+              <a:buChar char="–"/>
+              <a:defRPr sz="2667" kern="1200">
+                <a:solidFill>
+                  <a:schemeClr val="tx1"/>
+                </a:solidFill>
+                <a:latin typeface="+mn-lt"/>
+                <a:ea typeface="+mn-ea"/>
+                <a:cs typeface="+mn-cs"/>
+              </a:defRPr>
+            </a:lvl4pPr>
+            <a:lvl5pPr marL="2743131" indent="-304792" algn="l" defTabSz="1219170" rtl="0" eaLnBrk="1" latinLnBrk="0" hangingPunct="1">
+              <a:spcBef>
+                <a:spcPct val="20000"/>
+              </a:spcBef>
+              <a:buFont typeface="Arial" pitchFamily="34" charset="0"/>
+              <a:buChar char="»"/>
+              <a:defRPr sz="2667" kern="1200">
+                <a:solidFill>
+                  <a:schemeClr val="tx1"/>
+                </a:solidFill>
+                <a:latin typeface="+mn-lt"/>
+                <a:ea typeface="+mn-ea"/>
+                <a:cs typeface="+mn-cs"/>
+              </a:defRPr>
+            </a:lvl5pPr>
+            <a:lvl6pPr marL="3352716" indent="-304792" algn="l" defTabSz="1219170" rtl="0" eaLnBrk="1" latinLnBrk="0" hangingPunct="1">
+              <a:spcBef>
+                <a:spcPct val="20000"/>
+              </a:spcBef>
+              <a:buFont typeface="Arial" pitchFamily="34" charset="0"/>
+              <a:buChar char="•"/>
+              <a:defRPr sz="2667" kern="1200">
+                <a:solidFill>
+                  <a:schemeClr val="tx1"/>
+                </a:solidFill>
+                <a:latin typeface="+mn-lt"/>
+                <a:ea typeface="+mn-ea"/>
+                <a:cs typeface="+mn-cs"/>
+              </a:defRPr>
+            </a:lvl6pPr>
+            <a:lvl7pPr marL="3962301" indent="-304792" algn="l" defTabSz="1219170" rtl="0" eaLnBrk="1" latinLnBrk="0" hangingPunct="1">
+              <a:spcBef>
+                <a:spcPct val="20000"/>
+              </a:spcBef>
+              <a:buFont typeface="Arial" pitchFamily="34" charset="0"/>
+              <a:buChar char="•"/>
+              <a:defRPr sz="2667" kern="1200">
+                <a:solidFill>
+                  <a:schemeClr val="tx1"/>
+                </a:solidFill>
+                <a:latin typeface="+mn-lt"/>
+                <a:ea typeface="+mn-ea"/>
+                <a:cs typeface="+mn-cs"/>
+              </a:defRPr>
+            </a:lvl7pPr>
+            <a:lvl8pPr marL="4571886" indent="-304792" algn="l" defTabSz="1219170" rtl="0" eaLnBrk="1" latinLnBrk="0" hangingPunct="1">
+              <a:spcBef>
+                <a:spcPct val="20000"/>
+              </a:spcBef>
+              <a:buFont typeface="Arial" pitchFamily="34" charset="0"/>
+              <a:buChar char="•"/>
+              <a:defRPr sz="2667" kern="1200">
+                <a:solidFill>
+                  <a:schemeClr val="tx1"/>
+                </a:solidFill>
+                <a:latin typeface="+mn-lt"/>
+                <a:ea typeface="+mn-ea"/>
+                <a:cs typeface="+mn-cs"/>
+              </a:defRPr>
+            </a:lvl8pPr>
+            <a:lvl9pPr marL="5181470" indent="-304792" algn="l" defTabSz="1219170" rtl="0" eaLnBrk="1" latinLnBrk="0" hangingPunct="1">
+              <a:spcBef>
+                <a:spcPct val="20000"/>
+              </a:spcBef>
+              <a:buFont typeface="Arial" pitchFamily="34" charset="0"/>
+              <a:buChar char="•"/>
+              <a:defRPr sz="2667" kern="1200">
+                <a:solidFill>
+                  <a:schemeClr val="tx1"/>
+                </a:solidFill>
+                <a:latin typeface="+mn-lt"/>
+                <a:ea typeface="+mn-ea"/>
+                <a:cs typeface="+mn-cs"/>
+              </a:defRPr>
+            </a:lvl9pPr>
+          </a:lstStyle>
+          <a:p>
+            <a:pPr marL="0" indent="0" algn="ctr">
+              <a:buNone/>
+            </a:pPr>
+            <a:r>
+              <a:rPr lang="en-US" sz="3528" b="1" dirty="0" err="1">
+                <a:solidFill>
+                  <a:srgbClr val="000066"/>
+                </a:solidFill>
+                <a:latin typeface="Calibri" panose="020F0502020204030204" pitchFamily="34" charset="0"/>
+                <a:ea typeface="微軟正黑體" pitchFamily="34" charset="-120"/>
+                <a:cs typeface="Calibri" panose="020F0502020204030204" pitchFamily="34" charset="0"/>
+              </a:rPr>
+              <a:t>Nguyện</a:t>
+            </a:r>
+            <a:r>
+              <a:rPr lang="en-US" sz="3528" b="1" dirty="0">
+                <a:solidFill>
+                  <a:srgbClr val="000066"/>
+                </a:solidFill>
+                <a:latin typeface="Calibri" panose="020F0502020204030204" pitchFamily="34" charset="0"/>
+                <a:ea typeface="微軟正黑體" pitchFamily="34" charset="-120"/>
+                <a:cs typeface="Calibri" panose="020F0502020204030204" pitchFamily="34" charset="0"/>
+              </a:rPr>
+              <a:t> </a:t>
+            </a:r>
+            <a:r>
+              <a:rPr lang="en-US" sz="3528" b="1" dirty="0" err="1">
+                <a:solidFill>
+                  <a:srgbClr val="000066"/>
+                </a:solidFill>
+                <a:latin typeface="Calibri" panose="020F0502020204030204" pitchFamily="34" charset="0"/>
+                <a:ea typeface="微軟正黑體" pitchFamily="34" charset="-120"/>
+                <a:cs typeface="Calibri" panose="020F0502020204030204" pitchFamily="34" charset="0"/>
+              </a:rPr>
+              <a:t>xin</a:t>
+            </a:r>
+            <a:r>
+              <a:rPr lang="en-US" sz="3528" b="1" dirty="0">
+                <a:solidFill>
+                  <a:srgbClr val="000066"/>
+                </a:solidFill>
+                <a:latin typeface="Calibri" panose="020F0502020204030204" pitchFamily="34" charset="0"/>
+                <a:ea typeface="微軟正黑體" pitchFamily="34" charset="-120"/>
+                <a:cs typeface="Calibri" panose="020F0502020204030204" pitchFamily="34" charset="0"/>
+              </a:rPr>
+              <a:t> </a:t>
+            </a:r>
+            <a:r>
+              <a:rPr lang="en-US" sz="3528" b="1" dirty="0" err="1">
+                <a:solidFill>
+                  <a:srgbClr val="000066"/>
+                </a:solidFill>
+                <a:latin typeface="Calibri" panose="020F0502020204030204" pitchFamily="34" charset="0"/>
+                <a:ea typeface="微軟正黑體" pitchFamily="34" charset="-120"/>
+                <a:cs typeface="Calibri" panose="020F0502020204030204" pitchFamily="34" charset="0"/>
+              </a:rPr>
+              <a:t>Chúa</a:t>
+            </a:r>
+            <a:r>
+              <a:rPr lang="en-US" sz="3528" b="1" dirty="0">
+                <a:solidFill>
+                  <a:srgbClr val="000066"/>
+                </a:solidFill>
+                <a:latin typeface="Calibri" panose="020F0502020204030204" pitchFamily="34" charset="0"/>
+                <a:ea typeface="微軟正黑體" pitchFamily="34" charset="-120"/>
+                <a:cs typeface="Calibri" panose="020F0502020204030204" pitchFamily="34" charset="0"/>
+              </a:rPr>
+              <a:t> </a:t>
+            </a:r>
+            <a:r>
+              <a:rPr lang="en-US" sz="3528" b="1" dirty="0" err="1">
+                <a:solidFill>
+                  <a:srgbClr val="000066"/>
+                </a:solidFill>
+                <a:latin typeface="Calibri" panose="020F0502020204030204" pitchFamily="34" charset="0"/>
+                <a:ea typeface="微軟正黑體" pitchFamily="34" charset="-120"/>
+                <a:cs typeface="Calibri" panose="020F0502020204030204" pitchFamily="34" charset="0"/>
+              </a:rPr>
+              <a:t>dắt</a:t>
+            </a:r>
+            <a:r>
+              <a:rPr lang="en-US" sz="3528" b="1" dirty="0">
+                <a:solidFill>
+                  <a:srgbClr val="000066"/>
+                </a:solidFill>
+                <a:latin typeface="Calibri" panose="020F0502020204030204" pitchFamily="34" charset="0"/>
+                <a:ea typeface="微軟正黑體" pitchFamily="34" charset="-120"/>
+                <a:cs typeface="Calibri" panose="020F0502020204030204" pitchFamily="34" charset="0"/>
+              </a:rPr>
+              <a:t> </a:t>
+            </a:r>
+            <a:r>
+              <a:rPr lang="en-US" sz="3528" b="1" dirty="0" err="1">
+                <a:solidFill>
+                  <a:srgbClr val="000066"/>
+                </a:solidFill>
+                <a:latin typeface="Calibri" panose="020F0502020204030204" pitchFamily="34" charset="0"/>
+                <a:ea typeface="微軟正黑體" pitchFamily="34" charset="-120"/>
+                <a:cs typeface="Calibri" panose="020F0502020204030204" pitchFamily="34" charset="0"/>
+              </a:rPr>
+              <a:t>đưa</a:t>
+            </a:r>
+            <a:r>
+              <a:rPr lang="en-US" sz="3528" b="1" dirty="0">
+                <a:solidFill>
+                  <a:srgbClr val="000066"/>
+                </a:solidFill>
+                <a:latin typeface="Calibri" panose="020F0502020204030204" pitchFamily="34" charset="0"/>
+                <a:ea typeface="微軟正黑體" pitchFamily="34" charset="-120"/>
+                <a:cs typeface="Calibri" panose="020F0502020204030204" pitchFamily="34" charset="0"/>
+              </a:rPr>
+              <a:t> </a:t>
+            </a:r>
+            <a:r>
+              <a:rPr lang="en-US" sz="3528" b="1" dirty="0" err="1">
+                <a:solidFill>
+                  <a:srgbClr val="000066"/>
+                </a:solidFill>
+                <a:latin typeface="Calibri" panose="020F0502020204030204" pitchFamily="34" charset="0"/>
+                <a:ea typeface="微軟正黑體" pitchFamily="34" charset="-120"/>
+                <a:cs typeface="Calibri" panose="020F0502020204030204" pitchFamily="34" charset="0"/>
+              </a:rPr>
+              <a:t>vượt</a:t>
+            </a:r>
+            <a:r>
+              <a:rPr lang="en-US" sz="3528" b="1" dirty="0">
+                <a:solidFill>
+                  <a:srgbClr val="000066"/>
+                </a:solidFill>
+                <a:latin typeface="Calibri" panose="020F0502020204030204" pitchFamily="34" charset="0"/>
+                <a:ea typeface="微軟正黑體" pitchFamily="34" charset="-120"/>
+                <a:cs typeface="Calibri" panose="020F0502020204030204" pitchFamily="34" charset="0"/>
+              </a:rPr>
+              <a:t> qua </a:t>
+            </a:r>
+            <a:r>
+              <a:rPr lang="en-US" sz="3528" b="1" dirty="0" err="1">
+                <a:solidFill>
+                  <a:srgbClr val="000066"/>
+                </a:solidFill>
+                <a:latin typeface="Calibri" panose="020F0502020204030204" pitchFamily="34" charset="0"/>
+                <a:ea typeface="微軟正黑體" pitchFamily="34" charset="-120"/>
+                <a:cs typeface="Calibri" panose="020F0502020204030204" pitchFamily="34" charset="0"/>
+              </a:rPr>
+              <a:t>bão</a:t>
+            </a:r>
+            <a:r>
+              <a:rPr lang="en-US" sz="3528" b="1" dirty="0">
+                <a:solidFill>
+                  <a:srgbClr val="000066"/>
+                </a:solidFill>
+                <a:latin typeface="Calibri" panose="020F0502020204030204" pitchFamily="34" charset="0"/>
+                <a:ea typeface="微軟正黑體" pitchFamily="34" charset="-120"/>
+                <a:cs typeface="Calibri" panose="020F0502020204030204" pitchFamily="34" charset="0"/>
+              </a:rPr>
+              <a:t> </a:t>
+            </a:r>
+            <a:r>
+              <a:rPr lang="en-US" sz="3528" b="1" dirty="0" err="1">
+                <a:solidFill>
+                  <a:srgbClr val="000066"/>
+                </a:solidFill>
+                <a:latin typeface="Calibri" panose="020F0502020204030204" pitchFamily="34" charset="0"/>
+                <a:ea typeface="微軟正黑體" pitchFamily="34" charset="-120"/>
+                <a:cs typeface="Calibri" panose="020F0502020204030204" pitchFamily="34" charset="0"/>
+              </a:rPr>
+              <a:t>tố</a:t>
+            </a:r>
+            <a:endParaRPr lang="en-US" sz="3528" b="1" dirty="0">
+              <a:solidFill>
+                <a:srgbClr val="000066"/>
+              </a:solidFill>
+              <a:latin typeface="Calibri" panose="020F0502020204030204" pitchFamily="34" charset="0"/>
+              <a:ea typeface="微軟正黑體" pitchFamily="34" charset="-120"/>
+              <a:cs typeface="Calibri" panose="020F0502020204030204" pitchFamily="34" charset="0"/>
+            </a:endParaRPr>
+          </a:p>
+        </p:txBody>
+      </p:sp>
+    </p:spTree>
+    <p:extLst>
+      <p:ext uri="{BB962C8B-B14F-4D97-AF65-F5344CB8AC3E}">
+        <p14:creationId xmlns:p14="http://schemas.microsoft.com/office/powerpoint/2010/main" val="682734005"/>
+      </p:ext>
+    </p:extLst>
+  </p:cSld>
+  <p:clrMapOvr>
+    <a:masterClrMapping/>
+  </p:clrMapOvr>
+</p:sld>
+</file>
+
+<file path=ppt/slides/slide12.xml><?xml version="1.0" encoding="utf-8"?>
+<p:sld xmlns:a="http://schemas.openxmlformats.org/drawingml/2006/main" xmlns:r="http://schemas.openxmlformats.org/officeDocument/2006/relationships" xmlns:p="http://schemas.openxmlformats.org/presentationml/2006/main">
+  <p:cSld>
+    <p:spTree>
+      <p:nvGrpSpPr>
+        <p:cNvPr id="1" name=""/>
+        <p:cNvGrpSpPr/>
+        <p:nvPr/>
+      </p:nvGrpSpPr>
+      <p:grpSpPr>
+        <a:xfrm>
+          <a:off x="0" y="0"/>
+          <a:ext cx="0" cy="0"/>
+          <a:chOff x="0" y="0"/>
+          <a:chExt cx="0" cy="0"/>
+        </a:xfrm>
+      </p:grpSpPr>
+      <p:sp>
+        <p:nvSpPr>
+          <p:cNvPr id="5" name="內容版面配置區 4"/>
+          <p:cNvSpPr>
+            <a:spLocks noGrp="1"/>
+          </p:cNvSpPr>
+          <p:nvPr>
+            <p:ph idx="1"/>
+          </p:nvPr>
+        </p:nvSpPr>
+        <p:spPr>
+          <a:xfrm>
+            <a:off x="-1" y="1792635"/>
+            <a:ext cx="10080625" cy="1089939"/>
+          </a:xfrm>
+        </p:spPr>
+        <p:txBody>
+          <a:bodyPr anchor="ctr">
+            <a:normAutofit/>
+          </a:bodyPr>
+          <a:lstStyle/>
+          <a:p>
+            <a:pPr algn="ctr">
+              <a:buNone/>
+            </a:pPr>
+            <a:r>
+              <a:rPr lang="zh-TW" altLang="en-US" sz="5292" b="1" dirty="0">
+                <a:solidFill>
+                  <a:srgbClr val="660033"/>
+                </a:solidFill>
+                <a:latin typeface="微軟正黑體" pitchFamily="34" charset="-120"/>
+                <a:ea typeface="微軟正黑體" pitchFamily="34" charset="-120"/>
+              </a:rPr>
+              <a:t>父祢仍作王在洪水中</a:t>
+            </a:r>
+            <a:endParaRPr lang="zh-TW" altLang="en-US" sz="5292" b="1" dirty="0">
+              <a:solidFill>
+                <a:srgbClr val="660033"/>
               </a:solidFill>
               <a:latin typeface="微軟正黑體" pitchFamily="34" charset="-120"/>
               <a:ea typeface="微軟正黑體" pitchFamily="34" charset="-120"/>
             </a:endParaRPr>
           </a:p>
-          <a:p>
-            <a:pPr algn="ctr">
+        </p:txBody>
+      </p:sp>
+      <p:sp>
+        <p:nvSpPr>
+          <p:cNvPr id="3" name="內容版面配置區 4"/>
+          <p:cNvSpPr txBox="1">
+            <a:spLocks/>
+          </p:cNvSpPr>
+          <p:nvPr/>
+        </p:nvSpPr>
+        <p:spPr>
+          <a:xfrm>
+            <a:off x="-1" y="2577744"/>
+            <a:ext cx="10080625" cy="1089939"/>
+          </a:xfrm>
+          <a:prstGeom prst="rect">
+            <a:avLst/>
+          </a:prstGeom>
+        </p:spPr>
+        <p:txBody>
+          <a:bodyPr vert="horz" lIns="75605" tIns="37802" rIns="75605" bIns="37802" rtlCol="0" anchor="ctr">
+            <a:normAutofit/>
+          </a:bodyPr>
+          <a:lstStyle>
+            <a:lvl1pPr marL="457189" indent="-457189" algn="l" defTabSz="1219170" rtl="0" eaLnBrk="1" latinLnBrk="0" hangingPunct="1">
+              <a:spcBef>
+                <a:spcPct val="20000"/>
+              </a:spcBef>
+              <a:buFont typeface="Arial" pitchFamily="34" charset="0"/>
+              <a:buChar char="•"/>
+              <a:defRPr sz="4267" kern="1200">
+                <a:solidFill>
+                  <a:schemeClr val="tx1"/>
+                </a:solidFill>
+                <a:latin typeface="+mn-lt"/>
+                <a:ea typeface="+mn-ea"/>
+                <a:cs typeface="+mn-cs"/>
+              </a:defRPr>
+            </a:lvl1pPr>
+            <a:lvl2pPr marL="990575" indent="-380990" algn="l" defTabSz="1219170" rtl="0" eaLnBrk="1" latinLnBrk="0" hangingPunct="1">
+              <a:spcBef>
+                <a:spcPct val="20000"/>
+              </a:spcBef>
+              <a:buFont typeface="Arial" pitchFamily="34" charset="0"/>
+              <a:buChar char="–"/>
+              <a:defRPr sz="3733" kern="1200">
+                <a:solidFill>
+                  <a:schemeClr val="tx1"/>
+                </a:solidFill>
+                <a:latin typeface="+mn-lt"/>
+                <a:ea typeface="+mn-ea"/>
+                <a:cs typeface="+mn-cs"/>
+              </a:defRPr>
+            </a:lvl2pPr>
+            <a:lvl3pPr marL="1523962" indent="-304792" algn="l" defTabSz="1219170" rtl="0" eaLnBrk="1" latinLnBrk="0" hangingPunct="1">
+              <a:spcBef>
+                <a:spcPct val="20000"/>
+              </a:spcBef>
+              <a:buFont typeface="Arial" pitchFamily="34" charset="0"/>
+              <a:buChar char="•"/>
+              <a:defRPr sz="3200" kern="1200">
+                <a:solidFill>
+                  <a:schemeClr val="tx1"/>
+                </a:solidFill>
+                <a:latin typeface="+mn-lt"/>
+                <a:ea typeface="+mn-ea"/>
+                <a:cs typeface="+mn-cs"/>
+              </a:defRPr>
+            </a:lvl3pPr>
+            <a:lvl4pPr marL="2133547" indent="-304792" algn="l" defTabSz="1219170" rtl="0" eaLnBrk="1" latinLnBrk="0" hangingPunct="1">
+              <a:spcBef>
+                <a:spcPct val="20000"/>
+              </a:spcBef>
+              <a:buFont typeface="Arial" pitchFamily="34" charset="0"/>
+              <a:buChar char="–"/>
+              <a:defRPr sz="2667" kern="1200">
+                <a:solidFill>
+                  <a:schemeClr val="tx1"/>
+                </a:solidFill>
+                <a:latin typeface="+mn-lt"/>
+                <a:ea typeface="+mn-ea"/>
+                <a:cs typeface="+mn-cs"/>
+              </a:defRPr>
+            </a:lvl4pPr>
+            <a:lvl5pPr marL="2743131" indent="-304792" algn="l" defTabSz="1219170" rtl="0" eaLnBrk="1" latinLnBrk="0" hangingPunct="1">
+              <a:spcBef>
+                <a:spcPct val="20000"/>
+              </a:spcBef>
+              <a:buFont typeface="Arial" pitchFamily="34" charset="0"/>
+              <a:buChar char="»"/>
+              <a:defRPr sz="2667" kern="1200">
+                <a:solidFill>
+                  <a:schemeClr val="tx1"/>
+                </a:solidFill>
+                <a:latin typeface="+mn-lt"/>
+                <a:ea typeface="+mn-ea"/>
+                <a:cs typeface="+mn-cs"/>
+              </a:defRPr>
+            </a:lvl5pPr>
+            <a:lvl6pPr marL="3352716" indent="-304792" algn="l" defTabSz="1219170" rtl="0" eaLnBrk="1" latinLnBrk="0" hangingPunct="1">
+              <a:spcBef>
+                <a:spcPct val="20000"/>
+              </a:spcBef>
+              <a:buFont typeface="Arial" pitchFamily="34" charset="0"/>
+              <a:buChar char="•"/>
+              <a:defRPr sz="2667" kern="1200">
+                <a:solidFill>
+                  <a:schemeClr val="tx1"/>
+                </a:solidFill>
+                <a:latin typeface="+mn-lt"/>
+                <a:ea typeface="+mn-ea"/>
+                <a:cs typeface="+mn-cs"/>
+              </a:defRPr>
+            </a:lvl6pPr>
+            <a:lvl7pPr marL="3962301" indent="-304792" algn="l" defTabSz="1219170" rtl="0" eaLnBrk="1" latinLnBrk="0" hangingPunct="1">
+              <a:spcBef>
+                <a:spcPct val="20000"/>
+              </a:spcBef>
+              <a:buFont typeface="Arial" pitchFamily="34" charset="0"/>
+              <a:buChar char="•"/>
+              <a:defRPr sz="2667" kern="1200">
+                <a:solidFill>
+                  <a:schemeClr val="tx1"/>
+                </a:solidFill>
+                <a:latin typeface="+mn-lt"/>
+                <a:ea typeface="+mn-ea"/>
+                <a:cs typeface="+mn-cs"/>
+              </a:defRPr>
+            </a:lvl7pPr>
+            <a:lvl8pPr marL="4571886" indent="-304792" algn="l" defTabSz="1219170" rtl="0" eaLnBrk="1" latinLnBrk="0" hangingPunct="1">
+              <a:spcBef>
+                <a:spcPct val="20000"/>
+              </a:spcBef>
+              <a:buFont typeface="Arial" pitchFamily="34" charset="0"/>
+              <a:buChar char="•"/>
+              <a:defRPr sz="2667" kern="1200">
+                <a:solidFill>
+                  <a:schemeClr val="tx1"/>
+                </a:solidFill>
+                <a:latin typeface="+mn-lt"/>
+                <a:ea typeface="+mn-ea"/>
+                <a:cs typeface="+mn-cs"/>
+              </a:defRPr>
+            </a:lvl8pPr>
+            <a:lvl9pPr marL="5181470" indent="-304792" algn="l" defTabSz="1219170" rtl="0" eaLnBrk="1" latinLnBrk="0" hangingPunct="1">
+              <a:spcBef>
+                <a:spcPct val="20000"/>
+              </a:spcBef>
+              <a:buFont typeface="Arial" pitchFamily="34" charset="0"/>
+              <a:buChar char="•"/>
+              <a:defRPr sz="2667" kern="1200">
+                <a:solidFill>
+                  <a:schemeClr val="tx1"/>
+                </a:solidFill>
+                <a:latin typeface="+mn-lt"/>
+                <a:ea typeface="+mn-ea"/>
+                <a:cs typeface="+mn-cs"/>
+              </a:defRPr>
+            </a:lvl9pPr>
+          </a:lstStyle>
+          <a:p>
+            <a:pPr marL="0" indent="0" algn="ctr">
               <a:buNone/>
             </a:pPr>
             <a:r>
-              <a:rPr lang="zh-TW" altLang="en-US" sz="4800" b="1" dirty="0">
-                <a:solidFill>
-                  <a:srgbClr val="000066"/>
-                </a:solidFill>
-                <a:latin typeface="微軟正黑體" pitchFamily="34" charset="-120"/>
-                <a:ea typeface="微軟正黑體" pitchFamily="34" charset="-120"/>
-              </a:rPr>
-              <a:t>遮蓋我 </a:t>
-            </a:r>
-            <a:r>
-              <a:rPr lang="zh-TW" altLang="en-US" sz="4800" b="1" dirty="0" smtClean="0">
-                <a:solidFill>
-                  <a:srgbClr val="000066"/>
-                </a:solidFill>
-                <a:latin typeface="微軟正黑體" pitchFamily="34" charset="-120"/>
-                <a:ea typeface="微軟正黑體" pitchFamily="34" charset="-120"/>
-              </a:rPr>
-              <a:t>在</a:t>
-            </a:r>
-            <a:r>
-              <a:rPr lang="zh-TW" altLang="en-US" sz="4800" b="1" dirty="0">
-                <a:solidFill>
-                  <a:srgbClr val="000066"/>
-                </a:solidFill>
-                <a:latin typeface="微軟正黑體" pitchFamily="34" charset="-120"/>
-                <a:ea typeface="微軟正黑體" pitchFamily="34" charset="-120"/>
-              </a:rPr>
-              <a:t>祢大能手中</a:t>
-            </a:r>
-            <a:endParaRPr lang="zh-TW" altLang="en-US" sz="4800" b="1" dirty="0">
+              <a:rPr lang="en-US" sz="3528" b="1" dirty="0" err="1">
+                <a:solidFill>
+                  <a:srgbClr val="000066"/>
+                </a:solidFill>
+              </a:rPr>
+              <a:t>Lạy</a:t>
+            </a:r>
+            <a:r>
+              <a:rPr lang="en-US" sz="3528" b="1" dirty="0">
+                <a:solidFill>
+                  <a:srgbClr val="000066"/>
+                </a:solidFill>
+              </a:rPr>
+              <a:t> Cha </a:t>
+            </a:r>
+            <a:r>
+              <a:rPr lang="en-US" sz="3528" b="1" dirty="0" err="1">
+                <a:solidFill>
+                  <a:srgbClr val="000066"/>
+                </a:solidFill>
+              </a:rPr>
+              <a:t>Thánh</a:t>
+            </a:r>
+            <a:r>
+              <a:rPr lang="en-US" sz="3528" b="1" dirty="0">
+                <a:solidFill>
+                  <a:srgbClr val="000066"/>
+                </a:solidFill>
+              </a:rPr>
+              <a:t> </a:t>
+            </a:r>
+            <a:r>
+              <a:rPr lang="en-US" sz="3528" b="1" dirty="0" err="1">
+                <a:solidFill>
+                  <a:srgbClr val="000066"/>
+                </a:solidFill>
+              </a:rPr>
+              <a:t>hiển</a:t>
+            </a:r>
+            <a:r>
+              <a:rPr lang="en-US" sz="3528" b="1" dirty="0">
+                <a:solidFill>
+                  <a:srgbClr val="000066"/>
+                </a:solidFill>
+              </a:rPr>
+              <a:t> </a:t>
+            </a:r>
+            <a:r>
+              <a:rPr lang="en-US" sz="3528" b="1" dirty="0" err="1">
+                <a:solidFill>
+                  <a:srgbClr val="000066"/>
+                </a:solidFill>
+              </a:rPr>
+              <a:t>vinh</a:t>
+            </a:r>
+            <a:r>
+              <a:rPr lang="en-US" sz="3528" b="1" dirty="0">
+                <a:solidFill>
+                  <a:srgbClr val="000066"/>
+                </a:solidFill>
+              </a:rPr>
+              <a:t> </a:t>
+            </a:r>
+            <a:r>
+              <a:rPr lang="en-US" sz="3528" b="1" dirty="0" err="1">
+                <a:solidFill>
+                  <a:srgbClr val="000066"/>
+                </a:solidFill>
+              </a:rPr>
+              <a:t>Vua</a:t>
+            </a:r>
+            <a:r>
+              <a:rPr lang="en-US" sz="3528" b="1" dirty="0">
+                <a:solidFill>
+                  <a:srgbClr val="000066"/>
+                </a:solidFill>
+              </a:rPr>
+              <a:t> </a:t>
+            </a:r>
+            <a:r>
+              <a:rPr lang="en-US" sz="3528" b="1" dirty="0" err="1">
+                <a:solidFill>
+                  <a:srgbClr val="000066"/>
+                </a:solidFill>
+              </a:rPr>
+              <a:t>trên</a:t>
+            </a:r>
+            <a:r>
+              <a:rPr lang="en-US" sz="3528" b="1" dirty="0">
+                <a:solidFill>
+                  <a:srgbClr val="000066"/>
+                </a:solidFill>
+              </a:rPr>
+              <a:t> </a:t>
+            </a:r>
+            <a:r>
+              <a:rPr lang="en-US" sz="3528" b="1" dirty="0" err="1">
+                <a:solidFill>
+                  <a:srgbClr val="000066"/>
+                </a:solidFill>
+              </a:rPr>
+              <a:t>dương</a:t>
+            </a:r>
+            <a:r>
+              <a:rPr lang="en-US" sz="3528" b="1" dirty="0">
+                <a:solidFill>
+                  <a:srgbClr val="000066"/>
+                </a:solidFill>
+              </a:rPr>
+              <a:t> </a:t>
+            </a:r>
+            <a:r>
+              <a:rPr lang="en-US" sz="3528" b="1" dirty="0" err="1">
+                <a:solidFill>
+                  <a:srgbClr val="000066"/>
+                </a:solidFill>
+              </a:rPr>
+              <a:t>gian</a:t>
+            </a:r>
+            <a:endParaRPr lang="en-US" sz="3528" b="1" dirty="0">
               <a:solidFill>
                 <a:srgbClr val="000066"/>
+              </a:solidFill>
+              <a:latin typeface="Calibri" panose="020F0502020204030204" pitchFamily="34" charset="0"/>
+              <a:ea typeface="微軟正黑體" pitchFamily="34" charset="-120"/>
+              <a:cs typeface="Calibri" panose="020F0502020204030204" pitchFamily="34" charset="0"/>
+            </a:endParaRPr>
+          </a:p>
+        </p:txBody>
+      </p:sp>
+    </p:spTree>
+    <p:extLst>
+      <p:ext uri="{BB962C8B-B14F-4D97-AF65-F5344CB8AC3E}">
+        <p14:creationId xmlns:p14="http://schemas.microsoft.com/office/powerpoint/2010/main" val="1141316622"/>
+      </p:ext>
+    </p:extLst>
+  </p:cSld>
+  <p:clrMapOvr>
+    <a:masterClrMapping/>
+  </p:clrMapOvr>
+</p:sld>
+</file>
+
+<file path=ppt/slides/slide13.xml><?xml version="1.0" encoding="utf-8"?>
+<p:sld xmlns:a="http://schemas.openxmlformats.org/drawingml/2006/main" xmlns:r="http://schemas.openxmlformats.org/officeDocument/2006/relationships" xmlns:p="http://schemas.openxmlformats.org/presentationml/2006/main">
+  <p:cSld>
+    <p:spTree>
+      <p:nvGrpSpPr>
+        <p:cNvPr id="1" name=""/>
+        <p:cNvGrpSpPr/>
+        <p:nvPr/>
+      </p:nvGrpSpPr>
+      <p:grpSpPr>
+        <a:xfrm>
+          <a:off x="0" y="0"/>
+          <a:ext cx="0" cy="0"/>
+          <a:chOff x="0" y="0"/>
+          <a:chExt cx="0" cy="0"/>
+        </a:xfrm>
+      </p:grpSpPr>
+      <p:sp>
+        <p:nvSpPr>
+          <p:cNvPr id="5" name="內容版面配置區 4"/>
+          <p:cNvSpPr>
+            <a:spLocks noGrp="1"/>
+          </p:cNvSpPr>
+          <p:nvPr>
+            <p:ph idx="1"/>
+          </p:nvPr>
+        </p:nvSpPr>
+        <p:spPr>
+          <a:xfrm>
+            <a:off x="-1" y="1792635"/>
+            <a:ext cx="10080625" cy="1089939"/>
+          </a:xfrm>
+        </p:spPr>
+        <p:txBody>
+          <a:bodyPr anchor="ctr">
+            <a:normAutofit/>
+          </a:bodyPr>
+          <a:lstStyle/>
+          <a:p>
+            <a:pPr algn="ctr">
+              <a:buNone/>
+            </a:pPr>
+            <a:r>
+              <a:rPr lang="zh-TW" altLang="en-US" sz="5292" b="1" dirty="0">
+                <a:solidFill>
+                  <a:srgbClr val="660033"/>
+                </a:solidFill>
+                <a:latin typeface="微軟正黑體" pitchFamily="34" charset="-120"/>
+                <a:ea typeface="微軟正黑體" pitchFamily="34" charset="-120"/>
+              </a:rPr>
+              <a:t>我要安靜  知祢是神</a:t>
+            </a:r>
+            <a:endParaRPr lang="zh-TW" altLang="en-US" sz="5292" b="1" dirty="0">
+              <a:solidFill>
+                <a:srgbClr val="660033"/>
               </a:solidFill>
               <a:latin typeface="微軟正黑體" pitchFamily="34" charset="-120"/>
               <a:ea typeface="微軟正黑體" pitchFamily="34" charset="-120"/>
@@ -3518,255 +4739,283 @@
       </p:sp>
       <p:sp>
         <p:nvSpPr>
-          <p:cNvPr id="43" name="TextShape 3"/>
-          <p:cNvSpPr txBox="1"/>
+          <p:cNvPr id="3" name="內容版面配置區 4"/>
+          <p:cNvSpPr txBox="1">
+            <a:spLocks/>
+          </p:cNvSpPr>
           <p:nvPr/>
         </p:nvSpPr>
         <p:spPr>
           <a:xfrm>
-            <a:off x="0" y="3292475"/>
-            <a:ext cx="10080000" cy="2011680"/>
+            <a:off x="-1" y="2577744"/>
+            <a:ext cx="10080625" cy="1089939"/>
           </a:xfrm>
           <a:prstGeom prst="rect">
             <a:avLst/>
           </a:prstGeom>
-          <a:noFill/>
-          <a:ln>
-            <a:noFill/>
-          </a:ln>
         </p:spPr>
         <p:txBody>
-          <a:bodyPr lIns="0" tIns="0" rIns="0" bIns="0" anchor="ctr"/>
-          <a:lstStyle/>
-          <a:p>
-            <a:pPr algn="ctr"/>
-            <a:r>
-              <a:rPr lang="en-US" sz="3600" b="1" dirty="0">
-                <a:solidFill>
-                  <a:srgbClr val="660033"/>
-                </a:solidFill>
-              </a:rPr>
-              <a:t>Xin </a:t>
-            </a:r>
-            <a:r>
-              <a:rPr lang="en-US" sz="3600" b="1" dirty="0" err="1">
-                <a:solidFill>
-                  <a:srgbClr val="660033"/>
-                </a:solidFill>
-              </a:rPr>
-              <a:t>giấu</a:t>
-            </a:r>
-            <a:r>
-              <a:rPr lang="en-US" sz="3600" b="1" dirty="0">
-                <a:solidFill>
-                  <a:srgbClr val="660033"/>
-                </a:solidFill>
-              </a:rPr>
-              <a:t> con </a:t>
-            </a:r>
-            <a:r>
-              <a:rPr lang="en-US" sz="3600" b="1" dirty="0" err="1">
-                <a:solidFill>
-                  <a:srgbClr val="660033"/>
-                </a:solidFill>
-              </a:rPr>
-              <a:t>nơi</a:t>
-            </a:r>
-            <a:r>
-              <a:rPr lang="en-US" sz="3600" b="1" dirty="0">
-                <a:solidFill>
-                  <a:srgbClr val="660033"/>
+          <a:bodyPr vert="horz" lIns="75605" tIns="37802" rIns="75605" bIns="37802" rtlCol="0" anchor="ctr">
+            <a:normAutofit/>
+          </a:bodyPr>
+          <a:lstStyle>
+            <a:lvl1pPr marL="457189" indent="-457189" algn="l" defTabSz="1219170" rtl="0" eaLnBrk="1" latinLnBrk="0" hangingPunct="1">
+              <a:spcBef>
+                <a:spcPct val="20000"/>
+              </a:spcBef>
+              <a:buFont typeface="Arial" pitchFamily="34" charset="0"/>
+              <a:buChar char="•"/>
+              <a:defRPr sz="4267" kern="1200">
+                <a:solidFill>
+                  <a:schemeClr val="tx1"/>
+                </a:solidFill>
+                <a:latin typeface="+mn-lt"/>
+                <a:ea typeface="+mn-ea"/>
+                <a:cs typeface="+mn-cs"/>
+              </a:defRPr>
+            </a:lvl1pPr>
+            <a:lvl2pPr marL="990575" indent="-380990" algn="l" defTabSz="1219170" rtl="0" eaLnBrk="1" latinLnBrk="0" hangingPunct="1">
+              <a:spcBef>
+                <a:spcPct val="20000"/>
+              </a:spcBef>
+              <a:buFont typeface="Arial" pitchFamily="34" charset="0"/>
+              <a:buChar char="–"/>
+              <a:defRPr sz="3733" kern="1200">
+                <a:solidFill>
+                  <a:schemeClr val="tx1"/>
+                </a:solidFill>
+                <a:latin typeface="+mn-lt"/>
+                <a:ea typeface="+mn-ea"/>
+                <a:cs typeface="+mn-cs"/>
+              </a:defRPr>
+            </a:lvl2pPr>
+            <a:lvl3pPr marL="1523962" indent="-304792" algn="l" defTabSz="1219170" rtl="0" eaLnBrk="1" latinLnBrk="0" hangingPunct="1">
+              <a:spcBef>
+                <a:spcPct val="20000"/>
+              </a:spcBef>
+              <a:buFont typeface="Arial" pitchFamily="34" charset="0"/>
+              <a:buChar char="•"/>
+              <a:defRPr sz="3200" kern="1200">
+                <a:solidFill>
+                  <a:schemeClr val="tx1"/>
+                </a:solidFill>
+                <a:latin typeface="+mn-lt"/>
+                <a:ea typeface="+mn-ea"/>
+                <a:cs typeface="+mn-cs"/>
+              </a:defRPr>
+            </a:lvl3pPr>
+            <a:lvl4pPr marL="2133547" indent="-304792" algn="l" defTabSz="1219170" rtl="0" eaLnBrk="1" latinLnBrk="0" hangingPunct="1">
+              <a:spcBef>
+                <a:spcPct val="20000"/>
+              </a:spcBef>
+              <a:buFont typeface="Arial" pitchFamily="34" charset="0"/>
+              <a:buChar char="–"/>
+              <a:defRPr sz="2667" kern="1200">
+                <a:solidFill>
+                  <a:schemeClr val="tx1"/>
+                </a:solidFill>
+                <a:latin typeface="+mn-lt"/>
+                <a:ea typeface="+mn-ea"/>
+                <a:cs typeface="+mn-cs"/>
+              </a:defRPr>
+            </a:lvl4pPr>
+            <a:lvl5pPr marL="2743131" indent="-304792" algn="l" defTabSz="1219170" rtl="0" eaLnBrk="1" latinLnBrk="0" hangingPunct="1">
+              <a:spcBef>
+                <a:spcPct val="20000"/>
+              </a:spcBef>
+              <a:buFont typeface="Arial" pitchFamily="34" charset="0"/>
+              <a:buChar char="»"/>
+              <a:defRPr sz="2667" kern="1200">
+                <a:solidFill>
+                  <a:schemeClr val="tx1"/>
+                </a:solidFill>
+                <a:latin typeface="+mn-lt"/>
+                <a:ea typeface="+mn-ea"/>
+                <a:cs typeface="+mn-cs"/>
+              </a:defRPr>
+            </a:lvl5pPr>
+            <a:lvl6pPr marL="3352716" indent="-304792" algn="l" defTabSz="1219170" rtl="0" eaLnBrk="1" latinLnBrk="0" hangingPunct="1">
+              <a:spcBef>
+                <a:spcPct val="20000"/>
+              </a:spcBef>
+              <a:buFont typeface="Arial" pitchFamily="34" charset="0"/>
+              <a:buChar char="•"/>
+              <a:defRPr sz="2667" kern="1200">
+                <a:solidFill>
+                  <a:schemeClr val="tx1"/>
+                </a:solidFill>
+                <a:latin typeface="+mn-lt"/>
+                <a:ea typeface="+mn-ea"/>
+                <a:cs typeface="+mn-cs"/>
+              </a:defRPr>
+            </a:lvl6pPr>
+            <a:lvl7pPr marL="3962301" indent="-304792" algn="l" defTabSz="1219170" rtl="0" eaLnBrk="1" latinLnBrk="0" hangingPunct="1">
+              <a:spcBef>
+                <a:spcPct val="20000"/>
+              </a:spcBef>
+              <a:buFont typeface="Arial" pitchFamily="34" charset="0"/>
+              <a:buChar char="•"/>
+              <a:defRPr sz="2667" kern="1200">
+                <a:solidFill>
+                  <a:schemeClr val="tx1"/>
+                </a:solidFill>
+                <a:latin typeface="+mn-lt"/>
+                <a:ea typeface="+mn-ea"/>
+                <a:cs typeface="+mn-cs"/>
+              </a:defRPr>
+            </a:lvl7pPr>
+            <a:lvl8pPr marL="4571886" indent="-304792" algn="l" defTabSz="1219170" rtl="0" eaLnBrk="1" latinLnBrk="0" hangingPunct="1">
+              <a:spcBef>
+                <a:spcPct val="20000"/>
+              </a:spcBef>
+              <a:buFont typeface="Arial" pitchFamily="34" charset="0"/>
+              <a:buChar char="•"/>
+              <a:defRPr sz="2667" kern="1200">
+                <a:solidFill>
+                  <a:schemeClr val="tx1"/>
+                </a:solidFill>
+                <a:latin typeface="+mn-lt"/>
+                <a:ea typeface="+mn-ea"/>
+                <a:cs typeface="+mn-cs"/>
+              </a:defRPr>
+            </a:lvl8pPr>
+            <a:lvl9pPr marL="5181470" indent="-304792" algn="l" defTabSz="1219170" rtl="0" eaLnBrk="1" latinLnBrk="0" hangingPunct="1">
+              <a:spcBef>
+                <a:spcPct val="20000"/>
+              </a:spcBef>
+              <a:buFont typeface="Arial" pitchFamily="34" charset="0"/>
+              <a:buChar char="•"/>
+              <a:defRPr sz="2667" kern="1200">
+                <a:solidFill>
+                  <a:schemeClr val="tx1"/>
+                </a:solidFill>
+                <a:latin typeface="+mn-lt"/>
+                <a:ea typeface="+mn-ea"/>
+                <a:cs typeface="+mn-cs"/>
+              </a:defRPr>
+            </a:lvl9pPr>
+          </a:lstStyle>
+          <a:p>
+            <a:pPr marL="0" indent="0" algn="ctr">
+              <a:buNone/>
+            </a:pPr>
+            <a:r>
+              <a:rPr lang="en-US" sz="3528" b="1" dirty="0">
+                <a:solidFill>
+                  <a:srgbClr val="000066"/>
+                </a:solidFill>
+              </a:rPr>
+              <a:t>Con </a:t>
+            </a:r>
+            <a:r>
+              <a:rPr lang="en-US" sz="3528" b="1" dirty="0" err="1">
+                <a:solidFill>
+                  <a:srgbClr val="000066"/>
+                </a:solidFill>
+              </a:rPr>
+              <a:t>luôn</a:t>
+            </a:r>
+            <a:r>
+              <a:rPr lang="en-US" sz="3528" b="1" dirty="0">
+                <a:solidFill>
+                  <a:srgbClr val="000066"/>
                 </a:solidFill>
               </a:rPr>
               <a:t> </a:t>
             </a:r>
             <a:r>
-              <a:rPr lang="en-US" sz="3600" b="1" dirty="0" err="1">
-                <a:solidFill>
-                  <a:srgbClr val="660033"/>
-                </a:solidFill>
-              </a:rPr>
-              <a:t>cánh</a:t>
-            </a:r>
-            <a:r>
-              <a:rPr lang="en-US" sz="3600" b="1" dirty="0">
-                <a:solidFill>
-                  <a:srgbClr val="660033"/>
+              <a:rPr lang="en-US" sz="3528" b="1" dirty="0" err="1">
+                <a:solidFill>
+                  <a:srgbClr val="000066"/>
+                </a:solidFill>
+              </a:rPr>
+              <a:t>vững</a:t>
+            </a:r>
+            <a:r>
+              <a:rPr lang="en-US" sz="3528" b="1" dirty="0">
+                <a:solidFill>
+                  <a:srgbClr val="000066"/>
                 </a:solidFill>
               </a:rPr>
               <a:t> </a:t>
             </a:r>
             <a:r>
-              <a:rPr lang="en-US" sz="3600" b="1" dirty="0" err="1">
-                <a:solidFill>
-                  <a:srgbClr val="660033"/>
-                </a:solidFill>
-              </a:rPr>
-              <a:t>tay</a:t>
-            </a:r>
-            <a:r>
-              <a:rPr lang="en-US" sz="3600" b="1" dirty="0">
-                <a:solidFill>
-                  <a:srgbClr val="660033"/>
-                </a:solidFill>
-              </a:rPr>
-              <a:t> Cha</a:t>
-            </a:r>
-          </a:p>
-          <a:p>
-            <a:pPr algn="ctr"/>
-            <a:r>
-              <a:rPr lang="en-US" sz="3600" b="1" dirty="0" err="1">
-                <a:solidFill>
-                  <a:srgbClr val="660033"/>
-                </a:solidFill>
-              </a:rPr>
-              <a:t>Che</a:t>
-            </a:r>
-            <a:r>
-              <a:rPr lang="en-US" sz="3600" b="1" dirty="0">
-                <a:solidFill>
-                  <a:srgbClr val="660033"/>
+              <a:rPr lang="en-US" sz="3528" b="1" dirty="0" err="1">
+                <a:solidFill>
+                  <a:srgbClr val="000066"/>
+                </a:solidFill>
+              </a:rPr>
+              <a:t>lòng</a:t>
+            </a:r>
+            <a:r>
+              <a:rPr lang="en-US" sz="3528" b="1" dirty="0">
+                <a:solidFill>
+                  <a:srgbClr val="000066"/>
                 </a:solidFill>
               </a:rPr>
               <a:t> </a:t>
             </a:r>
             <a:r>
-              <a:rPr lang="en-US" sz="3600" b="1" dirty="0" err="1">
-                <a:solidFill>
-                  <a:srgbClr val="660033"/>
-                </a:solidFill>
-              </a:rPr>
-              <a:t>phủ</a:t>
-            </a:r>
-            <a:r>
-              <a:rPr lang="en-US" sz="3600" b="1" dirty="0">
-                <a:solidFill>
-                  <a:srgbClr val="660033"/>
-                </a:solidFill>
-              </a:rPr>
-              <a:t> con </a:t>
-            </a:r>
-            <a:r>
-              <a:rPr lang="en-US" sz="3600" b="1" dirty="0" err="1">
-                <a:solidFill>
-                  <a:srgbClr val="660033"/>
-                </a:solidFill>
-              </a:rPr>
-              <a:t>nhờ</a:t>
-            </a:r>
-            <a:r>
-              <a:rPr lang="en-US" sz="3600" b="1" dirty="0">
-                <a:solidFill>
-                  <a:srgbClr val="660033"/>
+              <a:rPr lang="en-US" sz="3528" b="1" dirty="0" err="1">
+                <a:solidFill>
+                  <a:srgbClr val="000066"/>
+                </a:solidFill>
+              </a:rPr>
+              <a:t>vì</a:t>
+            </a:r>
+            <a:r>
+              <a:rPr lang="en-US" sz="3528" b="1" dirty="0">
+                <a:solidFill>
+                  <a:srgbClr val="000066"/>
                 </a:solidFill>
               </a:rPr>
               <a:t> </a:t>
             </a:r>
             <a:r>
-              <a:rPr lang="en-US" sz="3600" b="1" dirty="0" err="1">
-                <a:solidFill>
-                  <a:srgbClr val="660033"/>
-                </a:solidFill>
-              </a:rPr>
-              <a:t>bóng</a:t>
-            </a:r>
-            <a:r>
-              <a:rPr lang="en-US" sz="3600" b="1" dirty="0">
-                <a:solidFill>
-                  <a:srgbClr val="660033"/>
-                </a:solidFill>
-              </a:rPr>
-              <a:t> </a:t>
-            </a:r>
-            <a:r>
-              <a:rPr lang="en-US" sz="3600" b="1" dirty="0" err="1">
-                <a:solidFill>
-                  <a:srgbClr val="660033"/>
-                </a:solidFill>
-              </a:rPr>
-              <a:t>thiêng</a:t>
-            </a:r>
-            <a:r>
-              <a:rPr lang="en-US" sz="3600" b="1" dirty="0">
-                <a:solidFill>
-                  <a:srgbClr val="660033"/>
-                </a:solidFill>
-              </a:rPr>
-              <a:t> </a:t>
-            </a:r>
-            <a:r>
-              <a:rPr lang="en-US" sz="3600" b="1" dirty="0" smtClean="0">
-                <a:solidFill>
-                  <a:srgbClr val="660033"/>
-                </a:solidFill>
-              </a:rPr>
-              <a:t>Cha </a:t>
-            </a:r>
-            <a:r>
-              <a:rPr lang="en-US" sz="3600" b="1" dirty="0" err="1">
-                <a:solidFill>
-                  <a:srgbClr val="660033"/>
-                </a:solidFill>
-              </a:rPr>
-              <a:t>quyền</a:t>
-            </a:r>
-            <a:r>
-              <a:rPr lang="en-US" sz="3600" b="1" dirty="0">
-                <a:solidFill>
-                  <a:srgbClr val="660033"/>
-                </a:solidFill>
-              </a:rPr>
-              <a:t> </a:t>
-            </a:r>
-            <a:r>
-              <a:rPr lang="en-US" sz="3600" b="1" dirty="0" err="1">
-                <a:solidFill>
-                  <a:srgbClr val="660033"/>
-                </a:solidFill>
-              </a:rPr>
-              <a:t>năng</a:t>
-            </a:r>
-            <a:endParaRPr lang="en-US" sz="3600" b="1" dirty="0">
-              <a:solidFill>
-                <a:srgbClr val="660033"/>
-              </a:solidFill>
-            </a:endParaRPr>
+              <a:rPr lang="en-US" sz="3528" b="1" dirty="0" err="1">
+                <a:solidFill>
+                  <a:srgbClr val="000066"/>
+                </a:solidFill>
+              </a:rPr>
+              <a:t>biết</a:t>
+            </a:r>
+            <a:r>
+              <a:rPr lang="en-US" sz="3528" b="1" dirty="0">
+                <a:solidFill>
+                  <a:srgbClr val="000066"/>
+                </a:solidFill>
+              </a:rPr>
+              <a:t> Cha </a:t>
+            </a:r>
+            <a:r>
+              <a:rPr lang="en-US" sz="3528" b="1" dirty="0" err="1">
+                <a:solidFill>
+                  <a:srgbClr val="000066"/>
+                </a:solidFill>
+              </a:rPr>
+              <a:t>bên</a:t>
+            </a:r>
+            <a:r>
+              <a:rPr lang="en-US" sz="3528" b="1" dirty="0">
+                <a:solidFill>
+                  <a:srgbClr val="000066"/>
+                </a:solidFill>
+              </a:rPr>
+              <a:t> con</a:t>
+            </a:r>
           </a:p>
         </p:txBody>
       </p:sp>
     </p:spTree>
+    <p:extLst>
+      <p:ext uri="{BB962C8B-B14F-4D97-AF65-F5344CB8AC3E}">
+        <p14:creationId xmlns:p14="http://schemas.microsoft.com/office/powerpoint/2010/main" val="1838513996"/>
+      </p:ext>
+    </p:extLst>
   </p:cSld>
   <p:clrMapOvr>
     <a:masterClrMapping/>
   </p:clrMapOvr>
-  <p:timing>
-    <p:tnLst>
-      <p:par>
-        <p:cTn id="1" dur="indefinite" restart="never" nodeType="tmRoot">
-          <p:childTnLst>
-            <p:seq>
-              <p:cTn id="2" dur="indefinite" nodeType="mainSeq"/>
-              <p:prevCondLst>
-                <p:cond evt="onPrev" delay="0">
-                  <p:tgtEl>
-                    <p:sldTgt/>
-                  </p:tgtEl>
-                </p:cond>
-              </p:prevCondLst>
-              <p:nextCondLst>
-                <p:cond evt="onNext" delay="0">
-                  <p:tgtEl>
-                    <p:sldTgt/>
-                  </p:tgtEl>
-                </p:cond>
-              </p:nextCondLst>
-            </p:seq>
-          </p:childTnLst>
-        </p:cTn>
-      </p:par>
-    </p:tnLst>
-  </p:timing>
 </p:sld>
 </file>
 
@@ -3789,466 +5038,353 @@
       </p:grpSpPr>
       <p:sp>
         <p:nvSpPr>
-          <p:cNvPr id="41" name="TextShape 1"/>
-          <p:cNvSpPr txBox="1"/>
-          <p:nvPr/>
+          <p:cNvPr id="5" name="內容版面配置區 4"/>
+          <p:cNvSpPr>
+            <a:spLocks noGrp="1"/>
+          </p:cNvSpPr>
+          <p:nvPr>
+            <p:ph idx="1"/>
+          </p:nvPr>
         </p:nvSpPr>
         <p:spPr>
           <a:xfrm>
-            <a:off x="0" y="182880"/>
-            <a:ext cx="10080000" cy="1116000"/>
+            <a:off x="-1" y="1792635"/>
+            <a:ext cx="10080625" cy="1089939"/>
+          </a:xfrm>
+        </p:spPr>
+        <p:txBody>
+          <a:bodyPr anchor="ctr">
+            <a:normAutofit/>
+          </a:bodyPr>
+          <a:lstStyle/>
+          <a:p>
+            <a:pPr algn="ctr">
+              <a:buNone/>
+            </a:pPr>
+            <a:r>
+              <a:rPr lang="zh-TW" altLang="en-US" sz="5292" b="1" dirty="0">
+                <a:solidFill>
+                  <a:srgbClr val="660033"/>
+                </a:solidFill>
+                <a:latin typeface="微軟正黑體" pitchFamily="34" charset="-120"/>
+                <a:ea typeface="微軟正黑體" pitchFamily="34" charset="-120"/>
+              </a:rPr>
+              <a:t>藏</a:t>
+            </a:r>
+            <a:r>
+              <a:rPr lang="zh-TW" altLang="en-US" sz="5292" b="1" dirty="0">
+                <a:solidFill>
+                  <a:srgbClr val="660033"/>
+                </a:solidFill>
+                <a:latin typeface="微軟正黑體" pitchFamily="34" charset="-120"/>
+                <a:ea typeface="微軟正黑體" pitchFamily="34" charset="-120"/>
+              </a:rPr>
+              <a:t>我在 </a:t>
+            </a:r>
+            <a:r>
+              <a:rPr lang="zh-TW" altLang="en-US" sz="5292" b="1" dirty="0">
+                <a:solidFill>
+                  <a:srgbClr val="660033"/>
+                </a:solidFill>
+                <a:latin typeface="微軟正黑體" pitchFamily="34" charset="-120"/>
+                <a:ea typeface="微軟正黑體" pitchFamily="34" charset="-120"/>
+              </a:rPr>
+              <a:t> 翅</a:t>
+            </a:r>
+            <a:r>
+              <a:rPr lang="zh-TW" altLang="en-US" sz="5292" b="1" dirty="0">
+                <a:solidFill>
+                  <a:srgbClr val="660033"/>
+                </a:solidFill>
+                <a:latin typeface="微軟正黑體" pitchFamily="34" charset="-120"/>
+                <a:ea typeface="微軟正黑體" pitchFamily="34" charset="-120"/>
+              </a:rPr>
+              <a:t>膀蔭下</a:t>
+            </a:r>
+            <a:endParaRPr lang="en-US" altLang="zh-TW" sz="5292" b="1" dirty="0">
+              <a:solidFill>
+                <a:srgbClr val="660033"/>
+              </a:solidFill>
+              <a:latin typeface="微軟正黑體" pitchFamily="34" charset="-120"/>
+              <a:ea typeface="微軟正黑體" pitchFamily="34" charset="-120"/>
+            </a:endParaRPr>
+          </a:p>
+        </p:txBody>
+      </p:sp>
+      <p:sp>
+        <p:nvSpPr>
+          <p:cNvPr id="3" name="內容版面配置區 4"/>
+          <p:cNvSpPr txBox="1">
+            <a:spLocks/>
+          </p:cNvSpPr>
+          <p:nvPr/>
+        </p:nvSpPr>
+        <p:spPr>
+          <a:xfrm>
+            <a:off x="-1" y="2577744"/>
+            <a:ext cx="10080625" cy="1089939"/>
           </a:xfrm>
           <a:prstGeom prst="rect">
             <a:avLst/>
           </a:prstGeom>
-          <a:noFill/>
-          <a:ln>
-            <a:noFill/>
-          </a:ln>
         </p:spPr>
         <p:txBody>
-          <a:bodyPr lIns="0" tIns="0" rIns="0" bIns="0" anchor="ctr"/>
-          <a:lstStyle/>
-          <a:p>
-            <a:pPr algn="ctr"/>
-            <a:r>
-              <a:rPr lang="zh-CN" altLang="en-US" sz="4000" b="1" dirty="0" smtClean="0">
-                <a:solidFill>
-                  <a:srgbClr val="000066"/>
-                </a:solidFill>
-                <a:latin typeface="微軟正黑體" pitchFamily="34" charset="-120"/>
-                <a:ea typeface="微軟正黑體" pitchFamily="34" charset="-120"/>
-              </a:rPr>
-              <a:t>安靜</a:t>
-            </a:r>
-            <a:r>
-              <a:rPr dirty="0"/>
-              <a:t/>
-            </a:r>
-            <a:br>
-              <a:rPr dirty="0"/>
-            </a:br>
-            <a:r>
-              <a:rPr lang="en-US" sz="2800" b="1" dirty="0" smtClean="0">
-                <a:solidFill>
-                  <a:srgbClr val="660033"/>
-                </a:solidFill>
-                <a:latin typeface="Arial" panose="020B0604020202020204" pitchFamily="34" charset="0"/>
-                <a:cs typeface="Arial" panose="020B0604020202020204" pitchFamily="34" charset="0"/>
-              </a:rPr>
-              <a:t>VỮNG AN</a:t>
-            </a:r>
-            <a:endParaRPr lang="en-US" sz="4000" b="1" strike="noStrike" spc="-1" dirty="0">
-              <a:solidFill>
-                <a:srgbClr val="660033"/>
-              </a:solidFill>
-              <a:latin typeface="Arial" panose="020B0604020202020204" pitchFamily="34" charset="0"/>
-              <a:cs typeface="Arial" panose="020B0604020202020204" pitchFamily="34" charset="0"/>
-            </a:endParaRPr>
-          </a:p>
-        </p:txBody>
-      </p:sp>
-      <p:sp>
-        <p:nvSpPr>
-          <p:cNvPr id="42" name="TextShape 2"/>
-          <p:cNvSpPr txBox="1"/>
-          <p:nvPr/>
-        </p:nvSpPr>
-        <p:spPr>
-          <a:xfrm>
-            <a:off x="0" y="1305230"/>
-            <a:ext cx="10080000" cy="2231640"/>
-          </a:xfrm>
-          <a:prstGeom prst="rect">
-            <a:avLst/>
-          </a:prstGeom>
-          <a:noFill/>
-          <a:ln>
-            <a:noFill/>
-          </a:ln>
-        </p:spPr>
-        <p:txBody>
-          <a:bodyPr lIns="0" tIns="0" rIns="0" bIns="0" anchor="ctr"/>
-          <a:lstStyle/>
-          <a:p>
-            <a:pPr algn="ctr">
+          <a:bodyPr vert="horz" lIns="75605" tIns="37802" rIns="75605" bIns="37802" rtlCol="0" anchor="ctr">
+            <a:normAutofit/>
+          </a:bodyPr>
+          <a:lstStyle>
+            <a:lvl1pPr marL="457189" indent="-457189" algn="l" defTabSz="1219170" rtl="0" eaLnBrk="1" latinLnBrk="0" hangingPunct="1">
+              <a:spcBef>
+                <a:spcPct val="20000"/>
+              </a:spcBef>
+              <a:buFont typeface="Arial" pitchFamily="34" charset="0"/>
+              <a:buChar char="•"/>
+              <a:defRPr sz="4267" kern="1200">
+                <a:solidFill>
+                  <a:schemeClr val="tx1"/>
+                </a:solidFill>
+                <a:latin typeface="+mn-lt"/>
+                <a:ea typeface="+mn-ea"/>
+                <a:cs typeface="+mn-cs"/>
+              </a:defRPr>
+            </a:lvl1pPr>
+            <a:lvl2pPr marL="990575" indent="-380990" algn="l" defTabSz="1219170" rtl="0" eaLnBrk="1" latinLnBrk="0" hangingPunct="1">
+              <a:spcBef>
+                <a:spcPct val="20000"/>
+              </a:spcBef>
+              <a:buFont typeface="Arial" pitchFamily="34" charset="0"/>
+              <a:buChar char="–"/>
+              <a:defRPr sz="3733" kern="1200">
+                <a:solidFill>
+                  <a:schemeClr val="tx1"/>
+                </a:solidFill>
+                <a:latin typeface="+mn-lt"/>
+                <a:ea typeface="+mn-ea"/>
+                <a:cs typeface="+mn-cs"/>
+              </a:defRPr>
+            </a:lvl2pPr>
+            <a:lvl3pPr marL="1523962" indent="-304792" algn="l" defTabSz="1219170" rtl="0" eaLnBrk="1" latinLnBrk="0" hangingPunct="1">
+              <a:spcBef>
+                <a:spcPct val="20000"/>
+              </a:spcBef>
+              <a:buFont typeface="Arial" pitchFamily="34" charset="0"/>
+              <a:buChar char="•"/>
+              <a:defRPr sz="3200" kern="1200">
+                <a:solidFill>
+                  <a:schemeClr val="tx1"/>
+                </a:solidFill>
+                <a:latin typeface="+mn-lt"/>
+                <a:ea typeface="+mn-ea"/>
+                <a:cs typeface="+mn-cs"/>
+              </a:defRPr>
+            </a:lvl3pPr>
+            <a:lvl4pPr marL="2133547" indent="-304792" algn="l" defTabSz="1219170" rtl="0" eaLnBrk="1" latinLnBrk="0" hangingPunct="1">
+              <a:spcBef>
+                <a:spcPct val="20000"/>
+              </a:spcBef>
+              <a:buFont typeface="Arial" pitchFamily="34" charset="0"/>
+              <a:buChar char="–"/>
+              <a:defRPr sz="2667" kern="1200">
+                <a:solidFill>
+                  <a:schemeClr val="tx1"/>
+                </a:solidFill>
+                <a:latin typeface="+mn-lt"/>
+                <a:ea typeface="+mn-ea"/>
+                <a:cs typeface="+mn-cs"/>
+              </a:defRPr>
+            </a:lvl4pPr>
+            <a:lvl5pPr marL="2743131" indent="-304792" algn="l" defTabSz="1219170" rtl="0" eaLnBrk="1" latinLnBrk="0" hangingPunct="1">
+              <a:spcBef>
+                <a:spcPct val="20000"/>
+              </a:spcBef>
+              <a:buFont typeface="Arial" pitchFamily="34" charset="0"/>
+              <a:buChar char="»"/>
+              <a:defRPr sz="2667" kern="1200">
+                <a:solidFill>
+                  <a:schemeClr val="tx1"/>
+                </a:solidFill>
+                <a:latin typeface="+mn-lt"/>
+                <a:ea typeface="+mn-ea"/>
+                <a:cs typeface="+mn-cs"/>
+              </a:defRPr>
+            </a:lvl5pPr>
+            <a:lvl6pPr marL="3352716" indent="-304792" algn="l" defTabSz="1219170" rtl="0" eaLnBrk="1" latinLnBrk="0" hangingPunct="1">
+              <a:spcBef>
+                <a:spcPct val="20000"/>
+              </a:spcBef>
+              <a:buFont typeface="Arial" pitchFamily="34" charset="0"/>
+              <a:buChar char="•"/>
+              <a:defRPr sz="2667" kern="1200">
+                <a:solidFill>
+                  <a:schemeClr val="tx1"/>
+                </a:solidFill>
+                <a:latin typeface="+mn-lt"/>
+                <a:ea typeface="+mn-ea"/>
+                <a:cs typeface="+mn-cs"/>
+              </a:defRPr>
+            </a:lvl6pPr>
+            <a:lvl7pPr marL="3962301" indent="-304792" algn="l" defTabSz="1219170" rtl="0" eaLnBrk="1" latinLnBrk="0" hangingPunct="1">
+              <a:spcBef>
+                <a:spcPct val="20000"/>
+              </a:spcBef>
+              <a:buFont typeface="Arial" pitchFamily="34" charset="0"/>
+              <a:buChar char="•"/>
+              <a:defRPr sz="2667" kern="1200">
+                <a:solidFill>
+                  <a:schemeClr val="tx1"/>
+                </a:solidFill>
+                <a:latin typeface="+mn-lt"/>
+                <a:ea typeface="+mn-ea"/>
+                <a:cs typeface="+mn-cs"/>
+              </a:defRPr>
+            </a:lvl7pPr>
+            <a:lvl8pPr marL="4571886" indent="-304792" algn="l" defTabSz="1219170" rtl="0" eaLnBrk="1" latinLnBrk="0" hangingPunct="1">
+              <a:spcBef>
+                <a:spcPct val="20000"/>
+              </a:spcBef>
+              <a:buFont typeface="Arial" pitchFamily="34" charset="0"/>
+              <a:buChar char="•"/>
+              <a:defRPr sz="2667" kern="1200">
+                <a:solidFill>
+                  <a:schemeClr val="tx1"/>
+                </a:solidFill>
+                <a:latin typeface="+mn-lt"/>
+                <a:ea typeface="+mn-ea"/>
+                <a:cs typeface="+mn-cs"/>
+              </a:defRPr>
+            </a:lvl8pPr>
+            <a:lvl9pPr marL="5181470" indent="-304792" algn="l" defTabSz="1219170" rtl="0" eaLnBrk="1" latinLnBrk="0" hangingPunct="1">
+              <a:spcBef>
+                <a:spcPct val="20000"/>
+              </a:spcBef>
+              <a:buFont typeface="Arial" pitchFamily="34" charset="0"/>
+              <a:buChar char="•"/>
+              <a:defRPr sz="2667" kern="1200">
+                <a:solidFill>
+                  <a:schemeClr val="tx1"/>
+                </a:solidFill>
+                <a:latin typeface="+mn-lt"/>
+                <a:ea typeface="+mn-ea"/>
+                <a:cs typeface="+mn-cs"/>
+              </a:defRPr>
+            </a:lvl9pPr>
+          </a:lstStyle>
+          <a:p>
+            <a:pPr marL="0" indent="0" algn="ctr">
               <a:buNone/>
             </a:pPr>
             <a:r>
-              <a:rPr lang="zh-TW" altLang="en-US" sz="4800" b="1" dirty="0">
-                <a:solidFill>
-                  <a:srgbClr val="000066"/>
-                </a:solidFill>
-                <a:latin typeface="微軟正黑體" pitchFamily="34" charset="-120"/>
-                <a:ea typeface="微軟正黑體" pitchFamily="34" charset="-120"/>
-              </a:rPr>
-              <a:t>當大海翻騰波濤洶湧</a:t>
-            </a:r>
-            <a:endParaRPr lang="en-US" altLang="zh-TW" sz="4800" b="1" dirty="0">
-              <a:solidFill>
-                <a:srgbClr val="000066"/>
-              </a:solidFill>
-              <a:latin typeface="微軟正黑體" pitchFamily="34" charset="-120"/>
-              <a:ea typeface="微軟正黑體" pitchFamily="34" charset="-120"/>
-            </a:endParaRPr>
-          </a:p>
-          <a:p>
-            <a:pPr algn="ctr">
-              <a:buNone/>
-            </a:pPr>
-            <a:r>
-              <a:rPr lang="zh-TW" altLang="en-US" sz="4800" b="1" dirty="0">
-                <a:solidFill>
-                  <a:srgbClr val="000066"/>
-                </a:solidFill>
-                <a:latin typeface="微軟正黑體" pitchFamily="34" charset="-120"/>
-                <a:ea typeface="微軟正黑體" pitchFamily="34" charset="-120"/>
-              </a:rPr>
-              <a:t>我與祢展翅暴風上空</a:t>
-            </a:r>
-            <a:endParaRPr lang="en-US" altLang="zh-TW" sz="4800" b="1" dirty="0">
-              <a:solidFill>
-                <a:srgbClr val="000066"/>
-              </a:solidFill>
-              <a:latin typeface="微軟正黑體" pitchFamily="34" charset="-120"/>
-              <a:ea typeface="微軟正黑體" pitchFamily="34" charset="-120"/>
-            </a:endParaRPr>
-          </a:p>
-        </p:txBody>
-      </p:sp>
-      <p:sp>
-        <p:nvSpPr>
-          <p:cNvPr id="43" name="TextShape 3"/>
-          <p:cNvSpPr txBox="1"/>
-          <p:nvPr/>
-        </p:nvSpPr>
-        <p:spPr>
-          <a:xfrm>
-            <a:off x="0" y="3292475"/>
-            <a:ext cx="10080000" cy="2011680"/>
-          </a:xfrm>
-          <a:prstGeom prst="rect">
-            <a:avLst/>
-          </a:prstGeom>
-          <a:noFill/>
-          <a:ln>
-            <a:noFill/>
-          </a:ln>
-        </p:spPr>
-        <p:txBody>
-          <a:bodyPr lIns="0" tIns="0" rIns="0" bIns="0" anchor="ctr"/>
-          <a:lstStyle/>
-          <a:p>
-            <a:pPr algn="ctr"/>
-            <a:r>
-              <a:rPr lang="en-US" sz="3600" b="1" dirty="0" err="1">
-                <a:solidFill>
-                  <a:srgbClr val="660033"/>
-                </a:solidFill>
-              </a:rPr>
-              <a:t>Dù</a:t>
-            </a:r>
-            <a:r>
-              <a:rPr lang="en-US" sz="3600" b="1" dirty="0">
-                <a:solidFill>
-                  <a:srgbClr val="660033"/>
-                </a:solidFill>
+              <a:rPr lang="en-US" sz="3528" b="1" dirty="0">
+                <a:solidFill>
+                  <a:srgbClr val="000066"/>
+                </a:solidFill>
+                <a:latin typeface="Calibri" panose="020F0502020204030204" pitchFamily="34" charset="0"/>
+                <a:ea typeface="微軟正黑體" pitchFamily="34" charset="-120"/>
+                <a:cs typeface="Calibri" panose="020F0502020204030204" pitchFamily="34" charset="0"/>
+              </a:rPr>
+              <a:t>Xin </a:t>
+            </a:r>
+            <a:r>
+              <a:rPr lang="en-US" sz="3528" b="1" dirty="0" err="1">
+                <a:solidFill>
+                  <a:srgbClr val="000066"/>
+                </a:solidFill>
+                <a:latin typeface="Calibri" panose="020F0502020204030204" pitchFamily="34" charset="0"/>
+                <a:ea typeface="微軟正黑體" pitchFamily="34" charset="-120"/>
+                <a:cs typeface="Calibri" panose="020F0502020204030204" pitchFamily="34" charset="0"/>
+              </a:rPr>
+              <a:t>giấu</a:t>
+            </a:r>
+            <a:r>
+              <a:rPr lang="en-US" sz="3528" b="1" dirty="0">
+                <a:solidFill>
+                  <a:srgbClr val="000066"/>
+                </a:solidFill>
+                <a:latin typeface="Calibri" panose="020F0502020204030204" pitchFamily="34" charset="0"/>
+                <a:ea typeface="微軟正黑體" pitchFamily="34" charset="-120"/>
+                <a:cs typeface="Calibri" panose="020F0502020204030204" pitchFamily="34" charset="0"/>
+              </a:rPr>
+              <a:t> con </a:t>
+            </a:r>
+            <a:r>
+              <a:rPr lang="en-US" sz="3528" b="1" dirty="0" err="1">
+                <a:solidFill>
+                  <a:srgbClr val="000066"/>
+                </a:solidFill>
+                <a:latin typeface="Calibri" panose="020F0502020204030204" pitchFamily="34" charset="0"/>
+                <a:ea typeface="微軟正黑體" pitchFamily="34" charset="-120"/>
+                <a:cs typeface="Calibri" panose="020F0502020204030204" pitchFamily="34" charset="0"/>
+              </a:rPr>
+              <a:t>nơi</a:t>
+            </a:r>
+            <a:r>
+              <a:rPr lang="en-US" sz="3528" b="1" dirty="0">
+                <a:solidFill>
+                  <a:srgbClr val="000066"/>
+                </a:solidFill>
+                <a:latin typeface="Calibri" panose="020F0502020204030204" pitchFamily="34" charset="0"/>
+                <a:ea typeface="微軟正黑體" pitchFamily="34" charset="-120"/>
+                <a:cs typeface="Calibri" panose="020F0502020204030204" pitchFamily="34" charset="0"/>
               </a:rPr>
               <a:t> </a:t>
             </a:r>
             <a:r>
-              <a:rPr lang="en-US" sz="3600" b="1" dirty="0" err="1">
-                <a:solidFill>
-                  <a:srgbClr val="660033"/>
-                </a:solidFill>
-              </a:rPr>
-              <a:t>giông</a:t>
-            </a:r>
-            <a:r>
-              <a:rPr lang="en-US" sz="3600" b="1" dirty="0">
-                <a:solidFill>
-                  <a:srgbClr val="660033"/>
-                </a:solidFill>
+              <a:rPr lang="en-US" sz="3528" b="1" dirty="0" err="1">
+                <a:solidFill>
+                  <a:srgbClr val="000066"/>
+                </a:solidFill>
+                <a:latin typeface="Calibri" panose="020F0502020204030204" pitchFamily="34" charset="0"/>
+                <a:ea typeface="微軟正黑體" pitchFamily="34" charset="-120"/>
+                <a:cs typeface="Calibri" panose="020F0502020204030204" pitchFamily="34" charset="0"/>
+              </a:rPr>
+              <a:t>cánh</a:t>
+            </a:r>
+            <a:r>
+              <a:rPr lang="en-US" sz="3528" b="1" dirty="0">
+                <a:solidFill>
+                  <a:srgbClr val="000066"/>
+                </a:solidFill>
+                <a:latin typeface="Calibri" panose="020F0502020204030204" pitchFamily="34" charset="0"/>
+                <a:ea typeface="微軟正黑體" pitchFamily="34" charset="-120"/>
+                <a:cs typeface="Calibri" panose="020F0502020204030204" pitchFamily="34" charset="0"/>
               </a:rPr>
               <a:t> </a:t>
             </a:r>
             <a:r>
-              <a:rPr lang="en-US" sz="3600" b="1" dirty="0" err="1">
-                <a:solidFill>
-                  <a:srgbClr val="660033"/>
-                </a:solidFill>
-              </a:rPr>
-              <a:t>tố</a:t>
-            </a:r>
-            <a:r>
-              <a:rPr lang="en-US" sz="3600" b="1" dirty="0">
-                <a:solidFill>
-                  <a:srgbClr val="660033"/>
-                </a:solidFill>
-              </a:rPr>
-              <a:t> </a:t>
-            </a:r>
-            <a:r>
-              <a:rPr lang="en-US" sz="3600" b="1" dirty="0" err="1">
-                <a:solidFill>
-                  <a:srgbClr val="660033"/>
-                </a:solidFill>
-              </a:rPr>
-              <a:t>khiếp</a:t>
-            </a:r>
-            <a:r>
-              <a:rPr lang="en-US" sz="3600" b="1" dirty="0">
-                <a:solidFill>
-                  <a:srgbClr val="660033"/>
-                </a:solidFill>
-              </a:rPr>
-              <a:t> </a:t>
-            </a:r>
-            <a:r>
-              <a:rPr lang="en-US" sz="3600" b="1" dirty="0" err="1">
-                <a:solidFill>
-                  <a:srgbClr val="660033"/>
-                </a:solidFill>
-              </a:rPr>
-              <a:t>kinh</a:t>
-            </a:r>
-            <a:r>
-              <a:rPr lang="en-US" sz="3600" b="1" dirty="0">
-                <a:solidFill>
-                  <a:srgbClr val="660033"/>
-                </a:solidFill>
-              </a:rPr>
-              <a:t> </a:t>
-            </a:r>
-            <a:r>
-              <a:rPr lang="en-US" sz="3600" b="1" dirty="0" err="1">
-                <a:solidFill>
-                  <a:srgbClr val="660033"/>
-                </a:solidFill>
-              </a:rPr>
-              <a:t>sóng</a:t>
-            </a:r>
-            <a:r>
-              <a:rPr lang="en-US" sz="3600" b="1" dirty="0">
-                <a:solidFill>
-                  <a:srgbClr val="660033"/>
-                </a:solidFill>
-              </a:rPr>
-              <a:t> </a:t>
-            </a:r>
-            <a:r>
-              <a:rPr lang="en-US" sz="3600" b="1" dirty="0" err="1">
-                <a:solidFill>
-                  <a:srgbClr val="660033"/>
-                </a:solidFill>
-              </a:rPr>
-              <a:t>gió</a:t>
-            </a:r>
-            <a:r>
-              <a:rPr lang="en-US" sz="3600" b="1" dirty="0">
-                <a:solidFill>
-                  <a:srgbClr val="660033"/>
-                </a:solidFill>
-              </a:rPr>
-              <a:t> </a:t>
-            </a:r>
-            <a:r>
-              <a:rPr lang="en-US" sz="3600" b="1" dirty="0" err="1">
-                <a:solidFill>
-                  <a:srgbClr val="660033"/>
-                </a:solidFill>
-              </a:rPr>
-              <a:t>vây</a:t>
-            </a:r>
-            <a:r>
-              <a:rPr lang="en-US" sz="3600" b="1" dirty="0">
-                <a:solidFill>
-                  <a:srgbClr val="660033"/>
-                </a:solidFill>
-              </a:rPr>
-              <a:t> </a:t>
-            </a:r>
-            <a:r>
-              <a:rPr lang="en-US" sz="3600" b="1" dirty="0" err="1">
-                <a:solidFill>
-                  <a:srgbClr val="660033"/>
-                </a:solidFill>
-              </a:rPr>
-              <a:t>quanh</a:t>
-            </a:r>
-            <a:endParaRPr lang="en-US" sz="3600" b="1" dirty="0">
-              <a:solidFill>
-                <a:srgbClr val="660033"/>
-              </a:solidFill>
-            </a:endParaRPr>
-          </a:p>
-          <a:p>
-            <a:pPr algn="ctr"/>
-            <a:r>
-              <a:rPr lang="en-US" sz="3600" b="1" dirty="0" err="1">
-                <a:solidFill>
-                  <a:srgbClr val="660033"/>
-                </a:solidFill>
-              </a:rPr>
-              <a:t>Nguyện</a:t>
-            </a:r>
-            <a:r>
-              <a:rPr lang="en-US" sz="3600" b="1" dirty="0">
-                <a:solidFill>
-                  <a:srgbClr val="660033"/>
-                </a:solidFill>
-              </a:rPr>
-              <a:t> </a:t>
-            </a:r>
-            <a:r>
-              <a:rPr lang="en-US" sz="3600" b="1" dirty="0" err="1">
-                <a:solidFill>
-                  <a:srgbClr val="660033"/>
-                </a:solidFill>
-              </a:rPr>
-              <a:t>xin</a:t>
-            </a:r>
-            <a:r>
-              <a:rPr lang="en-US" sz="3600" b="1" dirty="0">
-                <a:solidFill>
-                  <a:srgbClr val="660033"/>
-                </a:solidFill>
-              </a:rPr>
-              <a:t> </a:t>
-            </a:r>
-            <a:r>
-              <a:rPr lang="en-US" sz="3600" b="1" dirty="0" err="1">
-                <a:solidFill>
-                  <a:srgbClr val="660033"/>
-                </a:solidFill>
-              </a:rPr>
-              <a:t>Chúa</a:t>
-            </a:r>
-            <a:r>
-              <a:rPr lang="en-US" sz="3600" b="1" dirty="0">
-                <a:solidFill>
-                  <a:srgbClr val="660033"/>
-                </a:solidFill>
-              </a:rPr>
-              <a:t> </a:t>
-            </a:r>
-            <a:r>
-              <a:rPr lang="en-US" sz="3600" b="1" dirty="0" err="1">
-                <a:solidFill>
-                  <a:srgbClr val="660033"/>
-                </a:solidFill>
-              </a:rPr>
-              <a:t>dắt</a:t>
-            </a:r>
-            <a:r>
-              <a:rPr lang="en-US" sz="3600" b="1" dirty="0">
-                <a:solidFill>
-                  <a:srgbClr val="660033"/>
-                </a:solidFill>
-              </a:rPr>
-              <a:t> </a:t>
-            </a:r>
-            <a:r>
-              <a:rPr lang="en-US" sz="3600" b="1" dirty="0" err="1">
-                <a:solidFill>
-                  <a:srgbClr val="660033"/>
-                </a:solidFill>
-              </a:rPr>
-              <a:t>đưa</a:t>
-            </a:r>
-            <a:r>
-              <a:rPr lang="en-US" sz="3600" b="1" dirty="0">
-                <a:solidFill>
-                  <a:srgbClr val="660033"/>
-                </a:solidFill>
-              </a:rPr>
-              <a:t> </a:t>
-            </a:r>
-            <a:r>
-              <a:rPr lang="en-US" sz="3600" b="1" dirty="0" err="1">
-                <a:solidFill>
-                  <a:srgbClr val="660033"/>
-                </a:solidFill>
-              </a:rPr>
-              <a:t>vượt</a:t>
-            </a:r>
-            <a:r>
-              <a:rPr lang="en-US" sz="3600" b="1" dirty="0">
-                <a:solidFill>
-                  <a:srgbClr val="660033"/>
-                </a:solidFill>
-              </a:rPr>
-              <a:t> qua </a:t>
-            </a:r>
-            <a:r>
-              <a:rPr lang="en-US" sz="3600" b="1" dirty="0" err="1">
-                <a:solidFill>
-                  <a:srgbClr val="660033"/>
-                </a:solidFill>
-              </a:rPr>
-              <a:t>bão</a:t>
-            </a:r>
-            <a:r>
-              <a:rPr lang="en-US" sz="3600" b="1" dirty="0">
-                <a:solidFill>
-                  <a:srgbClr val="660033"/>
-                </a:solidFill>
-              </a:rPr>
-              <a:t> </a:t>
-            </a:r>
-            <a:r>
-              <a:rPr lang="en-US" sz="3600" b="1" dirty="0" err="1">
-                <a:solidFill>
-                  <a:srgbClr val="660033"/>
-                </a:solidFill>
-              </a:rPr>
-              <a:t>tố</a:t>
-            </a:r>
-            <a:endParaRPr lang="en-US" sz="3600" b="1" dirty="0">
-              <a:solidFill>
-                <a:srgbClr val="660033"/>
-              </a:solidFill>
-            </a:endParaRPr>
+              <a:rPr lang="en-US" sz="3528" b="1" dirty="0" err="1">
+                <a:solidFill>
+                  <a:srgbClr val="000066"/>
+                </a:solidFill>
+                <a:latin typeface="Calibri" panose="020F0502020204030204" pitchFamily="34" charset="0"/>
+                <a:ea typeface="微軟正黑體" pitchFamily="34" charset="-120"/>
+                <a:cs typeface="Calibri" panose="020F0502020204030204" pitchFamily="34" charset="0"/>
+              </a:rPr>
+              <a:t>tay</a:t>
+            </a:r>
+            <a:r>
+              <a:rPr lang="en-US" sz="3528" b="1" dirty="0">
+                <a:solidFill>
+                  <a:srgbClr val="000066"/>
+                </a:solidFill>
+                <a:latin typeface="Calibri" panose="020F0502020204030204" pitchFamily="34" charset="0"/>
+                <a:ea typeface="微軟正黑體" pitchFamily="34" charset="-120"/>
+                <a:cs typeface="Calibri" panose="020F0502020204030204" pitchFamily="34" charset="0"/>
+              </a:rPr>
+              <a:t> Cha</a:t>
+            </a:r>
           </a:p>
         </p:txBody>
       </p:sp>
     </p:spTree>
     <p:extLst>
       <p:ext uri="{BB962C8B-B14F-4D97-AF65-F5344CB8AC3E}">
-        <p14:creationId xmlns:p14="http://schemas.microsoft.com/office/powerpoint/2010/main" val="3776920366"/>
+        <p14:creationId xmlns:p14="http://schemas.microsoft.com/office/powerpoint/2010/main" val="1297438270"/>
       </p:ext>
     </p:extLst>
   </p:cSld>
   <p:clrMapOvr>
     <a:masterClrMapping/>
   </p:clrMapOvr>
-  <p:timing>
-    <p:tnLst>
-      <p:par>
-        <p:cTn id="1" dur="indefinite" restart="never" nodeType="tmRoot">
-          <p:childTnLst>
-            <p:seq>
-              <p:cTn id="2" dur="indefinite" nodeType="mainSeq"/>
-              <p:prevCondLst>
-                <p:cond evt="onPrev" delay="0">
-                  <p:tgtEl>
-                    <p:sldTgt/>
-                  </p:tgtEl>
-                </p:cond>
-              </p:prevCondLst>
-              <p:nextCondLst>
-                <p:cond evt="onNext" delay="0">
-                  <p:tgtEl>
-                    <p:sldTgt/>
-                  </p:tgtEl>
-                </p:cond>
-              </p:nextCondLst>
-            </p:seq>
-          </p:childTnLst>
-        </p:cTn>
-      </p:par>
-    </p:tnLst>
-  </p:timing>
 </p:sld>
 </file>
 
@@ -4271,429 +5407,388 @@
       </p:grpSpPr>
       <p:sp>
         <p:nvSpPr>
-          <p:cNvPr id="41" name="TextShape 1"/>
-          <p:cNvSpPr txBox="1"/>
-          <p:nvPr/>
+          <p:cNvPr id="5" name="內容版面配置區 4"/>
+          <p:cNvSpPr>
+            <a:spLocks noGrp="1"/>
+          </p:cNvSpPr>
+          <p:nvPr>
+            <p:ph idx="1"/>
+          </p:nvPr>
         </p:nvSpPr>
         <p:spPr>
           <a:xfrm>
-            <a:off x="0" y="182880"/>
-            <a:ext cx="10080000" cy="1116000"/>
+            <a:off x="-1" y="1792635"/>
+            <a:ext cx="10080625" cy="1089939"/>
+          </a:xfrm>
+        </p:spPr>
+        <p:txBody>
+          <a:bodyPr anchor="ctr">
+            <a:normAutofit/>
+          </a:bodyPr>
+          <a:lstStyle/>
+          <a:p>
+            <a:pPr algn="ctr">
+              <a:buNone/>
+            </a:pPr>
+            <a:r>
+              <a:rPr lang="zh-TW" altLang="en-US" sz="5292" b="1" dirty="0">
+                <a:solidFill>
+                  <a:srgbClr val="660033"/>
+                </a:solidFill>
+                <a:latin typeface="微軟正黑體" pitchFamily="34" charset="-120"/>
+                <a:ea typeface="微軟正黑體" pitchFamily="34" charset="-120"/>
+              </a:rPr>
+              <a:t>遮蓋我 </a:t>
+            </a:r>
+            <a:r>
+              <a:rPr lang="zh-TW" altLang="en-US" sz="5292" b="1" dirty="0">
+                <a:solidFill>
+                  <a:srgbClr val="660033"/>
+                </a:solidFill>
+                <a:latin typeface="微軟正黑體" pitchFamily="34" charset="-120"/>
+                <a:ea typeface="微軟正黑體" pitchFamily="34" charset="-120"/>
+              </a:rPr>
+              <a:t> 在</a:t>
+            </a:r>
+            <a:r>
+              <a:rPr lang="zh-TW" altLang="en-US" sz="5292" b="1" dirty="0">
+                <a:solidFill>
+                  <a:srgbClr val="660033"/>
+                </a:solidFill>
+                <a:latin typeface="微軟正黑體" pitchFamily="34" charset="-120"/>
+                <a:ea typeface="微軟正黑體" pitchFamily="34" charset="-120"/>
+              </a:rPr>
+              <a:t>祢大能手中</a:t>
+            </a:r>
+          </a:p>
+        </p:txBody>
+      </p:sp>
+      <p:sp>
+        <p:nvSpPr>
+          <p:cNvPr id="3" name="內容版面配置區 4"/>
+          <p:cNvSpPr txBox="1">
+            <a:spLocks/>
+          </p:cNvSpPr>
+          <p:nvPr/>
+        </p:nvSpPr>
+        <p:spPr>
+          <a:xfrm>
+            <a:off x="-1" y="2577744"/>
+            <a:ext cx="10080625" cy="1089939"/>
           </a:xfrm>
           <a:prstGeom prst="rect">
             <a:avLst/>
           </a:prstGeom>
-          <a:noFill/>
-          <a:ln>
-            <a:noFill/>
-          </a:ln>
         </p:spPr>
         <p:txBody>
-          <a:bodyPr lIns="0" tIns="0" rIns="0" bIns="0" anchor="ctr"/>
-          <a:lstStyle/>
-          <a:p>
-            <a:pPr algn="ctr"/>
-            <a:r>
-              <a:rPr lang="zh-CN" altLang="en-US" sz="4000" b="1" dirty="0" smtClean="0">
-                <a:solidFill>
-                  <a:srgbClr val="000066"/>
-                </a:solidFill>
-                <a:latin typeface="微軟正黑體" pitchFamily="34" charset="-120"/>
-                <a:ea typeface="微軟正黑體" pitchFamily="34" charset="-120"/>
-              </a:rPr>
-              <a:t>安靜</a:t>
-            </a:r>
-            <a:r>
-              <a:rPr dirty="0"/>
-              <a:t/>
-            </a:r>
-            <a:br>
-              <a:rPr dirty="0"/>
-            </a:br>
-            <a:r>
-              <a:rPr lang="en-US" sz="2800" b="1" dirty="0" smtClean="0">
-                <a:solidFill>
-                  <a:srgbClr val="660033"/>
-                </a:solidFill>
-                <a:latin typeface="Arial" panose="020B0604020202020204" pitchFamily="34" charset="0"/>
-                <a:cs typeface="Arial" panose="020B0604020202020204" pitchFamily="34" charset="0"/>
-              </a:rPr>
-              <a:t>VỮNG AN</a:t>
-            </a:r>
-            <a:endParaRPr lang="en-US" sz="4000" b="1" strike="noStrike" spc="-1" dirty="0">
-              <a:solidFill>
-                <a:srgbClr val="660033"/>
-              </a:solidFill>
-              <a:latin typeface="Arial" panose="020B0604020202020204" pitchFamily="34" charset="0"/>
-              <a:cs typeface="Arial" panose="020B0604020202020204" pitchFamily="34" charset="0"/>
-            </a:endParaRPr>
-          </a:p>
-        </p:txBody>
-      </p:sp>
-      <p:sp>
-        <p:nvSpPr>
-          <p:cNvPr id="42" name="TextShape 2"/>
-          <p:cNvSpPr txBox="1"/>
-          <p:nvPr/>
-        </p:nvSpPr>
-        <p:spPr>
-          <a:xfrm>
-            <a:off x="0" y="1305230"/>
-            <a:ext cx="10080000" cy="2231640"/>
-          </a:xfrm>
-          <a:prstGeom prst="rect">
-            <a:avLst/>
-          </a:prstGeom>
-          <a:noFill/>
-          <a:ln>
-            <a:noFill/>
-          </a:ln>
-        </p:spPr>
-        <p:txBody>
-          <a:bodyPr lIns="0" tIns="0" rIns="0" bIns="0" anchor="ctr"/>
-          <a:lstStyle/>
-          <a:p>
-            <a:pPr algn="ctr">
+          <a:bodyPr vert="horz" lIns="75605" tIns="37802" rIns="75605" bIns="37802" rtlCol="0" anchor="ctr">
+            <a:normAutofit/>
+          </a:bodyPr>
+          <a:lstStyle>
+            <a:lvl1pPr marL="457189" indent="-457189" algn="l" defTabSz="1219170" rtl="0" eaLnBrk="1" latinLnBrk="0" hangingPunct="1">
+              <a:spcBef>
+                <a:spcPct val="20000"/>
+              </a:spcBef>
+              <a:buFont typeface="Arial" pitchFamily="34" charset="0"/>
+              <a:buChar char="•"/>
+              <a:defRPr sz="4267" kern="1200">
+                <a:solidFill>
+                  <a:schemeClr val="tx1"/>
+                </a:solidFill>
+                <a:latin typeface="+mn-lt"/>
+                <a:ea typeface="+mn-ea"/>
+                <a:cs typeface="+mn-cs"/>
+              </a:defRPr>
+            </a:lvl1pPr>
+            <a:lvl2pPr marL="990575" indent="-380990" algn="l" defTabSz="1219170" rtl="0" eaLnBrk="1" latinLnBrk="0" hangingPunct="1">
+              <a:spcBef>
+                <a:spcPct val="20000"/>
+              </a:spcBef>
+              <a:buFont typeface="Arial" pitchFamily="34" charset="0"/>
+              <a:buChar char="–"/>
+              <a:defRPr sz="3733" kern="1200">
+                <a:solidFill>
+                  <a:schemeClr val="tx1"/>
+                </a:solidFill>
+                <a:latin typeface="+mn-lt"/>
+                <a:ea typeface="+mn-ea"/>
+                <a:cs typeface="+mn-cs"/>
+              </a:defRPr>
+            </a:lvl2pPr>
+            <a:lvl3pPr marL="1523962" indent="-304792" algn="l" defTabSz="1219170" rtl="0" eaLnBrk="1" latinLnBrk="0" hangingPunct="1">
+              <a:spcBef>
+                <a:spcPct val="20000"/>
+              </a:spcBef>
+              <a:buFont typeface="Arial" pitchFamily="34" charset="0"/>
+              <a:buChar char="•"/>
+              <a:defRPr sz="3200" kern="1200">
+                <a:solidFill>
+                  <a:schemeClr val="tx1"/>
+                </a:solidFill>
+                <a:latin typeface="+mn-lt"/>
+                <a:ea typeface="+mn-ea"/>
+                <a:cs typeface="+mn-cs"/>
+              </a:defRPr>
+            </a:lvl3pPr>
+            <a:lvl4pPr marL="2133547" indent="-304792" algn="l" defTabSz="1219170" rtl="0" eaLnBrk="1" latinLnBrk="0" hangingPunct="1">
+              <a:spcBef>
+                <a:spcPct val="20000"/>
+              </a:spcBef>
+              <a:buFont typeface="Arial" pitchFamily="34" charset="0"/>
+              <a:buChar char="–"/>
+              <a:defRPr sz="2667" kern="1200">
+                <a:solidFill>
+                  <a:schemeClr val="tx1"/>
+                </a:solidFill>
+                <a:latin typeface="+mn-lt"/>
+                <a:ea typeface="+mn-ea"/>
+                <a:cs typeface="+mn-cs"/>
+              </a:defRPr>
+            </a:lvl4pPr>
+            <a:lvl5pPr marL="2743131" indent="-304792" algn="l" defTabSz="1219170" rtl="0" eaLnBrk="1" latinLnBrk="0" hangingPunct="1">
+              <a:spcBef>
+                <a:spcPct val="20000"/>
+              </a:spcBef>
+              <a:buFont typeface="Arial" pitchFamily="34" charset="0"/>
+              <a:buChar char="»"/>
+              <a:defRPr sz="2667" kern="1200">
+                <a:solidFill>
+                  <a:schemeClr val="tx1"/>
+                </a:solidFill>
+                <a:latin typeface="+mn-lt"/>
+                <a:ea typeface="+mn-ea"/>
+                <a:cs typeface="+mn-cs"/>
+              </a:defRPr>
+            </a:lvl5pPr>
+            <a:lvl6pPr marL="3352716" indent="-304792" algn="l" defTabSz="1219170" rtl="0" eaLnBrk="1" latinLnBrk="0" hangingPunct="1">
+              <a:spcBef>
+                <a:spcPct val="20000"/>
+              </a:spcBef>
+              <a:buFont typeface="Arial" pitchFamily="34" charset="0"/>
+              <a:buChar char="•"/>
+              <a:defRPr sz="2667" kern="1200">
+                <a:solidFill>
+                  <a:schemeClr val="tx1"/>
+                </a:solidFill>
+                <a:latin typeface="+mn-lt"/>
+                <a:ea typeface="+mn-ea"/>
+                <a:cs typeface="+mn-cs"/>
+              </a:defRPr>
+            </a:lvl6pPr>
+            <a:lvl7pPr marL="3962301" indent="-304792" algn="l" defTabSz="1219170" rtl="0" eaLnBrk="1" latinLnBrk="0" hangingPunct="1">
+              <a:spcBef>
+                <a:spcPct val="20000"/>
+              </a:spcBef>
+              <a:buFont typeface="Arial" pitchFamily="34" charset="0"/>
+              <a:buChar char="•"/>
+              <a:defRPr sz="2667" kern="1200">
+                <a:solidFill>
+                  <a:schemeClr val="tx1"/>
+                </a:solidFill>
+                <a:latin typeface="+mn-lt"/>
+                <a:ea typeface="+mn-ea"/>
+                <a:cs typeface="+mn-cs"/>
+              </a:defRPr>
+            </a:lvl7pPr>
+            <a:lvl8pPr marL="4571886" indent="-304792" algn="l" defTabSz="1219170" rtl="0" eaLnBrk="1" latinLnBrk="0" hangingPunct="1">
+              <a:spcBef>
+                <a:spcPct val="20000"/>
+              </a:spcBef>
+              <a:buFont typeface="Arial" pitchFamily="34" charset="0"/>
+              <a:buChar char="•"/>
+              <a:defRPr sz="2667" kern="1200">
+                <a:solidFill>
+                  <a:schemeClr val="tx1"/>
+                </a:solidFill>
+                <a:latin typeface="+mn-lt"/>
+                <a:ea typeface="+mn-ea"/>
+                <a:cs typeface="+mn-cs"/>
+              </a:defRPr>
+            </a:lvl8pPr>
+            <a:lvl9pPr marL="5181470" indent="-304792" algn="l" defTabSz="1219170" rtl="0" eaLnBrk="1" latinLnBrk="0" hangingPunct="1">
+              <a:spcBef>
+                <a:spcPct val="20000"/>
+              </a:spcBef>
+              <a:buFont typeface="Arial" pitchFamily="34" charset="0"/>
+              <a:buChar char="•"/>
+              <a:defRPr sz="2667" kern="1200">
+                <a:solidFill>
+                  <a:schemeClr val="tx1"/>
+                </a:solidFill>
+                <a:latin typeface="+mn-lt"/>
+                <a:ea typeface="+mn-ea"/>
+                <a:cs typeface="+mn-cs"/>
+              </a:defRPr>
+            </a:lvl9pPr>
+          </a:lstStyle>
+          <a:p>
+            <a:pPr marL="0" indent="0" algn="ctr">
               <a:buNone/>
             </a:pPr>
             <a:r>
-              <a:rPr lang="zh-TW" altLang="en-US" sz="4800" b="1" dirty="0">
-                <a:solidFill>
-                  <a:srgbClr val="000066"/>
-                </a:solidFill>
-                <a:latin typeface="微軟正黑體" pitchFamily="34" charset="-120"/>
-                <a:ea typeface="微軟正黑體" pitchFamily="34" charset="-120"/>
-              </a:rPr>
-              <a:t>父祢仍作王在洪水中</a:t>
-            </a:r>
-            <a:endParaRPr lang="en-US" altLang="zh-TW" sz="4800" b="1" dirty="0">
+              <a:rPr lang="en-US" sz="3528" b="1" dirty="0" err="1">
+                <a:solidFill>
+                  <a:srgbClr val="000066"/>
+                </a:solidFill>
+                <a:latin typeface="Calibri" panose="020F0502020204030204" pitchFamily="34" charset="0"/>
+                <a:ea typeface="微軟正黑體" pitchFamily="34" charset="-120"/>
+                <a:cs typeface="Calibri" panose="020F0502020204030204" pitchFamily="34" charset="0"/>
+              </a:rPr>
+              <a:t>Che</a:t>
+            </a:r>
+            <a:r>
+              <a:rPr lang="en-US" sz="3528" b="1" dirty="0">
+                <a:solidFill>
+                  <a:srgbClr val="000066"/>
+                </a:solidFill>
+                <a:latin typeface="Calibri" panose="020F0502020204030204" pitchFamily="34" charset="0"/>
+                <a:ea typeface="微軟正黑體" pitchFamily="34" charset="-120"/>
+                <a:cs typeface="Calibri" panose="020F0502020204030204" pitchFamily="34" charset="0"/>
+              </a:rPr>
+              <a:t> </a:t>
+            </a:r>
+            <a:r>
+              <a:rPr lang="en-US" sz="3528" b="1" dirty="0" err="1">
+                <a:solidFill>
+                  <a:srgbClr val="000066"/>
+                </a:solidFill>
+                <a:latin typeface="Calibri" panose="020F0502020204030204" pitchFamily="34" charset="0"/>
+                <a:ea typeface="微軟正黑體" pitchFamily="34" charset="-120"/>
+                <a:cs typeface="Calibri" panose="020F0502020204030204" pitchFamily="34" charset="0"/>
+              </a:rPr>
+              <a:t>phủ</a:t>
+            </a:r>
+            <a:r>
+              <a:rPr lang="en-US" sz="3528" b="1" dirty="0">
+                <a:solidFill>
+                  <a:srgbClr val="000066"/>
+                </a:solidFill>
+                <a:latin typeface="Calibri" panose="020F0502020204030204" pitchFamily="34" charset="0"/>
+                <a:ea typeface="微軟正黑體" pitchFamily="34" charset="-120"/>
+                <a:cs typeface="Calibri" panose="020F0502020204030204" pitchFamily="34" charset="0"/>
+              </a:rPr>
+              <a:t> con </a:t>
+            </a:r>
+            <a:r>
+              <a:rPr lang="en-US" sz="3528" b="1" dirty="0" err="1">
+                <a:solidFill>
+                  <a:srgbClr val="000066"/>
+                </a:solidFill>
+                <a:latin typeface="Calibri" panose="020F0502020204030204" pitchFamily="34" charset="0"/>
+                <a:ea typeface="微軟正黑體" pitchFamily="34" charset="-120"/>
+                <a:cs typeface="Calibri" panose="020F0502020204030204" pitchFamily="34" charset="0"/>
+              </a:rPr>
+              <a:t>nhờ</a:t>
+            </a:r>
+            <a:r>
+              <a:rPr lang="en-US" sz="3528" b="1" dirty="0">
+                <a:solidFill>
+                  <a:srgbClr val="000066"/>
+                </a:solidFill>
+                <a:latin typeface="Calibri" panose="020F0502020204030204" pitchFamily="34" charset="0"/>
+                <a:ea typeface="微軟正黑體" pitchFamily="34" charset="-120"/>
+                <a:cs typeface="Calibri" panose="020F0502020204030204" pitchFamily="34" charset="0"/>
+              </a:rPr>
+              <a:t> </a:t>
+            </a:r>
+            <a:r>
+              <a:rPr lang="en-US" sz="3528" b="1" dirty="0" err="1">
+                <a:solidFill>
+                  <a:srgbClr val="000066"/>
+                </a:solidFill>
+                <a:latin typeface="Calibri" panose="020F0502020204030204" pitchFamily="34" charset="0"/>
+                <a:ea typeface="微軟正黑體" pitchFamily="34" charset="-120"/>
+                <a:cs typeface="Calibri" panose="020F0502020204030204" pitchFamily="34" charset="0"/>
+              </a:rPr>
+              <a:t>bóng</a:t>
+            </a:r>
+            <a:r>
+              <a:rPr lang="en-US" sz="3528" b="1" dirty="0">
+                <a:solidFill>
+                  <a:srgbClr val="000066"/>
+                </a:solidFill>
+                <a:latin typeface="Calibri" panose="020F0502020204030204" pitchFamily="34" charset="0"/>
+                <a:ea typeface="微軟正黑體" pitchFamily="34" charset="-120"/>
+                <a:cs typeface="Calibri" panose="020F0502020204030204" pitchFamily="34" charset="0"/>
+              </a:rPr>
+              <a:t> </a:t>
+            </a:r>
+            <a:r>
+              <a:rPr lang="en-US" sz="3528" b="1" dirty="0" err="1">
+                <a:solidFill>
+                  <a:srgbClr val="000066"/>
+                </a:solidFill>
+                <a:latin typeface="Calibri" panose="020F0502020204030204" pitchFamily="34" charset="0"/>
+                <a:ea typeface="微軟正黑體" pitchFamily="34" charset="-120"/>
+                <a:cs typeface="Calibri" panose="020F0502020204030204" pitchFamily="34" charset="0"/>
+              </a:rPr>
+              <a:t>thiêng</a:t>
+            </a:r>
+            <a:r>
+              <a:rPr lang="en-US" sz="3528" b="1" dirty="0">
+                <a:solidFill>
+                  <a:srgbClr val="000066"/>
+                </a:solidFill>
+                <a:latin typeface="Calibri" panose="020F0502020204030204" pitchFamily="34" charset="0"/>
+                <a:ea typeface="微軟正黑體" pitchFamily="34" charset="-120"/>
+                <a:cs typeface="Calibri" panose="020F0502020204030204" pitchFamily="34" charset="0"/>
+              </a:rPr>
+              <a:t> Cha </a:t>
+            </a:r>
+            <a:r>
+              <a:rPr lang="en-US" sz="3528" b="1" dirty="0" err="1">
+                <a:solidFill>
+                  <a:srgbClr val="000066"/>
+                </a:solidFill>
+                <a:latin typeface="Calibri" panose="020F0502020204030204" pitchFamily="34" charset="0"/>
+                <a:ea typeface="微軟正黑體" pitchFamily="34" charset="-120"/>
+                <a:cs typeface="Calibri" panose="020F0502020204030204" pitchFamily="34" charset="0"/>
+              </a:rPr>
+              <a:t>quyền</a:t>
+            </a:r>
+            <a:r>
+              <a:rPr lang="en-US" sz="3528" b="1" dirty="0">
+                <a:solidFill>
+                  <a:srgbClr val="000066"/>
+                </a:solidFill>
+                <a:latin typeface="Calibri" panose="020F0502020204030204" pitchFamily="34" charset="0"/>
+                <a:ea typeface="微軟正黑體" pitchFamily="34" charset="-120"/>
+                <a:cs typeface="Calibri" panose="020F0502020204030204" pitchFamily="34" charset="0"/>
+              </a:rPr>
+              <a:t> </a:t>
+            </a:r>
+            <a:r>
+              <a:rPr lang="en-US" sz="3528" b="1" dirty="0" err="1">
+                <a:solidFill>
+                  <a:srgbClr val="000066"/>
+                </a:solidFill>
+                <a:latin typeface="Calibri" panose="020F0502020204030204" pitchFamily="34" charset="0"/>
+                <a:ea typeface="微軟正黑體" pitchFamily="34" charset="-120"/>
+                <a:cs typeface="Calibri" panose="020F0502020204030204" pitchFamily="34" charset="0"/>
+              </a:rPr>
+              <a:t>năng</a:t>
+            </a:r>
+            <a:endParaRPr lang="en-US" sz="3528" b="1" dirty="0">
               <a:solidFill>
                 <a:srgbClr val="000066"/>
               </a:solidFill>
-              <a:latin typeface="微軟正黑體" pitchFamily="34" charset="-120"/>
+              <a:latin typeface="Calibri" panose="020F0502020204030204" pitchFamily="34" charset="0"/>
               <a:ea typeface="微軟正黑體" pitchFamily="34" charset="-120"/>
+              <a:cs typeface="Calibri" panose="020F0502020204030204" pitchFamily="34" charset="0"/>
             </a:endParaRPr>
-          </a:p>
-          <a:p>
-            <a:pPr algn="ctr">
-              <a:buNone/>
-            </a:pPr>
-            <a:r>
-              <a:rPr lang="zh-TW" altLang="en-US" sz="4800" b="1" dirty="0">
-                <a:solidFill>
-                  <a:srgbClr val="000066"/>
-                </a:solidFill>
-                <a:latin typeface="微軟正黑體" pitchFamily="34" charset="-120"/>
-                <a:ea typeface="微軟正黑體" pitchFamily="34" charset="-120"/>
-              </a:rPr>
-              <a:t>我要安靜 知祢是神</a:t>
-            </a:r>
-            <a:endParaRPr lang="zh-TW" altLang="en-US" sz="4800" b="1" dirty="0">
-              <a:solidFill>
-                <a:srgbClr val="000066"/>
-              </a:solidFill>
-              <a:latin typeface="微軟正黑體" pitchFamily="34" charset="-120"/>
-              <a:ea typeface="微軟正黑體" pitchFamily="34" charset="-120"/>
-            </a:endParaRPr>
-          </a:p>
-        </p:txBody>
-      </p:sp>
-      <p:sp>
-        <p:nvSpPr>
-          <p:cNvPr id="43" name="TextShape 3"/>
-          <p:cNvSpPr txBox="1"/>
-          <p:nvPr/>
-        </p:nvSpPr>
-        <p:spPr>
-          <a:xfrm>
-            <a:off x="0" y="3292475"/>
-            <a:ext cx="10080000" cy="2011680"/>
-          </a:xfrm>
-          <a:prstGeom prst="rect">
-            <a:avLst/>
-          </a:prstGeom>
-          <a:noFill/>
-          <a:ln>
-            <a:noFill/>
-          </a:ln>
-        </p:spPr>
-        <p:txBody>
-          <a:bodyPr lIns="0" tIns="0" rIns="0" bIns="0" anchor="ctr"/>
-          <a:lstStyle/>
-          <a:p>
-            <a:pPr algn="ctr"/>
-            <a:r>
-              <a:rPr lang="en-US" sz="3600" b="1" dirty="0" err="1">
-                <a:solidFill>
-                  <a:srgbClr val="660033"/>
-                </a:solidFill>
-              </a:rPr>
-              <a:t>Lạy</a:t>
-            </a:r>
-            <a:r>
-              <a:rPr lang="en-US" sz="3600" b="1" dirty="0">
-                <a:solidFill>
-                  <a:srgbClr val="660033"/>
-                </a:solidFill>
-              </a:rPr>
-              <a:t> Cha </a:t>
-            </a:r>
-            <a:r>
-              <a:rPr lang="en-US" sz="3600" b="1" dirty="0" err="1">
-                <a:solidFill>
-                  <a:srgbClr val="660033"/>
-                </a:solidFill>
-              </a:rPr>
-              <a:t>Thánh</a:t>
-            </a:r>
-            <a:r>
-              <a:rPr lang="en-US" sz="3600" b="1" dirty="0">
-                <a:solidFill>
-                  <a:srgbClr val="660033"/>
-                </a:solidFill>
-              </a:rPr>
-              <a:t> </a:t>
-            </a:r>
-            <a:r>
-              <a:rPr lang="en-US" sz="3600" b="1" dirty="0" err="1">
-                <a:solidFill>
-                  <a:srgbClr val="660033"/>
-                </a:solidFill>
-              </a:rPr>
-              <a:t>hiển</a:t>
-            </a:r>
-            <a:r>
-              <a:rPr lang="en-US" sz="3600" b="1" dirty="0">
-                <a:solidFill>
-                  <a:srgbClr val="660033"/>
-                </a:solidFill>
-              </a:rPr>
-              <a:t> </a:t>
-            </a:r>
-            <a:r>
-              <a:rPr lang="en-US" sz="3600" b="1" dirty="0" err="1">
-                <a:solidFill>
-                  <a:srgbClr val="660033"/>
-                </a:solidFill>
-              </a:rPr>
-              <a:t>vinh</a:t>
-            </a:r>
-            <a:r>
-              <a:rPr lang="en-US" sz="3600" b="1" dirty="0">
-                <a:solidFill>
-                  <a:srgbClr val="660033"/>
-                </a:solidFill>
-              </a:rPr>
-              <a:t> </a:t>
-            </a:r>
-            <a:r>
-              <a:rPr lang="en-US" sz="3600" b="1" dirty="0" err="1">
-                <a:solidFill>
-                  <a:srgbClr val="660033"/>
-                </a:solidFill>
-              </a:rPr>
-              <a:t>Vua</a:t>
-            </a:r>
-            <a:r>
-              <a:rPr lang="en-US" sz="3600" b="1" dirty="0">
-                <a:solidFill>
-                  <a:srgbClr val="660033"/>
-                </a:solidFill>
-              </a:rPr>
-              <a:t> </a:t>
-            </a:r>
-            <a:r>
-              <a:rPr lang="en-US" sz="3600" b="1" dirty="0" err="1">
-                <a:solidFill>
-                  <a:srgbClr val="660033"/>
-                </a:solidFill>
-              </a:rPr>
-              <a:t>trên</a:t>
-            </a:r>
-            <a:r>
-              <a:rPr lang="en-US" sz="3600" b="1" dirty="0">
-                <a:solidFill>
-                  <a:srgbClr val="660033"/>
-                </a:solidFill>
-              </a:rPr>
-              <a:t> </a:t>
-            </a:r>
-            <a:r>
-              <a:rPr lang="en-US" sz="3600" b="1" dirty="0" err="1">
-                <a:solidFill>
-                  <a:srgbClr val="660033"/>
-                </a:solidFill>
-              </a:rPr>
-              <a:t>dương</a:t>
-            </a:r>
-            <a:r>
-              <a:rPr lang="en-US" sz="3600" b="1" dirty="0">
-                <a:solidFill>
-                  <a:srgbClr val="660033"/>
-                </a:solidFill>
-              </a:rPr>
-              <a:t> </a:t>
-            </a:r>
-            <a:r>
-              <a:rPr lang="en-US" sz="3600" b="1" dirty="0" err="1">
-                <a:solidFill>
-                  <a:srgbClr val="660033"/>
-                </a:solidFill>
-              </a:rPr>
-              <a:t>gian</a:t>
-            </a:r>
-            <a:endParaRPr lang="en-US" sz="3600" b="1" dirty="0">
-              <a:solidFill>
-                <a:srgbClr val="660033"/>
-              </a:solidFill>
-            </a:endParaRPr>
-          </a:p>
-          <a:p>
-            <a:pPr algn="ctr"/>
-            <a:r>
-              <a:rPr lang="en-US" sz="3600" b="1" dirty="0">
-                <a:solidFill>
-                  <a:srgbClr val="660033"/>
-                </a:solidFill>
-              </a:rPr>
-              <a:t>Con </a:t>
-            </a:r>
-            <a:r>
-              <a:rPr lang="en-US" sz="3600" b="1" dirty="0" err="1">
-                <a:solidFill>
-                  <a:srgbClr val="660033"/>
-                </a:solidFill>
-              </a:rPr>
-              <a:t>luôn</a:t>
-            </a:r>
-            <a:r>
-              <a:rPr lang="en-US" sz="3600" b="1" dirty="0">
-                <a:solidFill>
-                  <a:srgbClr val="660033"/>
-                </a:solidFill>
-              </a:rPr>
-              <a:t> </a:t>
-            </a:r>
-            <a:r>
-              <a:rPr lang="en-US" sz="3600" b="1" dirty="0" err="1">
-                <a:solidFill>
-                  <a:srgbClr val="660033"/>
-                </a:solidFill>
-              </a:rPr>
-              <a:t>vững</a:t>
-            </a:r>
-            <a:r>
-              <a:rPr lang="en-US" sz="3600" b="1" dirty="0">
-                <a:solidFill>
-                  <a:srgbClr val="660033"/>
-                </a:solidFill>
-              </a:rPr>
-              <a:t> </a:t>
-            </a:r>
-            <a:r>
-              <a:rPr lang="en-US" sz="3600" b="1" dirty="0" err="1">
-                <a:solidFill>
-                  <a:srgbClr val="660033"/>
-                </a:solidFill>
-              </a:rPr>
-              <a:t>lòng</a:t>
-            </a:r>
-            <a:r>
-              <a:rPr lang="en-US" sz="3600" b="1" dirty="0">
-                <a:solidFill>
-                  <a:srgbClr val="660033"/>
-                </a:solidFill>
-              </a:rPr>
-              <a:t> </a:t>
-            </a:r>
-            <a:r>
-              <a:rPr lang="en-US" sz="3600" b="1" dirty="0" err="1">
-                <a:solidFill>
-                  <a:srgbClr val="660033"/>
-                </a:solidFill>
-              </a:rPr>
-              <a:t>vì</a:t>
-            </a:r>
-            <a:r>
-              <a:rPr lang="en-US" sz="3600" b="1" dirty="0">
-                <a:solidFill>
-                  <a:srgbClr val="660033"/>
-                </a:solidFill>
-              </a:rPr>
-              <a:t> </a:t>
-            </a:r>
-            <a:r>
-              <a:rPr lang="en-US" sz="3600" b="1" dirty="0" err="1">
-                <a:solidFill>
-                  <a:srgbClr val="660033"/>
-                </a:solidFill>
-              </a:rPr>
-              <a:t>biết</a:t>
-            </a:r>
-            <a:r>
-              <a:rPr lang="en-US" sz="3600" b="1" dirty="0">
-                <a:solidFill>
-                  <a:srgbClr val="660033"/>
-                </a:solidFill>
-              </a:rPr>
-              <a:t> Cha </a:t>
-            </a:r>
-            <a:r>
-              <a:rPr lang="en-US" sz="3600" b="1" dirty="0" err="1">
-                <a:solidFill>
-                  <a:srgbClr val="660033"/>
-                </a:solidFill>
-              </a:rPr>
-              <a:t>bên</a:t>
-            </a:r>
-            <a:r>
-              <a:rPr lang="en-US" sz="3600" b="1" dirty="0">
-                <a:solidFill>
-                  <a:srgbClr val="660033"/>
-                </a:solidFill>
-              </a:rPr>
-              <a:t> con</a:t>
-            </a:r>
           </a:p>
         </p:txBody>
       </p:sp>
     </p:spTree>
     <p:extLst>
       <p:ext uri="{BB962C8B-B14F-4D97-AF65-F5344CB8AC3E}">
-        <p14:creationId xmlns:p14="http://schemas.microsoft.com/office/powerpoint/2010/main" val="4247831577"/>
+        <p14:creationId xmlns:p14="http://schemas.microsoft.com/office/powerpoint/2010/main" val="3835649319"/>
       </p:ext>
     </p:extLst>
   </p:cSld>
   <p:clrMapOvr>
     <a:masterClrMapping/>
   </p:clrMapOvr>
-  <p:timing>
-    <p:tnLst>
-      <p:par>
-        <p:cTn id="1" dur="indefinite" restart="never" nodeType="tmRoot">
-          <p:childTnLst>
-            <p:seq>
-              <p:cTn id="2" dur="indefinite" nodeType="mainSeq"/>
-              <p:prevCondLst>
-                <p:cond evt="onPrev" delay="0">
-                  <p:tgtEl>
-                    <p:sldTgt/>
-                  </p:tgtEl>
-                </p:cond>
-              </p:prevCondLst>
-              <p:nextCondLst>
-                <p:cond evt="onNext" delay="0">
-                  <p:tgtEl>
-                    <p:sldTgt/>
-                  </p:tgtEl>
-                </p:cond>
-              </p:nextCondLst>
-            </p:seq>
-          </p:childTnLst>
-        </p:cTn>
-      </p:par>
-    </p:tnLst>
-  </p:timing>
 </p:sld>
 </file>
 
@@ -4716,381 +5811,405 @@
       </p:grpSpPr>
       <p:sp>
         <p:nvSpPr>
-          <p:cNvPr id="41" name="TextShape 1"/>
-          <p:cNvSpPr txBox="1"/>
-          <p:nvPr/>
+          <p:cNvPr id="5" name="內容版面配置區 4"/>
+          <p:cNvSpPr>
+            <a:spLocks noGrp="1"/>
+          </p:cNvSpPr>
+          <p:nvPr>
+            <p:ph idx="1"/>
+          </p:nvPr>
         </p:nvSpPr>
         <p:spPr>
           <a:xfrm>
-            <a:off x="0" y="182880"/>
-            <a:ext cx="10080000" cy="1116000"/>
+            <a:off x="-1" y="1792635"/>
+            <a:ext cx="10080625" cy="1089939"/>
+          </a:xfrm>
+        </p:spPr>
+        <p:txBody>
+          <a:bodyPr anchor="ctr">
+            <a:normAutofit/>
+          </a:bodyPr>
+          <a:lstStyle/>
+          <a:p>
+            <a:pPr algn="ctr">
+              <a:buNone/>
+            </a:pPr>
+            <a:r>
+              <a:rPr lang="zh-TW" altLang="en-US" sz="5292" b="1" dirty="0">
+                <a:solidFill>
+                  <a:srgbClr val="660033"/>
+                </a:solidFill>
+                <a:latin typeface="微軟正黑體" pitchFamily="34" charset="-120"/>
+                <a:ea typeface="微軟正黑體" pitchFamily="34" charset="-120"/>
+              </a:rPr>
+              <a:t>當大海翻騰波濤洶湧</a:t>
+            </a:r>
+            <a:endParaRPr lang="zh-TW" altLang="en-US" sz="5292" b="1" dirty="0">
+              <a:solidFill>
+                <a:srgbClr val="660033"/>
+              </a:solidFill>
+              <a:latin typeface="微軟正黑體" pitchFamily="34" charset="-120"/>
+              <a:ea typeface="微軟正黑體" pitchFamily="34" charset="-120"/>
+            </a:endParaRPr>
+          </a:p>
+        </p:txBody>
+      </p:sp>
+      <p:sp>
+        <p:nvSpPr>
+          <p:cNvPr id="3" name="內容版面配置區 4"/>
+          <p:cNvSpPr txBox="1">
+            <a:spLocks/>
+          </p:cNvSpPr>
+          <p:nvPr/>
+        </p:nvSpPr>
+        <p:spPr>
+          <a:xfrm>
+            <a:off x="-1" y="2577744"/>
+            <a:ext cx="10080625" cy="1089939"/>
           </a:xfrm>
           <a:prstGeom prst="rect">
             <a:avLst/>
           </a:prstGeom>
-          <a:noFill/>
-          <a:ln>
-            <a:noFill/>
-          </a:ln>
         </p:spPr>
         <p:txBody>
-          <a:bodyPr lIns="0" tIns="0" rIns="0" bIns="0" anchor="ctr"/>
-          <a:lstStyle/>
-          <a:p>
-            <a:pPr algn="ctr"/>
-            <a:r>
-              <a:rPr lang="zh-CN" altLang="en-US" sz="4000" b="1" dirty="0" smtClean="0">
-                <a:solidFill>
-                  <a:srgbClr val="000066"/>
-                </a:solidFill>
-                <a:latin typeface="微軟正黑體" pitchFamily="34" charset="-120"/>
-                <a:ea typeface="微軟正黑體" pitchFamily="34" charset="-120"/>
-              </a:rPr>
-              <a:t>安靜</a:t>
-            </a:r>
-            <a:r>
-              <a:rPr dirty="0"/>
-              <a:t/>
-            </a:r>
-            <a:br>
-              <a:rPr dirty="0"/>
-            </a:br>
-            <a:r>
-              <a:rPr lang="en-US" sz="2800" b="1" dirty="0" smtClean="0">
-                <a:solidFill>
-                  <a:srgbClr val="660033"/>
-                </a:solidFill>
-                <a:latin typeface="Arial" panose="020B0604020202020204" pitchFamily="34" charset="0"/>
-                <a:cs typeface="Arial" panose="020B0604020202020204" pitchFamily="34" charset="0"/>
-              </a:rPr>
-              <a:t>VỮNG AN</a:t>
-            </a:r>
-            <a:endParaRPr lang="en-US" sz="4000" b="1" strike="noStrike" spc="-1" dirty="0">
-              <a:solidFill>
-                <a:srgbClr val="660033"/>
-              </a:solidFill>
-              <a:latin typeface="Arial" panose="020B0604020202020204" pitchFamily="34" charset="0"/>
-              <a:cs typeface="Arial" panose="020B0604020202020204" pitchFamily="34" charset="0"/>
-            </a:endParaRPr>
-          </a:p>
-        </p:txBody>
-      </p:sp>
-      <p:sp>
-        <p:nvSpPr>
-          <p:cNvPr id="42" name="TextShape 2"/>
-          <p:cNvSpPr txBox="1"/>
-          <p:nvPr/>
-        </p:nvSpPr>
-        <p:spPr>
-          <a:xfrm>
-            <a:off x="0" y="1305230"/>
-            <a:ext cx="10080000" cy="2231640"/>
-          </a:xfrm>
-          <a:prstGeom prst="rect">
-            <a:avLst/>
-          </a:prstGeom>
-          <a:noFill/>
-          <a:ln>
-            <a:noFill/>
-          </a:ln>
-        </p:spPr>
-        <p:txBody>
-          <a:bodyPr lIns="0" tIns="0" rIns="0" bIns="0" anchor="ctr"/>
-          <a:lstStyle/>
-          <a:p>
-            <a:pPr algn="ctr">
+          <a:bodyPr vert="horz" lIns="75605" tIns="37802" rIns="75605" bIns="37802" rtlCol="0" anchor="ctr">
+            <a:normAutofit/>
+          </a:bodyPr>
+          <a:lstStyle>
+            <a:lvl1pPr marL="457189" indent="-457189" algn="l" defTabSz="1219170" rtl="0" eaLnBrk="1" latinLnBrk="0" hangingPunct="1">
+              <a:spcBef>
+                <a:spcPct val="20000"/>
+              </a:spcBef>
+              <a:buFont typeface="Arial" pitchFamily="34" charset="0"/>
+              <a:buChar char="•"/>
+              <a:defRPr sz="4267" kern="1200">
+                <a:solidFill>
+                  <a:schemeClr val="tx1"/>
+                </a:solidFill>
+                <a:latin typeface="+mn-lt"/>
+                <a:ea typeface="+mn-ea"/>
+                <a:cs typeface="+mn-cs"/>
+              </a:defRPr>
+            </a:lvl1pPr>
+            <a:lvl2pPr marL="990575" indent="-380990" algn="l" defTabSz="1219170" rtl="0" eaLnBrk="1" latinLnBrk="0" hangingPunct="1">
+              <a:spcBef>
+                <a:spcPct val="20000"/>
+              </a:spcBef>
+              <a:buFont typeface="Arial" pitchFamily="34" charset="0"/>
+              <a:buChar char="–"/>
+              <a:defRPr sz="3733" kern="1200">
+                <a:solidFill>
+                  <a:schemeClr val="tx1"/>
+                </a:solidFill>
+                <a:latin typeface="+mn-lt"/>
+                <a:ea typeface="+mn-ea"/>
+                <a:cs typeface="+mn-cs"/>
+              </a:defRPr>
+            </a:lvl2pPr>
+            <a:lvl3pPr marL="1523962" indent="-304792" algn="l" defTabSz="1219170" rtl="0" eaLnBrk="1" latinLnBrk="0" hangingPunct="1">
+              <a:spcBef>
+                <a:spcPct val="20000"/>
+              </a:spcBef>
+              <a:buFont typeface="Arial" pitchFamily="34" charset="0"/>
+              <a:buChar char="•"/>
+              <a:defRPr sz="3200" kern="1200">
+                <a:solidFill>
+                  <a:schemeClr val="tx1"/>
+                </a:solidFill>
+                <a:latin typeface="+mn-lt"/>
+                <a:ea typeface="+mn-ea"/>
+                <a:cs typeface="+mn-cs"/>
+              </a:defRPr>
+            </a:lvl3pPr>
+            <a:lvl4pPr marL="2133547" indent="-304792" algn="l" defTabSz="1219170" rtl="0" eaLnBrk="1" latinLnBrk="0" hangingPunct="1">
+              <a:spcBef>
+                <a:spcPct val="20000"/>
+              </a:spcBef>
+              <a:buFont typeface="Arial" pitchFamily="34" charset="0"/>
+              <a:buChar char="–"/>
+              <a:defRPr sz="2667" kern="1200">
+                <a:solidFill>
+                  <a:schemeClr val="tx1"/>
+                </a:solidFill>
+                <a:latin typeface="+mn-lt"/>
+                <a:ea typeface="+mn-ea"/>
+                <a:cs typeface="+mn-cs"/>
+              </a:defRPr>
+            </a:lvl4pPr>
+            <a:lvl5pPr marL="2743131" indent="-304792" algn="l" defTabSz="1219170" rtl="0" eaLnBrk="1" latinLnBrk="0" hangingPunct="1">
+              <a:spcBef>
+                <a:spcPct val="20000"/>
+              </a:spcBef>
+              <a:buFont typeface="Arial" pitchFamily="34" charset="0"/>
+              <a:buChar char="»"/>
+              <a:defRPr sz="2667" kern="1200">
+                <a:solidFill>
+                  <a:schemeClr val="tx1"/>
+                </a:solidFill>
+                <a:latin typeface="+mn-lt"/>
+                <a:ea typeface="+mn-ea"/>
+                <a:cs typeface="+mn-cs"/>
+              </a:defRPr>
+            </a:lvl5pPr>
+            <a:lvl6pPr marL="3352716" indent="-304792" algn="l" defTabSz="1219170" rtl="0" eaLnBrk="1" latinLnBrk="0" hangingPunct="1">
+              <a:spcBef>
+                <a:spcPct val="20000"/>
+              </a:spcBef>
+              <a:buFont typeface="Arial" pitchFamily="34" charset="0"/>
+              <a:buChar char="•"/>
+              <a:defRPr sz="2667" kern="1200">
+                <a:solidFill>
+                  <a:schemeClr val="tx1"/>
+                </a:solidFill>
+                <a:latin typeface="+mn-lt"/>
+                <a:ea typeface="+mn-ea"/>
+                <a:cs typeface="+mn-cs"/>
+              </a:defRPr>
+            </a:lvl6pPr>
+            <a:lvl7pPr marL="3962301" indent="-304792" algn="l" defTabSz="1219170" rtl="0" eaLnBrk="1" latinLnBrk="0" hangingPunct="1">
+              <a:spcBef>
+                <a:spcPct val="20000"/>
+              </a:spcBef>
+              <a:buFont typeface="Arial" pitchFamily="34" charset="0"/>
+              <a:buChar char="•"/>
+              <a:defRPr sz="2667" kern="1200">
+                <a:solidFill>
+                  <a:schemeClr val="tx1"/>
+                </a:solidFill>
+                <a:latin typeface="+mn-lt"/>
+                <a:ea typeface="+mn-ea"/>
+                <a:cs typeface="+mn-cs"/>
+              </a:defRPr>
+            </a:lvl7pPr>
+            <a:lvl8pPr marL="4571886" indent="-304792" algn="l" defTabSz="1219170" rtl="0" eaLnBrk="1" latinLnBrk="0" hangingPunct="1">
+              <a:spcBef>
+                <a:spcPct val="20000"/>
+              </a:spcBef>
+              <a:buFont typeface="Arial" pitchFamily="34" charset="0"/>
+              <a:buChar char="•"/>
+              <a:defRPr sz="2667" kern="1200">
+                <a:solidFill>
+                  <a:schemeClr val="tx1"/>
+                </a:solidFill>
+                <a:latin typeface="+mn-lt"/>
+                <a:ea typeface="+mn-ea"/>
+                <a:cs typeface="+mn-cs"/>
+              </a:defRPr>
+            </a:lvl8pPr>
+            <a:lvl9pPr marL="5181470" indent="-304792" algn="l" defTabSz="1219170" rtl="0" eaLnBrk="1" latinLnBrk="0" hangingPunct="1">
+              <a:spcBef>
+                <a:spcPct val="20000"/>
+              </a:spcBef>
+              <a:buFont typeface="Arial" pitchFamily="34" charset="0"/>
+              <a:buChar char="•"/>
+              <a:defRPr sz="2667" kern="1200">
+                <a:solidFill>
+                  <a:schemeClr val="tx1"/>
+                </a:solidFill>
+                <a:latin typeface="+mn-lt"/>
+                <a:ea typeface="+mn-ea"/>
+                <a:cs typeface="+mn-cs"/>
+              </a:defRPr>
+            </a:lvl9pPr>
+          </a:lstStyle>
+          <a:p>
+            <a:pPr marL="0" indent="0" algn="ctr">
               <a:buNone/>
             </a:pPr>
             <a:r>
-              <a:rPr lang="zh-TW" altLang="en-US" sz="4800" b="1" dirty="0">
-                <a:solidFill>
-                  <a:srgbClr val="000066"/>
-                </a:solidFill>
-                <a:latin typeface="微軟正黑體" pitchFamily="34" charset="-120"/>
-                <a:ea typeface="微軟正黑體" pitchFamily="34" charset="-120"/>
-              </a:rPr>
-              <a:t>我靈安息 在基督裡</a:t>
-            </a:r>
-            <a:endParaRPr lang="en-US" altLang="zh-TW" sz="4800" b="1" dirty="0">
+              <a:rPr lang="en-US" sz="3528" b="1" dirty="0" err="1">
+                <a:solidFill>
+                  <a:srgbClr val="000066"/>
+                </a:solidFill>
+                <a:latin typeface="Calibri" panose="020F0502020204030204" pitchFamily="34" charset="0"/>
+                <a:ea typeface="微軟正黑體" pitchFamily="34" charset="-120"/>
+                <a:cs typeface="Calibri" panose="020F0502020204030204" pitchFamily="34" charset="0"/>
+              </a:rPr>
+              <a:t>Dù</a:t>
+            </a:r>
+            <a:r>
+              <a:rPr lang="en-US" sz="3528" b="1" dirty="0">
+                <a:solidFill>
+                  <a:srgbClr val="000066"/>
+                </a:solidFill>
+                <a:latin typeface="Calibri" panose="020F0502020204030204" pitchFamily="34" charset="0"/>
+                <a:ea typeface="微軟正黑體" pitchFamily="34" charset="-120"/>
+                <a:cs typeface="Calibri" panose="020F0502020204030204" pitchFamily="34" charset="0"/>
+              </a:rPr>
+              <a:t> </a:t>
+            </a:r>
+            <a:r>
+              <a:rPr lang="en-US" sz="3528" b="1" dirty="0" err="1">
+                <a:solidFill>
+                  <a:srgbClr val="000066"/>
+                </a:solidFill>
+                <a:latin typeface="Calibri" panose="020F0502020204030204" pitchFamily="34" charset="0"/>
+                <a:ea typeface="微軟正黑體" pitchFamily="34" charset="-120"/>
+                <a:cs typeface="Calibri" panose="020F0502020204030204" pitchFamily="34" charset="0"/>
+              </a:rPr>
+              <a:t>giông</a:t>
+            </a:r>
+            <a:r>
+              <a:rPr lang="en-US" sz="3528" b="1" dirty="0">
+                <a:solidFill>
+                  <a:srgbClr val="000066"/>
+                </a:solidFill>
+                <a:latin typeface="Calibri" panose="020F0502020204030204" pitchFamily="34" charset="0"/>
+                <a:ea typeface="微軟正黑體" pitchFamily="34" charset="-120"/>
+                <a:cs typeface="Calibri" panose="020F0502020204030204" pitchFamily="34" charset="0"/>
+              </a:rPr>
+              <a:t> </a:t>
+            </a:r>
+            <a:r>
+              <a:rPr lang="en-US" sz="3528" b="1" dirty="0" err="1">
+                <a:solidFill>
+                  <a:srgbClr val="000066"/>
+                </a:solidFill>
+                <a:latin typeface="Calibri" panose="020F0502020204030204" pitchFamily="34" charset="0"/>
+                <a:ea typeface="微軟正黑體" pitchFamily="34" charset="-120"/>
+                <a:cs typeface="Calibri" panose="020F0502020204030204" pitchFamily="34" charset="0"/>
+              </a:rPr>
+              <a:t>tố</a:t>
+            </a:r>
+            <a:r>
+              <a:rPr lang="en-US" sz="3528" b="1" dirty="0">
+                <a:solidFill>
+                  <a:srgbClr val="000066"/>
+                </a:solidFill>
+                <a:latin typeface="Calibri" panose="020F0502020204030204" pitchFamily="34" charset="0"/>
+                <a:ea typeface="微軟正黑體" pitchFamily="34" charset="-120"/>
+                <a:cs typeface="Calibri" panose="020F0502020204030204" pitchFamily="34" charset="0"/>
+              </a:rPr>
+              <a:t> </a:t>
+            </a:r>
+            <a:r>
+              <a:rPr lang="en-US" sz="3528" b="1" dirty="0" err="1">
+                <a:solidFill>
+                  <a:srgbClr val="000066"/>
+                </a:solidFill>
+                <a:latin typeface="Calibri" panose="020F0502020204030204" pitchFamily="34" charset="0"/>
+                <a:ea typeface="微軟正黑體" pitchFamily="34" charset="-120"/>
+                <a:cs typeface="Calibri" panose="020F0502020204030204" pitchFamily="34" charset="0"/>
+              </a:rPr>
+              <a:t>khiếp</a:t>
+            </a:r>
+            <a:r>
+              <a:rPr lang="en-US" sz="3528" b="1" dirty="0">
+                <a:solidFill>
+                  <a:srgbClr val="000066"/>
+                </a:solidFill>
+                <a:latin typeface="Calibri" panose="020F0502020204030204" pitchFamily="34" charset="0"/>
+                <a:ea typeface="微軟正黑體" pitchFamily="34" charset="-120"/>
+                <a:cs typeface="Calibri" panose="020F0502020204030204" pitchFamily="34" charset="0"/>
+              </a:rPr>
+              <a:t> </a:t>
+            </a:r>
+            <a:r>
+              <a:rPr lang="en-US" sz="3528" b="1" dirty="0" err="1">
+                <a:solidFill>
+                  <a:srgbClr val="000066"/>
+                </a:solidFill>
+                <a:latin typeface="Calibri" panose="020F0502020204030204" pitchFamily="34" charset="0"/>
+                <a:ea typeface="微軟正黑體" pitchFamily="34" charset="-120"/>
+                <a:cs typeface="Calibri" panose="020F0502020204030204" pitchFamily="34" charset="0"/>
+              </a:rPr>
+              <a:t>kinh</a:t>
+            </a:r>
+            <a:r>
+              <a:rPr lang="en-US" sz="3528" b="1" dirty="0">
+                <a:solidFill>
+                  <a:srgbClr val="000066"/>
+                </a:solidFill>
+                <a:latin typeface="Calibri" panose="020F0502020204030204" pitchFamily="34" charset="0"/>
+                <a:ea typeface="微軟正黑體" pitchFamily="34" charset="-120"/>
+                <a:cs typeface="Calibri" panose="020F0502020204030204" pitchFamily="34" charset="0"/>
+              </a:rPr>
+              <a:t> </a:t>
+            </a:r>
+            <a:r>
+              <a:rPr lang="en-US" sz="3528" b="1" dirty="0" err="1">
+                <a:solidFill>
+                  <a:srgbClr val="000066"/>
+                </a:solidFill>
+                <a:latin typeface="Calibri" panose="020F0502020204030204" pitchFamily="34" charset="0"/>
+                <a:ea typeface="微軟正黑體" pitchFamily="34" charset="-120"/>
+                <a:cs typeface="Calibri" panose="020F0502020204030204" pitchFamily="34" charset="0"/>
+              </a:rPr>
+              <a:t>sóng</a:t>
+            </a:r>
+            <a:r>
+              <a:rPr lang="en-US" sz="3528" b="1" dirty="0">
+                <a:solidFill>
+                  <a:srgbClr val="000066"/>
+                </a:solidFill>
+                <a:latin typeface="Calibri" panose="020F0502020204030204" pitchFamily="34" charset="0"/>
+                <a:ea typeface="微軟正黑體" pitchFamily="34" charset="-120"/>
+                <a:cs typeface="Calibri" panose="020F0502020204030204" pitchFamily="34" charset="0"/>
+              </a:rPr>
+              <a:t> </a:t>
+            </a:r>
+            <a:r>
+              <a:rPr lang="en-US" sz="3528" b="1" dirty="0" err="1">
+                <a:solidFill>
+                  <a:srgbClr val="000066"/>
+                </a:solidFill>
+                <a:latin typeface="Calibri" panose="020F0502020204030204" pitchFamily="34" charset="0"/>
+                <a:ea typeface="微軟正黑體" pitchFamily="34" charset="-120"/>
+                <a:cs typeface="Calibri" panose="020F0502020204030204" pitchFamily="34" charset="0"/>
+              </a:rPr>
+              <a:t>gió</a:t>
+            </a:r>
+            <a:r>
+              <a:rPr lang="en-US" sz="3528" b="1" dirty="0">
+                <a:solidFill>
+                  <a:srgbClr val="000066"/>
+                </a:solidFill>
+                <a:latin typeface="Calibri" panose="020F0502020204030204" pitchFamily="34" charset="0"/>
+                <a:ea typeface="微軟正黑體" pitchFamily="34" charset="-120"/>
+                <a:cs typeface="Calibri" panose="020F0502020204030204" pitchFamily="34" charset="0"/>
+              </a:rPr>
+              <a:t> </a:t>
+            </a:r>
+            <a:r>
+              <a:rPr lang="en-US" sz="3528" b="1" dirty="0" err="1">
+                <a:solidFill>
+                  <a:srgbClr val="000066"/>
+                </a:solidFill>
+                <a:latin typeface="Calibri" panose="020F0502020204030204" pitchFamily="34" charset="0"/>
+                <a:ea typeface="微軟正黑體" pitchFamily="34" charset="-120"/>
+                <a:cs typeface="Calibri" panose="020F0502020204030204" pitchFamily="34" charset="0"/>
+              </a:rPr>
+              <a:t>vây</a:t>
+            </a:r>
+            <a:r>
+              <a:rPr lang="en-US" sz="3528" b="1" dirty="0">
+                <a:solidFill>
+                  <a:srgbClr val="000066"/>
+                </a:solidFill>
+                <a:latin typeface="Calibri" panose="020F0502020204030204" pitchFamily="34" charset="0"/>
+                <a:ea typeface="微軟正黑體" pitchFamily="34" charset="-120"/>
+                <a:cs typeface="Calibri" panose="020F0502020204030204" pitchFamily="34" charset="0"/>
+              </a:rPr>
+              <a:t> </a:t>
+            </a:r>
+            <a:r>
+              <a:rPr lang="en-US" sz="3528" b="1" dirty="0" err="1">
+                <a:solidFill>
+                  <a:srgbClr val="000066"/>
+                </a:solidFill>
+                <a:latin typeface="Calibri" panose="020F0502020204030204" pitchFamily="34" charset="0"/>
+                <a:ea typeface="微軟正黑體" pitchFamily="34" charset="-120"/>
+                <a:cs typeface="Calibri" panose="020F0502020204030204" pitchFamily="34" charset="0"/>
+              </a:rPr>
+              <a:t>quanh</a:t>
+            </a:r>
+            <a:endParaRPr lang="en-US" sz="3528" b="1" dirty="0">
               <a:solidFill>
                 <a:srgbClr val="000066"/>
               </a:solidFill>
-              <a:latin typeface="微軟正黑體" pitchFamily="34" charset="-120"/>
+              <a:latin typeface="Calibri" panose="020F0502020204030204" pitchFamily="34" charset="0"/>
               <a:ea typeface="微軟正黑體" pitchFamily="34" charset="-120"/>
-            </a:endParaRPr>
-          </a:p>
-          <a:p>
-            <a:pPr algn="ctr">
-              <a:buNone/>
-            </a:pPr>
-            <a:r>
-              <a:rPr lang="zh-TW" altLang="en-US" sz="4800" b="1" dirty="0">
-                <a:solidFill>
-                  <a:srgbClr val="000066"/>
-                </a:solidFill>
-                <a:latin typeface="微軟正黑體" pitchFamily="34" charset="-120"/>
-                <a:ea typeface="微軟正黑體" pitchFamily="34" charset="-120"/>
-              </a:rPr>
-              <a:t>祢大能 </a:t>
-            </a:r>
-            <a:r>
-              <a:rPr lang="zh-TW" altLang="en-US" sz="4800" b="1" dirty="0" smtClean="0">
-                <a:solidFill>
-                  <a:srgbClr val="000066"/>
-                </a:solidFill>
-                <a:latin typeface="微軟正黑體" pitchFamily="34" charset="-120"/>
-                <a:ea typeface="微軟正黑體" pitchFamily="34" charset="-120"/>
-              </a:rPr>
-              <a:t>使</a:t>
-            </a:r>
-            <a:r>
-              <a:rPr lang="zh-TW" altLang="en-US" sz="4800" b="1" dirty="0">
-                <a:solidFill>
-                  <a:srgbClr val="000066"/>
-                </a:solidFill>
-                <a:latin typeface="微軟正黑體" pitchFamily="34" charset="-120"/>
-                <a:ea typeface="微軟正黑體" pitchFamily="34" charset="-120"/>
-              </a:rPr>
-              <a:t>我安然信靠</a:t>
-            </a:r>
-            <a:endParaRPr lang="zh-TW" altLang="en-US" sz="4800" b="1" dirty="0">
-              <a:solidFill>
-                <a:srgbClr val="000066"/>
-              </a:solidFill>
-              <a:latin typeface="微軟正黑體" pitchFamily="34" charset="-120"/>
-              <a:ea typeface="微軟正黑體" pitchFamily="34" charset="-120"/>
-            </a:endParaRPr>
-          </a:p>
-        </p:txBody>
-      </p:sp>
-      <p:sp>
-        <p:nvSpPr>
-          <p:cNvPr id="43" name="TextShape 3"/>
-          <p:cNvSpPr txBox="1"/>
-          <p:nvPr/>
-        </p:nvSpPr>
-        <p:spPr>
-          <a:xfrm>
-            <a:off x="0" y="3292475"/>
-            <a:ext cx="10080000" cy="2011680"/>
-          </a:xfrm>
-          <a:prstGeom prst="rect">
-            <a:avLst/>
-          </a:prstGeom>
-          <a:noFill/>
-          <a:ln>
-            <a:noFill/>
-          </a:ln>
-        </p:spPr>
-        <p:txBody>
-          <a:bodyPr lIns="0" tIns="0" rIns="0" bIns="0" anchor="ctr"/>
-          <a:lstStyle/>
-          <a:p>
-            <a:pPr algn="ctr"/>
-            <a:r>
-              <a:rPr lang="en-US" sz="3600" b="1" dirty="0">
-                <a:solidFill>
-                  <a:srgbClr val="660033"/>
-                </a:solidFill>
-              </a:rPr>
-              <a:t>Con </a:t>
-            </a:r>
-            <a:r>
-              <a:rPr lang="en-US" sz="3600" b="1" dirty="0" err="1">
-                <a:solidFill>
-                  <a:srgbClr val="660033"/>
-                </a:solidFill>
-              </a:rPr>
-              <a:t>ước</a:t>
-            </a:r>
-            <a:r>
-              <a:rPr lang="en-US" sz="3600" b="1" dirty="0">
-                <a:solidFill>
-                  <a:srgbClr val="660033"/>
-                </a:solidFill>
-              </a:rPr>
-              <a:t> </a:t>
-            </a:r>
-            <a:r>
-              <a:rPr lang="en-US" sz="3600" b="1" dirty="0" err="1">
-                <a:solidFill>
-                  <a:srgbClr val="660033"/>
-                </a:solidFill>
-              </a:rPr>
-              <a:t>nguyện</a:t>
-            </a:r>
-            <a:r>
-              <a:rPr lang="en-US" sz="3600" b="1" dirty="0">
-                <a:solidFill>
-                  <a:srgbClr val="660033"/>
-                </a:solidFill>
-              </a:rPr>
-              <a:t> </a:t>
-            </a:r>
-            <a:r>
-              <a:rPr lang="en-US" sz="3600" b="1" dirty="0" err="1">
-                <a:solidFill>
-                  <a:srgbClr val="660033"/>
-                </a:solidFill>
-              </a:rPr>
-              <a:t>nương</a:t>
-            </a:r>
-            <a:r>
-              <a:rPr lang="en-US" sz="3600" b="1" dirty="0">
-                <a:solidFill>
-                  <a:srgbClr val="660033"/>
-                </a:solidFill>
-              </a:rPr>
-              <a:t> </a:t>
-            </a:r>
-            <a:r>
-              <a:rPr lang="en-US" sz="3600" b="1" dirty="0" err="1">
-                <a:solidFill>
-                  <a:srgbClr val="660033"/>
-                </a:solidFill>
-              </a:rPr>
-              <a:t>náu</a:t>
-            </a:r>
-            <a:r>
-              <a:rPr lang="en-US" sz="3600" b="1" dirty="0">
-                <a:solidFill>
-                  <a:srgbClr val="660033"/>
-                </a:solidFill>
-              </a:rPr>
-              <a:t> </a:t>
-            </a:r>
-            <a:r>
-              <a:rPr lang="en-US" sz="3600" b="1" dirty="0" err="1">
-                <a:solidFill>
-                  <a:srgbClr val="660033"/>
-                </a:solidFill>
-              </a:rPr>
-              <a:t>Giê-xu</a:t>
-            </a:r>
-            <a:endParaRPr lang="en-US" sz="3600" b="1" dirty="0">
-              <a:solidFill>
-                <a:srgbClr val="660033"/>
-              </a:solidFill>
-            </a:endParaRPr>
-          </a:p>
-          <a:p>
-            <a:pPr algn="ctr"/>
-            <a:r>
-              <a:rPr lang="en-US" sz="3600" b="1" dirty="0" err="1">
-                <a:solidFill>
-                  <a:srgbClr val="660033"/>
-                </a:solidFill>
-              </a:rPr>
-              <a:t>Quyền</a:t>
-            </a:r>
-            <a:r>
-              <a:rPr lang="en-US" sz="3600" b="1" dirty="0">
-                <a:solidFill>
-                  <a:srgbClr val="660033"/>
-                </a:solidFill>
-              </a:rPr>
-              <a:t> </a:t>
-            </a:r>
-            <a:r>
-              <a:rPr lang="en-US" sz="3600" b="1" dirty="0" err="1">
-                <a:solidFill>
-                  <a:srgbClr val="660033"/>
-                </a:solidFill>
-              </a:rPr>
-              <a:t>năng</a:t>
-            </a:r>
-            <a:r>
-              <a:rPr lang="en-US" sz="3600" b="1" dirty="0">
-                <a:solidFill>
-                  <a:srgbClr val="660033"/>
-                </a:solidFill>
-              </a:rPr>
-              <a:t> </a:t>
-            </a:r>
-            <a:r>
-              <a:rPr lang="en-US" sz="3600" b="1" dirty="0" err="1">
-                <a:solidFill>
-                  <a:srgbClr val="660033"/>
-                </a:solidFill>
-              </a:rPr>
-              <a:t>Ngài</a:t>
-            </a:r>
-            <a:r>
-              <a:rPr lang="en-US" sz="3600" b="1" dirty="0">
-                <a:solidFill>
-                  <a:srgbClr val="660033"/>
-                </a:solidFill>
-              </a:rPr>
-              <a:t> </a:t>
-            </a:r>
-            <a:r>
-              <a:rPr lang="en-US" sz="3600" b="1" dirty="0" err="1">
-                <a:solidFill>
-                  <a:srgbClr val="660033"/>
-                </a:solidFill>
-              </a:rPr>
-              <a:t>làm</a:t>
-            </a:r>
-            <a:r>
-              <a:rPr lang="en-US" sz="3600" b="1" dirty="0">
-                <a:solidFill>
-                  <a:srgbClr val="660033"/>
-                </a:solidFill>
-              </a:rPr>
-              <a:t> </a:t>
-            </a:r>
-            <a:r>
-              <a:rPr lang="en-US" sz="3600" b="1" dirty="0" err="1">
-                <a:solidFill>
-                  <a:srgbClr val="660033"/>
-                </a:solidFill>
-              </a:rPr>
-              <a:t>vững</a:t>
-            </a:r>
-            <a:r>
-              <a:rPr lang="en-US" sz="3600" b="1" dirty="0">
-                <a:solidFill>
-                  <a:srgbClr val="660033"/>
-                </a:solidFill>
-              </a:rPr>
-              <a:t> tin </a:t>
-            </a:r>
-            <a:r>
-              <a:rPr lang="en-US" sz="3600" b="1" dirty="0" smtClean="0">
-                <a:solidFill>
-                  <a:srgbClr val="660033"/>
-                </a:solidFill>
-              </a:rPr>
-              <a:t>con </a:t>
-            </a:r>
-            <a:r>
-              <a:rPr lang="en-US" sz="3600" b="1" dirty="0" err="1">
-                <a:solidFill>
-                  <a:srgbClr val="660033"/>
-                </a:solidFill>
-              </a:rPr>
-              <a:t>cậy</a:t>
-            </a:r>
-            <a:r>
-              <a:rPr lang="en-US" sz="3600" b="1" dirty="0">
-                <a:solidFill>
-                  <a:srgbClr val="660033"/>
-                </a:solidFill>
-              </a:rPr>
-              <a:t> </a:t>
-            </a:r>
-            <a:r>
-              <a:rPr lang="en-US" sz="3600" b="1" dirty="0" err="1">
-                <a:solidFill>
-                  <a:srgbClr val="660033"/>
-                </a:solidFill>
-              </a:rPr>
-              <a:t>trông</a:t>
-            </a:r>
-            <a:endParaRPr lang="en-US" sz="3600" b="1" dirty="0">
-              <a:solidFill>
-                <a:srgbClr val="660033"/>
-              </a:solidFill>
+              <a:cs typeface="Calibri" panose="020F0502020204030204" pitchFamily="34" charset="0"/>
             </a:endParaRPr>
           </a:p>
         </p:txBody>
@@ -5098,40 +6217,13 @@
     </p:spTree>
     <p:extLst>
       <p:ext uri="{BB962C8B-B14F-4D97-AF65-F5344CB8AC3E}">
-        <p14:creationId xmlns:p14="http://schemas.microsoft.com/office/powerpoint/2010/main" val="3498175705"/>
+        <p14:creationId xmlns:p14="http://schemas.microsoft.com/office/powerpoint/2010/main" val="597630944"/>
       </p:ext>
     </p:extLst>
   </p:cSld>
   <p:clrMapOvr>
     <a:masterClrMapping/>
   </p:clrMapOvr>
-  <p:timing>
-    <p:tnLst>
-      <p:par>
-        <p:cTn id="1" dur="indefinite" restart="never" nodeType="tmRoot">
-          <p:childTnLst>
-            <p:seq>
-              <p:cTn id="2" dur="indefinite" nodeType="mainSeq"/>
-              <p:prevCondLst>
-                <p:cond evt="onPrev" delay="0">
-                  <p:tgtEl>
-                    <p:sldTgt/>
-                  </p:tgtEl>
-                </p:cond>
-              </p:prevCondLst>
-              <p:nextCondLst>
-                <p:cond evt="onNext" delay="0">
-                  <p:tgtEl>
-                    <p:sldTgt/>
-                  </p:tgtEl>
-                </p:cond>
-              </p:nextCondLst>
-            </p:seq>
-          </p:childTnLst>
-        </p:cTn>
-      </p:par>
-    </p:tnLst>
-  </p:timing>
 </p:sld>
 </file>
 
@@ -5154,425 +6246,376 @@
       </p:grpSpPr>
       <p:sp>
         <p:nvSpPr>
-          <p:cNvPr id="41" name="TextShape 1"/>
-          <p:cNvSpPr txBox="1"/>
-          <p:nvPr/>
+          <p:cNvPr id="5" name="內容版面配置區 4"/>
+          <p:cNvSpPr>
+            <a:spLocks noGrp="1"/>
+          </p:cNvSpPr>
+          <p:nvPr>
+            <p:ph idx="1"/>
+          </p:nvPr>
         </p:nvSpPr>
         <p:spPr>
           <a:xfrm>
-            <a:off x="0" y="182880"/>
-            <a:ext cx="10080000" cy="1116000"/>
+            <a:off x="-1" y="1792635"/>
+            <a:ext cx="10080625" cy="1089939"/>
+          </a:xfrm>
+        </p:spPr>
+        <p:txBody>
+          <a:bodyPr anchor="ctr">
+            <a:normAutofit/>
+          </a:bodyPr>
+          <a:lstStyle/>
+          <a:p>
+            <a:pPr algn="ctr">
+              <a:buNone/>
+            </a:pPr>
+            <a:r>
+              <a:rPr lang="zh-TW" altLang="en-US" sz="5292" b="1" dirty="0">
+                <a:solidFill>
+                  <a:srgbClr val="660033"/>
+                </a:solidFill>
+                <a:latin typeface="微軟正黑體" pitchFamily="34" charset="-120"/>
+                <a:ea typeface="微軟正黑體" pitchFamily="34" charset="-120"/>
+              </a:rPr>
+              <a:t>我與祢展翅暴風上空</a:t>
+            </a:r>
+          </a:p>
+        </p:txBody>
+      </p:sp>
+      <p:sp>
+        <p:nvSpPr>
+          <p:cNvPr id="3" name="內容版面配置區 4"/>
+          <p:cNvSpPr txBox="1">
+            <a:spLocks/>
+          </p:cNvSpPr>
+          <p:nvPr/>
+        </p:nvSpPr>
+        <p:spPr>
+          <a:xfrm>
+            <a:off x="-1" y="2577744"/>
+            <a:ext cx="10080625" cy="1089939"/>
           </a:xfrm>
           <a:prstGeom prst="rect">
             <a:avLst/>
           </a:prstGeom>
-          <a:noFill/>
-          <a:ln>
-            <a:noFill/>
-          </a:ln>
         </p:spPr>
         <p:txBody>
-          <a:bodyPr lIns="0" tIns="0" rIns="0" bIns="0" anchor="ctr"/>
-          <a:lstStyle/>
-          <a:p>
-            <a:pPr algn="ctr"/>
-            <a:r>
-              <a:rPr lang="zh-CN" altLang="en-US" sz="4000" b="1" dirty="0" smtClean="0">
-                <a:solidFill>
-                  <a:srgbClr val="000066"/>
-                </a:solidFill>
-                <a:latin typeface="微軟正黑體" pitchFamily="34" charset="-120"/>
-                <a:ea typeface="微軟正黑體" pitchFamily="34" charset="-120"/>
-              </a:rPr>
-              <a:t>安靜</a:t>
-            </a:r>
-            <a:r>
-              <a:rPr dirty="0"/>
-              <a:t/>
-            </a:r>
-            <a:br>
-              <a:rPr dirty="0"/>
-            </a:br>
-            <a:r>
-              <a:rPr lang="en-US" sz="2800" b="1" dirty="0" smtClean="0">
-                <a:solidFill>
-                  <a:srgbClr val="660033"/>
-                </a:solidFill>
-                <a:latin typeface="Arial" panose="020B0604020202020204" pitchFamily="34" charset="0"/>
-                <a:cs typeface="Arial" panose="020B0604020202020204" pitchFamily="34" charset="0"/>
-              </a:rPr>
-              <a:t>VỮNG AN</a:t>
-            </a:r>
-            <a:endParaRPr lang="en-US" sz="4000" b="1" strike="noStrike" spc="-1" dirty="0">
-              <a:solidFill>
-                <a:srgbClr val="660033"/>
-              </a:solidFill>
-              <a:latin typeface="Arial" panose="020B0604020202020204" pitchFamily="34" charset="0"/>
-              <a:cs typeface="Arial" panose="020B0604020202020204" pitchFamily="34" charset="0"/>
-            </a:endParaRPr>
-          </a:p>
-        </p:txBody>
-      </p:sp>
-      <p:sp>
-        <p:nvSpPr>
-          <p:cNvPr id="42" name="TextShape 2"/>
-          <p:cNvSpPr txBox="1"/>
-          <p:nvPr/>
-        </p:nvSpPr>
-        <p:spPr>
-          <a:xfrm>
-            <a:off x="0" y="1305230"/>
-            <a:ext cx="10080000" cy="2231640"/>
-          </a:xfrm>
-          <a:prstGeom prst="rect">
-            <a:avLst/>
-          </a:prstGeom>
-          <a:noFill/>
-          <a:ln>
-            <a:noFill/>
-          </a:ln>
-        </p:spPr>
-        <p:txBody>
-          <a:bodyPr lIns="0" tIns="0" rIns="0" bIns="0" anchor="ctr"/>
-          <a:lstStyle/>
-          <a:p>
-            <a:pPr algn="ctr">
+          <a:bodyPr vert="horz" lIns="75605" tIns="37802" rIns="75605" bIns="37802" rtlCol="0" anchor="ctr">
+            <a:normAutofit/>
+          </a:bodyPr>
+          <a:lstStyle>
+            <a:lvl1pPr marL="457189" indent="-457189" algn="l" defTabSz="1219170" rtl="0" eaLnBrk="1" latinLnBrk="0" hangingPunct="1">
+              <a:spcBef>
+                <a:spcPct val="20000"/>
+              </a:spcBef>
+              <a:buFont typeface="Arial" pitchFamily="34" charset="0"/>
+              <a:buChar char="•"/>
+              <a:defRPr sz="4267" kern="1200">
+                <a:solidFill>
+                  <a:schemeClr val="tx1"/>
+                </a:solidFill>
+                <a:latin typeface="+mn-lt"/>
+                <a:ea typeface="+mn-ea"/>
+                <a:cs typeface="+mn-cs"/>
+              </a:defRPr>
+            </a:lvl1pPr>
+            <a:lvl2pPr marL="990575" indent="-380990" algn="l" defTabSz="1219170" rtl="0" eaLnBrk="1" latinLnBrk="0" hangingPunct="1">
+              <a:spcBef>
+                <a:spcPct val="20000"/>
+              </a:spcBef>
+              <a:buFont typeface="Arial" pitchFamily="34" charset="0"/>
+              <a:buChar char="–"/>
+              <a:defRPr sz="3733" kern="1200">
+                <a:solidFill>
+                  <a:schemeClr val="tx1"/>
+                </a:solidFill>
+                <a:latin typeface="+mn-lt"/>
+                <a:ea typeface="+mn-ea"/>
+                <a:cs typeface="+mn-cs"/>
+              </a:defRPr>
+            </a:lvl2pPr>
+            <a:lvl3pPr marL="1523962" indent="-304792" algn="l" defTabSz="1219170" rtl="0" eaLnBrk="1" latinLnBrk="0" hangingPunct="1">
+              <a:spcBef>
+                <a:spcPct val="20000"/>
+              </a:spcBef>
+              <a:buFont typeface="Arial" pitchFamily="34" charset="0"/>
+              <a:buChar char="•"/>
+              <a:defRPr sz="3200" kern="1200">
+                <a:solidFill>
+                  <a:schemeClr val="tx1"/>
+                </a:solidFill>
+                <a:latin typeface="+mn-lt"/>
+                <a:ea typeface="+mn-ea"/>
+                <a:cs typeface="+mn-cs"/>
+              </a:defRPr>
+            </a:lvl3pPr>
+            <a:lvl4pPr marL="2133547" indent="-304792" algn="l" defTabSz="1219170" rtl="0" eaLnBrk="1" latinLnBrk="0" hangingPunct="1">
+              <a:spcBef>
+                <a:spcPct val="20000"/>
+              </a:spcBef>
+              <a:buFont typeface="Arial" pitchFamily="34" charset="0"/>
+              <a:buChar char="–"/>
+              <a:defRPr sz="2667" kern="1200">
+                <a:solidFill>
+                  <a:schemeClr val="tx1"/>
+                </a:solidFill>
+                <a:latin typeface="+mn-lt"/>
+                <a:ea typeface="+mn-ea"/>
+                <a:cs typeface="+mn-cs"/>
+              </a:defRPr>
+            </a:lvl4pPr>
+            <a:lvl5pPr marL="2743131" indent="-304792" algn="l" defTabSz="1219170" rtl="0" eaLnBrk="1" latinLnBrk="0" hangingPunct="1">
+              <a:spcBef>
+                <a:spcPct val="20000"/>
+              </a:spcBef>
+              <a:buFont typeface="Arial" pitchFamily="34" charset="0"/>
+              <a:buChar char="»"/>
+              <a:defRPr sz="2667" kern="1200">
+                <a:solidFill>
+                  <a:schemeClr val="tx1"/>
+                </a:solidFill>
+                <a:latin typeface="+mn-lt"/>
+                <a:ea typeface="+mn-ea"/>
+                <a:cs typeface="+mn-cs"/>
+              </a:defRPr>
+            </a:lvl5pPr>
+            <a:lvl6pPr marL="3352716" indent="-304792" algn="l" defTabSz="1219170" rtl="0" eaLnBrk="1" latinLnBrk="0" hangingPunct="1">
+              <a:spcBef>
+                <a:spcPct val="20000"/>
+              </a:spcBef>
+              <a:buFont typeface="Arial" pitchFamily="34" charset="0"/>
+              <a:buChar char="•"/>
+              <a:defRPr sz="2667" kern="1200">
+                <a:solidFill>
+                  <a:schemeClr val="tx1"/>
+                </a:solidFill>
+                <a:latin typeface="+mn-lt"/>
+                <a:ea typeface="+mn-ea"/>
+                <a:cs typeface="+mn-cs"/>
+              </a:defRPr>
+            </a:lvl6pPr>
+            <a:lvl7pPr marL="3962301" indent="-304792" algn="l" defTabSz="1219170" rtl="0" eaLnBrk="1" latinLnBrk="0" hangingPunct="1">
+              <a:spcBef>
+                <a:spcPct val="20000"/>
+              </a:spcBef>
+              <a:buFont typeface="Arial" pitchFamily="34" charset="0"/>
+              <a:buChar char="•"/>
+              <a:defRPr sz="2667" kern="1200">
+                <a:solidFill>
+                  <a:schemeClr val="tx1"/>
+                </a:solidFill>
+                <a:latin typeface="+mn-lt"/>
+                <a:ea typeface="+mn-ea"/>
+                <a:cs typeface="+mn-cs"/>
+              </a:defRPr>
+            </a:lvl7pPr>
+            <a:lvl8pPr marL="4571886" indent="-304792" algn="l" defTabSz="1219170" rtl="0" eaLnBrk="1" latinLnBrk="0" hangingPunct="1">
+              <a:spcBef>
+                <a:spcPct val="20000"/>
+              </a:spcBef>
+              <a:buFont typeface="Arial" pitchFamily="34" charset="0"/>
+              <a:buChar char="•"/>
+              <a:defRPr sz="2667" kern="1200">
+                <a:solidFill>
+                  <a:schemeClr val="tx1"/>
+                </a:solidFill>
+                <a:latin typeface="+mn-lt"/>
+                <a:ea typeface="+mn-ea"/>
+                <a:cs typeface="+mn-cs"/>
+              </a:defRPr>
+            </a:lvl8pPr>
+            <a:lvl9pPr marL="5181470" indent="-304792" algn="l" defTabSz="1219170" rtl="0" eaLnBrk="1" latinLnBrk="0" hangingPunct="1">
+              <a:spcBef>
+                <a:spcPct val="20000"/>
+              </a:spcBef>
+              <a:buFont typeface="Arial" pitchFamily="34" charset="0"/>
+              <a:buChar char="•"/>
+              <a:defRPr sz="2667" kern="1200">
+                <a:solidFill>
+                  <a:schemeClr val="tx1"/>
+                </a:solidFill>
+                <a:latin typeface="+mn-lt"/>
+                <a:ea typeface="+mn-ea"/>
+                <a:cs typeface="+mn-cs"/>
+              </a:defRPr>
+            </a:lvl9pPr>
+          </a:lstStyle>
+          <a:p>
+            <a:pPr marL="0" indent="0" algn="ctr">
               <a:buNone/>
             </a:pPr>
             <a:r>
-              <a:rPr lang="zh-TW" altLang="en-US" sz="4800" b="1" dirty="0">
-                <a:solidFill>
-                  <a:srgbClr val="000066"/>
-                </a:solidFill>
-                <a:latin typeface="微軟正黑體" pitchFamily="34" charset="-120"/>
-                <a:ea typeface="微軟正黑體" pitchFamily="34" charset="-120"/>
-              </a:rPr>
-              <a:t>當大海翻騰波濤洶湧</a:t>
-            </a:r>
-            <a:endParaRPr lang="en-US" altLang="zh-TW" sz="4800" b="1" dirty="0">
+              <a:rPr lang="en-US" sz="3528" b="1" dirty="0" err="1">
+                <a:solidFill>
+                  <a:srgbClr val="000066"/>
+                </a:solidFill>
+                <a:latin typeface="Calibri" panose="020F0502020204030204" pitchFamily="34" charset="0"/>
+                <a:ea typeface="微軟正黑體" pitchFamily="34" charset="-120"/>
+                <a:cs typeface="Calibri" panose="020F0502020204030204" pitchFamily="34" charset="0"/>
+              </a:rPr>
+              <a:t>Nguyện</a:t>
+            </a:r>
+            <a:r>
+              <a:rPr lang="en-US" sz="3528" b="1" dirty="0">
+                <a:solidFill>
+                  <a:srgbClr val="000066"/>
+                </a:solidFill>
+                <a:latin typeface="Calibri" panose="020F0502020204030204" pitchFamily="34" charset="0"/>
+                <a:ea typeface="微軟正黑體" pitchFamily="34" charset="-120"/>
+                <a:cs typeface="Calibri" panose="020F0502020204030204" pitchFamily="34" charset="0"/>
+              </a:rPr>
+              <a:t> </a:t>
+            </a:r>
+            <a:r>
+              <a:rPr lang="en-US" sz="3528" b="1" dirty="0" err="1">
+                <a:solidFill>
+                  <a:srgbClr val="000066"/>
+                </a:solidFill>
+                <a:latin typeface="Calibri" panose="020F0502020204030204" pitchFamily="34" charset="0"/>
+                <a:ea typeface="微軟正黑體" pitchFamily="34" charset="-120"/>
+                <a:cs typeface="Calibri" panose="020F0502020204030204" pitchFamily="34" charset="0"/>
+              </a:rPr>
+              <a:t>xin</a:t>
+            </a:r>
+            <a:r>
+              <a:rPr lang="en-US" sz="3528" b="1" dirty="0">
+                <a:solidFill>
+                  <a:srgbClr val="000066"/>
+                </a:solidFill>
+                <a:latin typeface="Calibri" panose="020F0502020204030204" pitchFamily="34" charset="0"/>
+                <a:ea typeface="微軟正黑體" pitchFamily="34" charset="-120"/>
+                <a:cs typeface="Calibri" panose="020F0502020204030204" pitchFamily="34" charset="0"/>
+              </a:rPr>
+              <a:t> </a:t>
+            </a:r>
+            <a:r>
+              <a:rPr lang="en-US" sz="3528" b="1" dirty="0" err="1">
+                <a:solidFill>
+                  <a:srgbClr val="000066"/>
+                </a:solidFill>
+                <a:latin typeface="Calibri" panose="020F0502020204030204" pitchFamily="34" charset="0"/>
+                <a:ea typeface="微軟正黑體" pitchFamily="34" charset="-120"/>
+                <a:cs typeface="Calibri" panose="020F0502020204030204" pitchFamily="34" charset="0"/>
+              </a:rPr>
+              <a:t>Chúa</a:t>
+            </a:r>
+            <a:r>
+              <a:rPr lang="en-US" sz="3528" b="1" dirty="0">
+                <a:solidFill>
+                  <a:srgbClr val="000066"/>
+                </a:solidFill>
+                <a:latin typeface="Calibri" panose="020F0502020204030204" pitchFamily="34" charset="0"/>
+                <a:ea typeface="微軟正黑體" pitchFamily="34" charset="-120"/>
+                <a:cs typeface="Calibri" panose="020F0502020204030204" pitchFamily="34" charset="0"/>
+              </a:rPr>
+              <a:t> </a:t>
+            </a:r>
+            <a:r>
+              <a:rPr lang="en-US" sz="3528" b="1" dirty="0" err="1">
+                <a:solidFill>
+                  <a:srgbClr val="000066"/>
+                </a:solidFill>
+                <a:latin typeface="Calibri" panose="020F0502020204030204" pitchFamily="34" charset="0"/>
+                <a:ea typeface="微軟正黑體" pitchFamily="34" charset="-120"/>
+                <a:cs typeface="Calibri" panose="020F0502020204030204" pitchFamily="34" charset="0"/>
+              </a:rPr>
+              <a:t>dắt</a:t>
+            </a:r>
+            <a:r>
+              <a:rPr lang="en-US" sz="3528" b="1" dirty="0">
+                <a:solidFill>
+                  <a:srgbClr val="000066"/>
+                </a:solidFill>
+                <a:latin typeface="Calibri" panose="020F0502020204030204" pitchFamily="34" charset="0"/>
+                <a:ea typeface="微軟正黑體" pitchFamily="34" charset="-120"/>
+                <a:cs typeface="Calibri" panose="020F0502020204030204" pitchFamily="34" charset="0"/>
+              </a:rPr>
+              <a:t> </a:t>
+            </a:r>
+            <a:r>
+              <a:rPr lang="en-US" sz="3528" b="1" dirty="0" err="1">
+                <a:solidFill>
+                  <a:srgbClr val="000066"/>
+                </a:solidFill>
+                <a:latin typeface="Calibri" panose="020F0502020204030204" pitchFamily="34" charset="0"/>
+                <a:ea typeface="微軟正黑體" pitchFamily="34" charset="-120"/>
+                <a:cs typeface="Calibri" panose="020F0502020204030204" pitchFamily="34" charset="0"/>
+              </a:rPr>
+              <a:t>đưa</a:t>
+            </a:r>
+            <a:r>
+              <a:rPr lang="en-US" sz="3528" b="1" dirty="0">
+                <a:solidFill>
+                  <a:srgbClr val="000066"/>
+                </a:solidFill>
+                <a:latin typeface="Calibri" panose="020F0502020204030204" pitchFamily="34" charset="0"/>
+                <a:ea typeface="微軟正黑體" pitchFamily="34" charset="-120"/>
+                <a:cs typeface="Calibri" panose="020F0502020204030204" pitchFamily="34" charset="0"/>
+              </a:rPr>
+              <a:t> </a:t>
+            </a:r>
+            <a:r>
+              <a:rPr lang="en-US" sz="3528" b="1" dirty="0" err="1">
+                <a:solidFill>
+                  <a:srgbClr val="000066"/>
+                </a:solidFill>
+                <a:latin typeface="Calibri" panose="020F0502020204030204" pitchFamily="34" charset="0"/>
+                <a:ea typeface="微軟正黑體" pitchFamily="34" charset="-120"/>
+                <a:cs typeface="Calibri" panose="020F0502020204030204" pitchFamily="34" charset="0"/>
+              </a:rPr>
+              <a:t>vượt</a:t>
+            </a:r>
+            <a:r>
+              <a:rPr lang="en-US" sz="3528" b="1" dirty="0">
+                <a:solidFill>
+                  <a:srgbClr val="000066"/>
+                </a:solidFill>
+                <a:latin typeface="Calibri" panose="020F0502020204030204" pitchFamily="34" charset="0"/>
+                <a:ea typeface="微軟正黑體" pitchFamily="34" charset="-120"/>
+                <a:cs typeface="Calibri" panose="020F0502020204030204" pitchFamily="34" charset="0"/>
+              </a:rPr>
+              <a:t> qua </a:t>
+            </a:r>
+            <a:r>
+              <a:rPr lang="en-US" sz="3528" b="1" dirty="0" err="1">
+                <a:solidFill>
+                  <a:srgbClr val="000066"/>
+                </a:solidFill>
+                <a:latin typeface="Calibri" panose="020F0502020204030204" pitchFamily="34" charset="0"/>
+                <a:ea typeface="微軟正黑體" pitchFamily="34" charset="-120"/>
+                <a:cs typeface="Calibri" panose="020F0502020204030204" pitchFamily="34" charset="0"/>
+              </a:rPr>
+              <a:t>bão</a:t>
+            </a:r>
+            <a:r>
+              <a:rPr lang="en-US" sz="3528" b="1" dirty="0">
+                <a:solidFill>
+                  <a:srgbClr val="000066"/>
+                </a:solidFill>
+                <a:latin typeface="Calibri" panose="020F0502020204030204" pitchFamily="34" charset="0"/>
+                <a:ea typeface="微軟正黑體" pitchFamily="34" charset="-120"/>
+                <a:cs typeface="Calibri" panose="020F0502020204030204" pitchFamily="34" charset="0"/>
+              </a:rPr>
+              <a:t> </a:t>
+            </a:r>
+            <a:r>
+              <a:rPr lang="en-US" sz="3528" b="1" dirty="0" err="1">
+                <a:solidFill>
+                  <a:srgbClr val="000066"/>
+                </a:solidFill>
+                <a:latin typeface="Calibri" panose="020F0502020204030204" pitchFamily="34" charset="0"/>
+                <a:ea typeface="微軟正黑體" pitchFamily="34" charset="-120"/>
+                <a:cs typeface="Calibri" panose="020F0502020204030204" pitchFamily="34" charset="0"/>
+              </a:rPr>
+              <a:t>tố</a:t>
+            </a:r>
+            <a:endParaRPr lang="en-US" sz="3528" b="1" dirty="0">
               <a:solidFill>
                 <a:srgbClr val="000066"/>
               </a:solidFill>
-              <a:latin typeface="微軟正黑體" pitchFamily="34" charset="-120"/>
+              <a:latin typeface="Calibri" panose="020F0502020204030204" pitchFamily="34" charset="0"/>
               <a:ea typeface="微軟正黑體" pitchFamily="34" charset="-120"/>
-            </a:endParaRPr>
-          </a:p>
-          <a:p>
-            <a:pPr algn="ctr">
-              <a:buNone/>
-            </a:pPr>
-            <a:r>
-              <a:rPr lang="zh-TW" altLang="en-US" sz="4800" b="1" dirty="0">
-                <a:solidFill>
-                  <a:srgbClr val="000066"/>
-                </a:solidFill>
-                <a:latin typeface="微軟正黑體" pitchFamily="34" charset="-120"/>
-                <a:ea typeface="微軟正黑體" pitchFamily="34" charset="-120"/>
-              </a:rPr>
-              <a:t>我與祢展翅暴風上空</a:t>
-            </a:r>
-            <a:endParaRPr lang="en-US" altLang="zh-TW" sz="4800" b="1" dirty="0">
-              <a:solidFill>
-                <a:srgbClr val="000066"/>
-              </a:solidFill>
-              <a:latin typeface="微軟正黑體" pitchFamily="34" charset="-120"/>
-              <a:ea typeface="微軟正黑體" pitchFamily="34" charset="-120"/>
-            </a:endParaRPr>
-          </a:p>
-        </p:txBody>
-      </p:sp>
-      <p:sp>
-        <p:nvSpPr>
-          <p:cNvPr id="43" name="TextShape 3"/>
-          <p:cNvSpPr txBox="1"/>
-          <p:nvPr/>
-        </p:nvSpPr>
-        <p:spPr>
-          <a:xfrm>
-            <a:off x="0" y="3292475"/>
-            <a:ext cx="10080000" cy="2011680"/>
-          </a:xfrm>
-          <a:prstGeom prst="rect">
-            <a:avLst/>
-          </a:prstGeom>
-          <a:noFill/>
-          <a:ln>
-            <a:noFill/>
-          </a:ln>
-        </p:spPr>
-        <p:txBody>
-          <a:bodyPr lIns="0" tIns="0" rIns="0" bIns="0" anchor="ctr"/>
-          <a:lstStyle/>
-          <a:p>
-            <a:pPr algn="ctr"/>
-            <a:r>
-              <a:rPr lang="en-US" sz="3600" b="1" dirty="0" err="1">
-                <a:solidFill>
-                  <a:srgbClr val="660033"/>
-                </a:solidFill>
-              </a:rPr>
-              <a:t>Dù</a:t>
-            </a:r>
-            <a:r>
-              <a:rPr lang="en-US" sz="3600" b="1" dirty="0">
-                <a:solidFill>
-                  <a:srgbClr val="660033"/>
-                </a:solidFill>
-              </a:rPr>
-              <a:t> </a:t>
-            </a:r>
-            <a:r>
-              <a:rPr lang="en-US" sz="3600" b="1" dirty="0" err="1">
-                <a:solidFill>
-                  <a:srgbClr val="660033"/>
-                </a:solidFill>
-              </a:rPr>
-              <a:t>giông</a:t>
-            </a:r>
-            <a:r>
-              <a:rPr lang="en-US" sz="3600" b="1" dirty="0">
-                <a:solidFill>
-                  <a:srgbClr val="660033"/>
-                </a:solidFill>
-              </a:rPr>
-              <a:t> </a:t>
-            </a:r>
-            <a:r>
-              <a:rPr lang="en-US" sz="3600" b="1" dirty="0" err="1">
-                <a:solidFill>
-                  <a:srgbClr val="660033"/>
-                </a:solidFill>
-              </a:rPr>
-              <a:t>tố</a:t>
-            </a:r>
-            <a:r>
-              <a:rPr lang="en-US" sz="3600" b="1" dirty="0">
-                <a:solidFill>
-                  <a:srgbClr val="660033"/>
-                </a:solidFill>
-              </a:rPr>
-              <a:t> </a:t>
-            </a:r>
-            <a:r>
-              <a:rPr lang="en-US" sz="3600" b="1" dirty="0" err="1">
-                <a:solidFill>
-                  <a:srgbClr val="660033"/>
-                </a:solidFill>
-              </a:rPr>
-              <a:t>khiếp</a:t>
-            </a:r>
-            <a:r>
-              <a:rPr lang="en-US" sz="3600" b="1" dirty="0">
-                <a:solidFill>
-                  <a:srgbClr val="660033"/>
-                </a:solidFill>
-              </a:rPr>
-              <a:t> </a:t>
-            </a:r>
-            <a:r>
-              <a:rPr lang="en-US" sz="3600" b="1" dirty="0" err="1">
-                <a:solidFill>
-                  <a:srgbClr val="660033"/>
-                </a:solidFill>
-              </a:rPr>
-              <a:t>kinh</a:t>
-            </a:r>
-            <a:r>
-              <a:rPr lang="en-US" sz="3600" b="1" dirty="0">
-                <a:solidFill>
-                  <a:srgbClr val="660033"/>
-                </a:solidFill>
-              </a:rPr>
-              <a:t> </a:t>
-            </a:r>
-            <a:r>
-              <a:rPr lang="en-US" sz="3600" b="1" dirty="0" err="1">
-                <a:solidFill>
-                  <a:srgbClr val="660033"/>
-                </a:solidFill>
-              </a:rPr>
-              <a:t>sóng</a:t>
-            </a:r>
-            <a:r>
-              <a:rPr lang="en-US" sz="3600" b="1" dirty="0">
-                <a:solidFill>
-                  <a:srgbClr val="660033"/>
-                </a:solidFill>
-              </a:rPr>
-              <a:t> </a:t>
-            </a:r>
-            <a:r>
-              <a:rPr lang="en-US" sz="3600" b="1" dirty="0" err="1">
-                <a:solidFill>
-                  <a:srgbClr val="660033"/>
-                </a:solidFill>
-              </a:rPr>
-              <a:t>gió</a:t>
-            </a:r>
-            <a:r>
-              <a:rPr lang="en-US" sz="3600" b="1" dirty="0">
-                <a:solidFill>
-                  <a:srgbClr val="660033"/>
-                </a:solidFill>
-              </a:rPr>
-              <a:t> </a:t>
-            </a:r>
-            <a:r>
-              <a:rPr lang="en-US" sz="3600" b="1" dirty="0" err="1">
-                <a:solidFill>
-                  <a:srgbClr val="660033"/>
-                </a:solidFill>
-              </a:rPr>
-              <a:t>vây</a:t>
-            </a:r>
-            <a:r>
-              <a:rPr lang="en-US" sz="3600" b="1" dirty="0">
-                <a:solidFill>
-                  <a:srgbClr val="660033"/>
-                </a:solidFill>
-              </a:rPr>
-              <a:t> </a:t>
-            </a:r>
-            <a:r>
-              <a:rPr lang="en-US" sz="3600" b="1" dirty="0" err="1">
-                <a:solidFill>
-                  <a:srgbClr val="660033"/>
-                </a:solidFill>
-              </a:rPr>
-              <a:t>quanh</a:t>
-            </a:r>
-            <a:endParaRPr lang="en-US" sz="3600" b="1" dirty="0">
-              <a:solidFill>
-                <a:srgbClr val="660033"/>
-              </a:solidFill>
-            </a:endParaRPr>
-          </a:p>
-          <a:p>
-            <a:pPr algn="ctr"/>
-            <a:r>
-              <a:rPr lang="en-US" sz="3600" b="1" dirty="0" err="1">
-                <a:solidFill>
-                  <a:srgbClr val="660033"/>
-                </a:solidFill>
-              </a:rPr>
-              <a:t>Nguyện</a:t>
-            </a:r>
-            <a:r>
-              <a:rPr lang="en-US" sz="3600" b="1" dirty="0">
-                <a:solidFill>
-                  <a:srgbClr val="660033"/>
-                </a:solidFill>
-              </a:rPr>
-              <a:t> </a:t>
-            </a:r>
-            <a:r>
-              <a:rPr lang="en-US" sz="3600" b="1" dirty="0" err="1">
-                <a:solidFill>
-                  <a:srgbClr val="660033"/>
-                </a:solidFill>
-              </a:rPr>
-              <a:t>xin</a:t>
-            </a:r>
-            <a:r>
-              <a:rPr lang="en-US" sz="3600" b="1" dirty="0">
-                <a:solidFill>
-                  <a:srgbClr val="660033"/>
-                </a:solidFill>
-              </a:rPr>
-              <a:t> </a:t>
-            </a:r>
-            <a:r>
-              <a:rPr lang="en-US" sz="3600" b="1" dirty="0" err="1">
-                <a:solidFill>
-                  <a:srgbClr val="660033"/>
-                </a:solidFill>
-              </a:rPr>
-              <a:t>Chúa</a:t>
-            </a:r>
-            <a:r>
-              <a:rPr lang="en-US" sz="3600" b="1" dirty="0">
-                <a:solidFill>
-                  <a:srgbClr val="660033"/>
-                </a:solidFill>
-              </a:rPr>
-              <a:t> </a:t>
-            </a:r>
-            <a:r>
-              <a:rPr lang="en-US" sz="3600" b="1" dirty="0" err="1">
-                <a:solidFill>
-                  <a:srgbClr val="660033"/>
-                </a:solidFill>
-              </a:rPr>
-              <a:t>dắt</a:t>
-            </a:r>
-            <a:r>
-              <a:rPr lang="en-US" sz="3600" b="1" dirty="0">
-                <a:solidFill>
-                  <a:srgbClr val="660033"/>
-                </a:solidFill>
-              </a:rPr>
-              <a:t> </a:t>
-            </a:r>
-            <a:r>
-              <a:rPr lang="en-US" sz="3600" b="1" dirty="0" err="1">
-                <a:solidFill>
-                  <a:srgbClr val="660033"/>
-                </a:solidFill>
-              </a:rPr>
-              <a:t>đưa</a:t>
-            </a:r>
-            <a:r>
-              <a:rPr lang="en-US" sz="3600" b="1" dirty="0">
-                <a:solidFill>
-                  <a:srgbClr val="660033"/>
-                </a:solidFill>
-              </a:rPr>
-              <a:t> </a:t>
-            </a:r>
-            <a:r>
-              <a:rPr lang="en-US" sz="3600" b="1" dirty="0" err="1">
-                <a:solidFill>
-                  <a:srgbClr val="660033"/>
-                </a:solidFill>
-              </a:rPr>
-              <a:t>vượt</a:t>
-            </a:r>
-            <a:r>
-              <a:rPr lang="en-US" sz="3600" b="1" dirty="0">
-                <a:solidFill>
-                  <a:srgbClr val="660033"/>
-                </a:solidFill>
-              </a:rPr>
-              <a:t> qua </a:t>
-            </a:r>
-            <a:r>
-              <a:rPr lang="en-US" sz="3600" b="1" dirty="0" err="1">
-                <a:solidFill>
-                  <a:srgbClr val="660033"/>
-                </a:solidFill>
-              </a:rPr>
-              <a:t>bão</a:t>
-            </a:r>
-            <a:r>
-              <a:rPr lang="en-US" sz="3600" b="1" dirty="0">
-                <a:solidFill>
-                  <a:srgbClr val="660033"/>
-                </a:solidFill>
-              </a:rPr>
-              <a:t> </a:t>
-            </a:r>
-            <a:r>
-              <a:rPr lang="en-US" sz="3600" b="1" dirty="0" err="1">
-                <a:solidFill>
-                  <a:srgbClr val="660033"/>
-                </a:solidFill>
-              </a:rPr>
-              <a:t>tố</a:t>
-            </a:r>
-            <a:endParaRPr lang="en-US" sz="3600" b="1" dirty="0">
-              <a:solidFill>
-                <a:srgbClr val="660033"/>
-              </a:solidFill>
+              <a:cs typeface="Calibri" panose="020F0502020204030204" pitchFamily="34" charset="0"/>
             </a:endParaRPr>
           </a:p>
         </p:txBody>
@@ -5580,40 +6623,13 @@
     </p:spTree>
     <p:extLst>
       <p:ext uri="{BB962C8B-B14F-4D97-AF65-F5344CB8AC3E}">
-        <p14:creationId xmlns:p14="http://schemas.microsoft.com/office/powerpoint/2010/main" val="3186671348"/>
+        <p14:creationId xmlns:p14="http://schemas.microsoft.com/office/powerpoint/2010/main" val="4117493264"/>
       </p:ext>
     </p:extLst>
   </p:cSld>
   <p:clrMapOvr>
     <a:masterClrMapping/>
   </p:clrMapOvr>
-  <p:timing>
-    <p:tnLst>
-      <p:par>
-        <p:cTn id="1" dur="indefinite" restart="never" nodeType="tmRoot">
-          <p:childTnLst>
-            <p:seq>
-              <p:cTn id="2" dur="indefinite" nodeType="mainSeq"/>
-              <p:prevCondLst>
-                <p:cond evt="onPrev" delay="0">
-                  <p:tgtEl>
-                    <p:sldTgt/>
-                  </p:tgtEl>
-                </p:cond>
-              </p:prevCondLst>
-              <p:nextCondLst>
-                <p:cond evt="onNext" delay="0">
-                  <p:tgtEl>
-                    <p:sldTgt/>
-                  </p:tgtEl>
-                </p:cond>
-              </p:nextCondLst>
-            </p:seq>
-          </p:childTnLst>
-        </p:cTn>
-      </p:par>
-    </p:tnLst>
-  </p:timing>
 </p:sld>
 </file>
 
@@ -5636,429 +6652,1370 @@
       </p:grpSpPr>
       <p:sp>
         <p:nvSpPr>
-          <p:cNvPr id="41" name="TextShape 1"/>
-          <p:cNvSpPr txBox="1"/>
-          <p:nvPr/>
+          <p:cNvPr id="5" name="內容版面配置區 4"/>
+          <p:cNvSpPr>
+            <a:spLocks noGrp="1"/>
+          </p:cNvSpPr>
+          <p:nvPr>
+            <p:ph idx="1"/>
+          </p:nvPr>
         </p:nvSpPr>
         <p:spPr>
           <a:xfrm>
-            <a:off x="0" y="182880"/>
-            <a:ext cx="10080000" cy="1116000"/>
+            <a:off x="-1" y="1792635"/>
+            <a:ext cx="10080625" cy="1089939"/>
+          </a:xfrm>
+        </p:spPr>
+        <p:txBody>
+          <a:bodyPr anchor="ctr">
+            <a:normAutofit/>
+          </a:bodyPr>
+          <a:lstStyle/>
+          <a:p>
+            <a:pPr algn="ctr">
+              <a:buNone/>
+            </a:pPr>
+            <a:r>
+              <a:rPr lang="zh-TW" altLang="en-US" sz="5292" b="1" dirty="0">
+                <a:solidFill>
+                  <a:srgbClr val="660033"/>
+                </a:solidFill>
+                <a:latin typeface="微軟正黑體" pitchFamily="34" charset="-120"/>
+                <a:ea typeface="微軟正黑體" pitchFamily="34" charset="-120"/>
+              </a:rPr>
+              <a:t>父祢仍作王在洪水中</a:t>
+            </a:r>
+            <a:endParaRPr lang="zh-TW" altLang="en-US" sz="5292" b="1" dirty="0">
+              <a:solidFill>
+                <a:srgbClr val="660033"/>
+              </a:solidFill>
+              <a:latin typeface="微軟正黑體" pitchFamily="34" charset="-120"/>
+              <a:ea typeface="微軟正黑體" pitchFamily="34" charset="-120"/>
+            </a:endParaRPr>
+          </a:p>
+        </p:txBody>
+      </p:sp>
+      <p:sp>
+        <p:nvSpPr>
+          <p:cNvPr id="3" name="內容版面配置區 4"/>
+          <p:cNvSpPr txBox="1">
+            <a:spLocks/>
+          </p:cNvSpPr>
+          <p:nvPr/>
+        </p:nvSpPr>
+        <p:spPr>
+          <a:xfrm>
+            <a:off x="-1" y="2577744"/>
+            <a:ext cx="10080625" cy="1089939"/>
           </a:xfrm>
           <a:prstGeom prst="rect">
             <a:avLst/>
           </a:prstGeom>
-          <a:noFill/>
-          <a:ln>
-            <a:noFill/>
-          </a:ln>
         </p:spPr>
         <p:txBody>
-          <a:bodyPr lIns="0" tIns="0" rIns="0" bIns="0" anchor="ctr"/>
-          <a:lstStyle/>
-          <a:p>
-            <a:pPr algn="ctr"/>
-            <a:r>
-              <a:rPr lang="zh-CN" altLang="en-US" sz="4000" b="1" dirty="0" smtClean="0">
-                <a:solidFill>
-                  <a:srgbClr val="000066"/>
-                </a:solidFill>
-                <a:latin typeface="微軟正黑體" pitchFamily="34" charset="-120"/>
-                <a:ea typeface="微軟正黑體" pitchFamily="34" charset="-120"/>
-              </a:rPr>
-              <a:t>安靜</a:t>
-            </a:r>
-            <a:r>
-              <a:rPr dirty="0"/>
-              <a:t/>
-            </a:r>
-            <a:br>
-              <a:rPr dirty="0"/>
-            </a:br>
-            <a:r>
-              <a:rPr lang="en-US" sz="2800" b="1" dirty="0" smtClean="0">
-                <a:solidFill>
-                  <a:srgbClr val="660033"/>
-                </a:solidFill>
-                <a:latin typeface="Arial" panose="020B0604020202020204" pitchFamily="34" charset="0"/>
-                <a:cs typeface="Arial" panose="020B0604020202020204" pitchFamily="34" charset="0"/>
-              </a:rPr>
-              <a:t>VỮNG AN</a:t>
-            </a:r>
-            <a:endParaRPr lang="en-US" sz="4000" b="1" strike="noStrike" spc="-1" dirty="0">
-              <a:solidFill>
-                <a:srgbClr val="660033"/>
-              </a:solidFill>
-              <a:latin typeface="Arial" panose="020B0604020202020204" pitchFamily="34" charset="0"/>
-              <a:cs typeface="Arial" panose="020B0604020202020204" pitchFamily="34" charset="0"/>
-            </a:endParaRPr>
-          </a:p>
-        </p:txBody>
-      </p:sp>
-      <p:sp>
-        <p:nvSpPr>
-          <p:cNvPr id="42" name="TextShape 2"/>
-          <p:cNvSpPr txBox="1"/>
-          <p:nvPr/>
-        </p:nvSpPr>
-        <p:spPr>
-          <a:xfrm>
-            <a:off x="0" y="1305230"/>
-            <a:ext cx="10080000" cy="2231640"/>
-          </a:xfrm>
-          <a:prstGeom prst="rect">
-            <a:avLst/>
-          </a:prstGeom>
-          <a:noFill/>
-          <a:ln>
-            <a:noFill/>
-          </a:ln>
-        </p:spPr>
-        <p:txBody>
-          <a:bodyPr lIns="0" tIns="0" rIns="0" bIns="0" anchor="ctr"/>
-          <a:lstStyle/>
-          <a:p>
-            <a:pPr algn="ctr">
+          <a:bodyPr vert="horz" lIns="75605" tIns="37802" rIns="75605" bIns="37802" rtlCol="0" anchor="ctr">
+            <a:normAutofit/>
+          </a:bodyPr>
+          <a:lstStyle>
+            <a:lvl1pPr marL="457189" indent="-457189" algn="l" defTabSz="1219170" rtl="0" eaLnBrk="1" latinLnBrk="0" hangingPunct="1">
+              <a:spcBef>
+                <a:spcPct val="20000"/>
+              </a:spcBef>
+              <a:buFont typeface="Arial" pitchFamily="34" charset="0"/>
+              <a:buChar char="•"/>
+              <a:defRPr sz="4267" kern="1200">
+                <a:solidFill>
+                  <a:schemeClr val="tx1"/>
+                </a:solidFill>
+                <a:latin typeface="+mn-lt"/>
+                <a:ea typeface="+mn-ea"/>
+                <a:cs typeface="+mn-cs"/>
+              </a:defRPr>
+            </a:lvl1pPr>
+            <a:lvl2pPr marL="990575" indent="-380990" algn="l" defTabSz="1219170" rtl="0" eaLnBrk="1" latinLnBrk="0" hangingPunct="1">
+              <a:spcBef>
+                <a:spcPct val="20000"/>
+              </a:spcBef>
+              <a:buFont typeface="Arial" pitchFamily="34" charset="0"/>
+              <a:buChar char="–"/>
+              <a:defRPr sz="3733" kern="1200">
+                <a:solidFill>
+                  <a:schemeClr val="tx1"/>
+                </a:solidFill>
+                <a:latin typeface="+mn-lt"/>
+                <a:ea typeface="+mn-ea"/>
+                <a:cs typeface="+mn-cs"/>
+              </a:defRPr>
+            </a:lvl2pPr>
+            <a:lvl3pPr marL="1523962" indent="-304792" algn="l" defTabSz="1219170" rtl="0" eaLnBrk="1" latinLnBrk="0" hangingPunct="1">
+              <a:spcBef>
+                <a:spcPct val="20000"/>
+              </a:spcBef>
+              <a:buFont typeface="Arial" pitchFamily="34" charset="0"/>
+              <a:buChar char="•"/>
+              <a:defRPr sz="3200" kern="1200">
+                <a:solidFill>
+                  <a:schemeClr val="tx1"/>
+                </a:solidFill>
+                <a:latin typeface="+mn-lt"/>
+                <a:ea typeface="+mn-ea"/>
+                <a:cs typeface="+mn-cs"/>
+              </a:defRPr>
+            </a:lvl3pPr>
+            <a:lvl4pPr marL="2133547" indent="-304792" algn="l" defTabSz="1219170" rtl="0" eaLnBrk="1" latinLnBrk="0" hangingPunct="1">
+              <a:spcBef>
+                <a:spcPct val="20000"/>
+              </a:spcBef>
+              <a:buFont typeface="Arial" pitchFamily="34" charset="0"/>
+              <a:buChar char="–"/>
+              <a:defRPr sz="2667" kern="1200">
+                <a:solidFill>
+                  <a:schemeClr val="tx1"/>
+                </a:solidFill>
+                <a:latin typeface="+mn-lt"/>
+                <a:ea typeface="+mn-ea"/>
+                <a:cs typeface="+mn-cs"/>
+              </a:defRPr>
+            </a:lvl4pPr>
+            <a:lvl5pPr marL="2743131" indent="-304792" algn="l" defTabSz="1219170" rtl="0" eaLnBrk="1" latinLnBrk="0" hangingPunct="1">
+              <a:spcBef>
+                <a:spcPct val="20000"/>
+              </a:spcBef>
+              <a:buFont typeface="Arial" pitchFamily="34" charset="0"/>
+              <a:buChar char="»"/>
+              <a:defRPr sz="2667" kern="1200">
+                <a:solidFill>
+                  <a:schemeClr val="tx1"/>
+                </a:solidFill>
+                <a:latin typeface="+mn-lt"/>
+                <a:ea typeface="+mn-ea"/>
+                <a:cs typeface="+mn-cs"/>
+              </a:defRPr>
+            </a:lvl5pPr>
+            <a:lvl6pPr marL="3352716" indent="-304792" algn="l" defTabSz="1219170" rtl="0" eaLnBrk="1" latinLnBrk="0" hangingPunct="1">
+              <a:spcBef>
+                <a:spcPct val="20000"/>
+              </a:spcBef>
+              <a:buFont typeface="Arial" pitchFamily="34" charset="0"/>
+              <a:buChar char="•"/>
+              <a:defRPr sz="2667" kern="1200">
+                <a:solidFill>
+                  <a:schemeClr val="tx1"/>
+                </a:solidFill>
+                <a:latin typeface="+mn-lt"/>
+                <a:ea typeface="+mn-ea"/>
+                <a:cs typeface="+mn-cs"/>
+              </a:defRPr>
+            </a:lvl6pPr>
+            <a:lvl7pPr marL="3962301" indent="-304792" algn="l" defTabSz="1219170" rtl="0" eaLnBrk="1" latinLnBrk="0" hangingPunct="1">
+              <a:spcBef>
+                <a:spcPct val="20000"/>
+              </a:spcBef>
+              <a:buFont typeface="Arial" pitchFamily="34" charset="0"/>
+              <a:buChar char="•"/>
+              <a:defRPr sz="2667" kern="1200">
+                <a:solidFill>
+                  <a:schemeClr val="tx1"/>
+                </a:solidFill>
+                <a:latin typeface="+mn-lt"/>
+                <a:ea typeface="+mn-ea"/>
+                <a:cs typeface="+mn-cs"/>
+              </a:defRPr>
+            </a:lvl7pPr>
+            <a:lvl8pPr marL="4571886" indent="-304792" algn="l" defTabSz="1219170" rtl="0" eaLnBrk="1" latinLnBrk="0" hangingPunct="1">
+              <a:spcBef>
+                <a:spcPct val="20000"/>
+              </a:spcBef>
+              <a:buFont typeface="Arial" pitchFamily="34" charset="0"/>
+              <a:buChar char="•"/>
+              <a:defRPr sz="2667" kern="1200">
+                <a:solidFill>
+                  <a:schemeClr val="tx1"/>
+                </a:solidFill>
+                <a:latin typeface="+mn-lt"/>
+                <a:ea typeface="+mn-ea"/>
+                <a:cs typeface="+mn-cs"/>
+              </a:defRPr>
+            </a:lvl8pPr>
+            <a:lvl9pPr marL="5181470" indent="-304792" algn="l" defTabSz="1219170" rtl="0" eaLnBrk="1" latinLnBrk="0" hangingPunct="1">
+              <a:spcBef>
+                <a:spcPct val="20000"/>
+              </a:spcBef>
+              <a:buFont typeface="Arial" pitchFamily="34" charset="0"/>
+              <a:buChar char="•"/>
+              <a:defRPr sz="2667" kern="1200">
+                <a:solidFill>
+                  <a:schemeClr val="tx1"/>
+                </a:solidFill>
+                <a:latin typeface="+mn-lt"/>
+                <a:ea typeface="+mn-ea"/>
+                <a:cs typeface="+mn-cs"/>
+              </a:defRPr>
+            </a:lvl9pPr>
+          </a:lstStyle>
+          <a:p>
+            <a:pPr marL="0" indent="0" algn="ctr">
               <a:buNone/>
             </a:pPr>
             <a:r>
-              <a:rPr lang="zh-TW" altLang="en-US" sz="4800" b="1" dirty="0">
-                <a:solidFill>
-                  <a:srgbClr val="000066"/>
-                </a:solidFill>
-                <a:latin typeface="微軟正黑體" pitchFamily="34" charset="-120"/>
-                <a:ea typeface="微軟正黑體" pitchFamily="34" charset="-120"/>
-              </a:rPr>
-              <a:t>父祢仍作王在洪水中</a:t>
-            </a:r>
-            <a:endParaRPr lang="en-US" altLang="zh-TW" sz="4800" b="1" dirty="0">
+              <a:rPr lang="en-US" sz="3528" b="1" dirty="0" err="1">
+                <a:solidFill>
+                  <a:srgbClr val="000066"/>
+                </a:solidFill>
+              </a:rPr>
+              <a:t>Lạy</a:t>
+            </a:r>
+            <a:r>
+              <a:rPr lang="en-US" sz="3528" b="1" dirty="0">
+                <a:solidFill>
+                  <a:srgbClr val="000066"/>
+                </a:solidFill>
+              </a:rPr>
+              <a:t> Cha </a:t>
+            </a:r>
+            <a:r>
+              <a:rPr lang="en-US" sz="3528" b="1" dirty="0" err="1">
+                <a:solidFill>
+                  <a:srgbClr val="000066"/>
+                </a:solidFill>
+              </a:rPr>
+              <a:t>Thánh</a:t>
+            </a:r>
+            <a:r>
+              <a:rPr lang="en-US" sz="3528" b="1" dirty="0">
+                <a:solidFill>
+                  <a:srgbClr val="000066"/>
+                </a:solidFill>
+              </a:rPr>
+              <a:t> </a:t>
+            </a:r>
+            <a:r>
+              <a:rPr lang="en-US" sz="3528" b="1" dirty="0" err="1">
+                <a:solidFill>
+                  <a:srgbClr val="000066"/>
+                </a:solidFill>
+              </a:rPr>
+              <a:t>hiển</a:t>
+            </a:r>
+            <a:r>
+              <a:rPr lang="en-US" sz="3528" b="1" dirty="0">
+                <a:solidFill>
+                  <a:srgbClr val="000066"/>
+                </a:solidFill>
+              </a:rPr>
+              <a:t> </a:t>
+            </a:r>
+            <a:r>
+              <a:rPr lang="en-US" sz="3528" b="1" dirty="0" err="1">
+                <a:solidFill>
+                  <a:srgbClr val="000066"/>
+                </a:solidFill>
+              </a:rPr>
+              <a:t>vinh</a:t>
+            </a:r>
+            <a:r>
+              <a:rPr lang="en-US" sz="3528" b="1" dirty="0">
+                <a:solidFill>
+                  <a:srgbClr val="000066"/>
+                </a:solidFill>
+              </a:rPr>
+              <a:t> </a:t>
+            </a:r>
+            <a:r>
+              <a:rPr lang="en-US" sz="3528" b="1" dirty="0" err="1">
+                <a:solidFill>
+                  <a:srgbClr val="000066"/>
+                </a:solidFill>
+              </a:rPr>
+              <a:t>Vua</a:t>
+            </a:r>
+            <a:r>
+              <a:rPr lang="en-US" sz="3528" b="1" dirty="0">
+                <a:solidFill>
+                  <a:srgbClr val="000066"/>
+                </a:solidFill>
+              </a:rPr>
+              <a:t> </a:t>
+            </a:r>
+            <a:r>
+              <a:rPr lang="en-US" sz="3528" b="1" dirty="0" err="1">
+                <a:solidFill>
+                  <a:srgbClr val="000066"/>
+                </a:solidFill>
+              </a:rPr>
+              <a:t>trên</a:t>
+            </a:r>
+            <a:r>
+              <a:rPr lang="en-US" sz="3528" b="1" dirty="0">
+                <a:solidFill>
+                  <a:srgbClr val="000066"/>
+                </a:solidFill>
+              </a:rPr>
+              <a:t> </a:t>
+            </a:r>
+            <a:r>
+              <a:rPr lang="en-US" sz="3528" b="1" dirty="0" err="1">
+                <a:solidFill>
+                  <a:srgbClr val="000066"/>
+                </a:solidFill>
+              </a:rPr>
+              <a:t>dương</a:t>
+            </a:r>
+            <a:r>
+              <a:rPr lang="en-US" sz="3528" b="1" dirty="0">
+                <a:solidFill>
+                  <a:srgbClr val="000066"/>
+                </a:solidFill>
+              </a:rPr>
+              <a:t> </a:t>
+            </a:r>
+            <a:r>
+              <a:rPr lang="en-US" sz="3528" b="1" dirty="0" err="1">
+                <a:solidFill>
+                  <a:srgbClr val="000066"/>
+                </a:solidFill>
+              </a:rPr>
+              <a:t>gian</a:t>
+            </a:r>
+            <a:endParaRPr lang="en-US" sz="3528" b="1" dirty="0">
               <a:solidFill>
                 <a:srgbClr val="000066"/>
               </a:solidFill>
-              <a:latin typeface="微軟正黑體" pitchFamily="34" charset="-120"/>
+              <a:latin typeface="Calibri" panose="020F0502020204030204" pitchFamily="34" charset="0"/>
               <a:ea typeface="微軟正黑體" pitchFamily="34" charset="-120"/>
+              <a:cs typeface="Calibri" panose="020F0502020204030204" pitchFamily="34" charset="0"/>
             </a:endParaRPr>
-          </a:p>
-          <a:p>
-            <a:pPr algn="ctr">
-              <a:buNone/>
-            </a:pPr>
-            <a:r>
-              <a:rPr lang="zh-TW" altLang="en-US" sz="4800" b="1" dirty="0">
-                <a:solidFill>
-                  <a:srgbClr val="000066"/>
-                </a:solidFill>
-                <a:latin typeface="微軟正黑體" pitchFamily="34" charset="-120"/>
-                <a:ea typeface="微軟正黑體" pitchFamily="34" charset="-120"/>
-              </a:rPr>
-              <a:t>我要安靜 知祢是神</a:t>
-            </a:r>
-            <a:endParaRPr lang="zh-TW" altLang="en-US" sz="4800" b="1" dirty="0">
-              <a:solidFill>
-                <a:srgbClr val="000066"/>
-              </a:solidFill>
-              <a:latin typeface="微軟正黑體" pitchFamily="34" charset="-120"/>
-              <a:ea typeface="微軟正黑體" pitchFamily="34" charset="-120"/>
-            </a:endParaRPr>
-          </a:p>
-        </p:txBody>
-      </p:sp>
-      <p:sp>
-        <p:nvSpPr>
-          <p:cNvPr id="43" name="TextShape 3"/>
-          <p:cNvSpPr txBox="1"/>
-          <p:nvPr/>
-        </p:nvSpPr>
-        <p:spPr>
-          <a:xfrm>
-            <a:off x="0" y="3292475"/>
-            <a:ext cx="10080000" cy="2011680"/>
-          </a:xfrm>
-          <a:prstGeom prst="rect">
-            <a:avLst/>
-          </a:prstGeom>
-          <a:noFill/>
-          <a:ln>
-            <a:noFill/>
-          </a:ln>
-        </p:spPr>
-        <p:txBody>
-          <a:bodyPr lIns="0" tIns="0" rIns="0" bIns="0" anchor="ctr"/>
-          <a:lstStyle/>
-          <a:p>
-            <a:pPr algn="ctr"/>
-            <a:r>
-              <a:rPr lang="en-US" sz="3600" b="1" dirty="0" err="1">
-                <a:solidFill>
-                  <a:srgbClr val="660033"/>
-                </a:solidFill>
-              </a:rPr>
-              <a:t>Lạy</a:t>
-            </a:r>
-            <a:r>
-              <a:rPr lang="en-US" sz="3600" b="1" dirty="0">
-                <a:solidFill>
-                  <a:srgbClr val="660033"/>
-                </a:solidFill>
-              </a:rPr>
-              <a:t> Cha </a:t>
-            </a:r>
-            <a:r>
-              <a:rPr lang="en-US" sz="3600" b="1" dirty="0" err="1">
-                <a:solidFill>
-                  <a:srgbClr val="660033"/>
-                </a:solidFill>
-              </a:rPr>
-              <a:t>Thánh</a:t>
-            </a:r>
-            <a:r>
-              <a:rPr lang="en-US" sz="3600" b="1" dirty="0">
-                <a:solidFill>
-                  <a:srgbClr val="660033"/>
-                </a:solidFill>
-              </a:rPr>
-              <a:t> </a:t>
-            </a:r>
-            <a:r>
-              <a:rPr lang="en-US" sz="3600" b="1" dirty="0" err="1">
-                <a:solidFill>
-                  <a:srgbClr val="660033"/>
-                </a:solidFill>
-              </a:rPr>
-              <a:t>hiển</a:t>
-            </a:r>
-            <a:r>
-              <a:rPr lang="en-US" sz="3600" b="1" dirty="0">
-                <a:solidFill>
-                  <a:srgbClr val="660033"/>
-                </a:solidFill>
-              </a:rPr>
-              <a:t> </a:t>
-            </a:r>
-            <a:r>
-              <a:rPr lang="en-US" sz="3600" b="1" dirty="0" err="1">
-                <a:solidFill>
-                  <a:srgbClr val="660033"/>
-                </a:solidFill>
-              </a:rPr>
-              <a:t>vinh</a:t>
-            </a:r>
-            <a:r>
-              <a:rPr lang="en-US" sz="3600" b="1" dirty="0">
-                <a:solidFill>
-                  <a:srgbClr val="660033"/>
-                </a:solidFill>
-              </a:rPr>
-              <a:t> </a:t>
-            </a:r>
-            <a:r>
-              <a:rPr lang="en-US" sz="3600" b="1" dirty="0" err="1">
-                <a:solidFill>
-                  <a:srgbClr val="660033"/>
-                </a:solidFill>
-              </a:rPr>
-              <a:t>Vua</a:t>
-            </a:r>
-            <a:r>
-              <a:rPr lang="en-US" sz="3600" b="1" dirty="0">
-                <a:solidFill>
-                  <a:srgbClr val="660033"/>
-                </a:solidFill>
-              </a:rPr>
-              <a:t> </a:t>
-            </a:r>
-            <a:r>
-              <a:rPr lang="en-US" sz="3600" b="1" dirty="0" err="1">
-                <a:solidFill>
-                  <a:srgbClr val="660033"/>
-                </a:solidFill>
-              </a:rPr>
-              <a:t>trên</a:t>
-            </a:r>
-            <a:r>
-              <a:rPr lang="en-US" sz="3600" b="1" dirty="0">
-                <a:solidFill>
-                  <a:srgbClr val="660033"/>
-                </a:solidFill>
-              </a:rPr>
-              <a:t> </a:t>
-            </a:r>
-            <a:r>
-              <a:rPr lang="en-US" sz="3600" b="1" dirty="0" err="1">
-                <a:solidFill>
-                  <a:srgbClr val="660033"/>
-                </a:solidFill>
-              </a:rPr>
-              <a:t>dương</a:t>
-            </a:r>
-            <a:r>
-              <a:rPr lang="en-US" sz="3600" b="1" dirty="0">
-                <a:solidFill>
-                  <a:srgbClr val="660033"/>
-                </a:solidFill>
-              </a:rPr>
-              <a:t> </a:t>
-            </a:r>
-            <a:r>
-              <a:rPr lang="en-US" sz="3600" b="1" dirty="0" err="1">
-                <a:solidFill>
-                  <a:srgbClr val="660033"/>
-                </a:solidFill>
-              </a:rPr>
-              <a:t>gian</a:t>
-            </a:r>
-            <a:endParaRPr lang="en-US" sz="3600" b="1" dirty="0">
-              <a:solidFill>
-                <a:srgbClr val="660033"/>
-              </a:solidFill>
-            </a:endParaRPr>
-          </a:p>
-          <a:p>
-            <a:pPr algn="ctr"/>
-            <a:r>
-              <a:rPr lang="en-US" sz="3600" b="1" dirty="0">
-                <a:solidFill>
-                  <a:srgbClr val="660033"/>
-                </a:solidFill>
-              </a:rPr>
-              <a:t>Con </a:t>
-            </a:r>
-            <a:r>
-              <a:rPr lang="en-US" sz="3600" b="1" dirty="0" err="1">
-                <a:solidFill>
-                  <a:srgbClr val="660033"/>
-                </a:solidFill>
-              </a:rPr>
-              <a:t>luôn</a:t>
-            </a:r>
-            <a:r>
-              <a:rPr lang="en-US" sz="3600" b="1" dirty="0">
-                <a:solidFill>
-                  <a:srgbClr val="660033"/>
-                </a:solidFill>
-              </a:rPr>
-              <a:t> </a:t>
-            </a:r>
-            <a:r>
-              <a:rPr lang="en-US" sz="3600" b="1" dirty="0" err="1">
-                <a:solidFill>
-                  <a:srgbClr val="660033"/>
-                </a:solidFill>
-              </a:rPr>
-              <a:t>vững</a:t>
-            </a:r>
-            <a:r>
-              <a:rPr lang="en-US" sz="3600" b="1" dirty="0">
-                <a:solidFill>
-                  <a:srgbClr val="660033"/>
-                </a:solidFill>
-              </a:rPr>
-              <a:t> </a:t>
-            </a:r>
-            <a:r>
-              <a:rPr lang="en-US" sz="3600" b="1" dirty="0" err="1">
-                <a:solidFill>
-                  <a:srgbClr val="660033"/>
-                </a:solidFill>
-              </a:rPr>
-              <a:t>lòng</a:t>
-            </a:r>
-            <a:r>
-              <a:rPr lang="en-US" sz="3600" b="1" dirty="0">
-                <a:solidFill>
-                  <a:srgbClr val="660033"/>
-                </a:solidFill>
-              </a:rPr>
-              <a:t> </a:t>
-            </a:r>
-            <a:r>
-              <a:rPr lang="en-US" sz="3600" b="1" dirty="0" err="1">
-                <a:solidFill>
-                  <a:srgbClr val="660033"/>
-                </a:solidFill>
-              </a:rPr>
-              <a:t>vì</a:t>
-            </a:r>
-            <a:r>
-              <a:rPr lang="en-US" sz="3600" b="1" dirty="0">
-                <a:solidFill>
-                  <a:srgbClr val="660033"/>
-                </a:solidFill>
-              </a:rPr>
-              <a:t> </a:t>
-            </a:r>
-            <a:r>
-              <a:rPr lang="en-US" sz="3600" b="1" dirty="0" err="1">
-                <a:solidFill>
-                  <a:srgbClr val="660033"/>
-                </a:solidFill>
-              </a:rPr>
-              <a:t>biết</a:t>
-            </a:r>
-            <a:r>
-              <a:rPr lang="en-US" sz="3600" b="1" dirty="0">
-                <a:solidFill>
-                  <a:srgbClr val="660033"/>
-                </a:solidFill>
-              </a:rPr>
-              <a:t> Cha </a:t>
-            </a:r>
-            <a:r>
-              <a:rPr lang="en-US" sz="3600" b="1" dirty="0" err="1">
-                <a:solidFill>
-                  <a:srgbClr val="660033"/>
-                </a:solidFill>
-              </a:rPr>
-              <a:t>bên</a:t>
-            </a:r>
-            <a:r>
-              <a:rPr lang="en-US" sz="3600" b="1" dirty="0">
-                <a:solidFill>
-                  <a:srgbClr val="660033"/>
-                </a:solidFill>
-              </a:rPr>
-              <a:t> con</a:t>
-            </a:r>
           </a:p>
         </p:txBody>
       </p:sp>
     </p:spTree>
     <p:extLst>
       <p:ext uri="{BB962C8B-B14F-4D97-AF65-F5344CB8AC3E}">
-        <p14:creationId xmlns:p14="http://schemas.microsoft.com/office/powerpoint/2010/main" val="3409385254"/>
+        <p14:creationId xmlns:p14="http://schemas.microsoft.com/office/powerpoint/2010/main" val="3766325198"/>
       </p:ext>
     </p:extLst>
   </p:cSld>
   <p:clrMapOvr>
     <a:masterClrMapping/>
   </p:clrMapOvr>
-  <p:timing>
-    <p:tnLst>
-      <p:par>
-        <p:cTn id="1" dur="indefinite" restart="never" nodeType="tmRoot">
-          <p:childTnLst>
-            <p:seq>
-              <p:cTn id="2" dur="indefinite" nodeType="mainSeq"/>
-              <p:prevCondLst>
-                <p:cond evt="onPrev" delay="0">
-                  <p:tgtEl>
-                    <p:sldTgt/>
-                  </p:tgtEl>
-                </p:cond>
-              </p:prevCondLst>
-              <p:nextCondLst>
-                <p:cond evt="onNext" delay="0">
-                  <p:tgtEl>
-                    <p:sldTgt/>
-                  </p:tgtEl>
-                </p:cond>
-              </p:nextCondLst>
-            </p:seq>
-          </p:childTnLst>
-        </p:cTn>
-      </p:par>
-    </p:tnLst>
-  </p:timing>
+</p:sld>
+</file>
+
+<file path=ppt/slides/slide7.xml><?xml version="1.0" encoding="utf-8"?>
+<p:sld xmlns:a="http://schemas.openxmlformats.org/drawingml/2006/main" xmlns:r="http://schemas.openxmlformats.org/officeDocument/2006/relationships" xmlns:p="http://schemas.openxmlformats.org/presentationml/2006/main">
+  <p:cSld>
+    <p:spTree>
+      <p:nvGrpSpPr>
+        <p:cNvPr id="1" name=""/>
+        <p:cNvGrpSpPr/>
+        <p:nvPr/>
+      </p:nvGrpSpPr>
+      <p:grpSpPr>
+        <a:xfrm>
+          <a:off x="0" y="0"/>
+          <a:ext cx="0" cy="0"/>
+          <a:chOff x="0" y="0"/>
+          <a:chExt cx="0" cy="0"/>
+        </a:xfrm>
+      </p:grpSpPr>
+      <p:sp>
+        <p:nvSpPr>
+          <p:cNvPr id="5" name="內容版面配置區 4"/>
+          <p:cNvSpPr>
+            <a:spLocks noGrp="1"/>
+          </p:cNvSpPr>
+          <p:nvPr>
+            <p:ph idx="1"/>
+          </p:nvPr>
+        </p:nvSpPr>
+        <p:spPr>
+          <a:xfrm>
+            <a:off x="-1" y="1792635"/>
+            <a:ext cx="10080625" cy="1089939"/>
+          </a:xfrm>
+        </p:spPr>
+        <p:txBody>
+          <a:bodyPr anchor="ctr">
+            <a:normAutofit/>
+          </a:bodyPr>
+          <a:lstStyle/>
+          <a:p>
+            <a:pPr algn="ctr">
+              <a:buNone/>
+            </a:pPr>
+            <a:r>
+              <a:rPr lang="zh-TW" altLang="en-US" sz="5292" b="1" dirty="0">
+                <a:solidFill>
+                  <a:srgbClr val="660033"/>
+                </a:solidFill>
+                <a:latin typeface="微軟正黑體" pitchFamily="34" charset="-120"/>
+                <a:ea typeface="微軟正黑體" pitchFamily="34" charset="-120"/>
+              </a:rPr>
+              <a:t>我要安靜  知祢是神</a:t>
+            </a:r>
+            <a:endParaRPr lang="zh-TW" altLang="en-US" sz="5292" b="1" dirty="0">
+              <a:solidFill>
+                <a:srgbClr val="660033"/>
+              </a:solidFill>
+              <a:latin typeface="微軟正黑體" pitchFamily="34" charset="-120"/>
+              <a:ea typeface="微軟正黑體" pitchFamily="34" charset="-120"/>
+            </a:endParaRPr>
+          </a:p>
+        </p:txBody>
+      </p:sp>
+      <p:sp>
+        <p:nvSpPr>
+          <p:cNvPr id="3" name="內容版面配置區 4"/>
+          <p:cNvSpPr txBox="1">
+            <a:spLocks/>
+          </p:cNvSpPr>
+          <p:nvPr/>
+        </p:nvSpPr>
+        <p:spPr>
+          <a:xfrm>
+            <a:off x="-1" y="2577744"/>
+            <a:ext cx="10080625" cy="1089939"/>
+          </a:xfrm>
+          <a:prstGeom prst="rect">
+            <a:avLst/>
+          </a:prstGeom>
+        </p:spPr>
+        <p:txBody>
+          <a:bodyPr vert="horz" lIns="75605" tIns="37802" rIns="75605" bIns="37802" rtlCol="0" anchor="ctr">
+            <a:normAutofit/>
+          </a:bodyPr>
+          <a:lstStyle>
+            <a:lvl1pPr marL="457189" indent="-457189" algn="l" defTabSz="1219170" rtl="0" eaLnBrk="1" latinLnBrk="0" hangingPunct="1">
+              <a:spcBef>
+                <a:spcPct val="20000"/>
+              </a:spcBef>
+              <a:buFont typeface="Arial" pitchFamily="34" charset="0"/>
+              <a:buChar char="•"/>
+              <a:defRPr sz="4267" kern="1200">
+                <a:solidFill>
+                  <a:schemeClr val="tx1"/>
+                </a:solidFill>
+                <a:latin typeface="+mn-lt"/>
+                <a:ea typeface="+mn-ea"/>
+                <a:cs typeface="+mn-cs"/>
+              </a:defRPr>
+            </a:lvl1pPr>
+            <a:lvl2pPr marL="990575" indent="-380990" algn="l" defTabSz="1219170" rtl="0" eaLnBrk="1" latinLnBrk="0" hangingPunct="1">
+              <a:spcBef>
+                <a:spcPct val="20000"/>
+              </a:spcBef>
+              <a:buFont typeface="Arial" pitchFamily="34" charset="0"/>
+              <a:buChar char="–"/>
+              <a:defRPr sz="3733" kern="1200">
+                <a:solidFill>
+                  <a:schemeClr val="tx1"/>
+                </a:solidFill>
+                <a:latin typeface="+mn-lt"/>
+                <a:ea typeface="+mn-ea"/>
+                <a:cs typeface="+mn-cs"/>
+              </a:defRPr>
+            </a:lvl2pPr>
+            <a:lvl3pPr marL="1523962" indent="-304792" algn="l" defTabSz="1219170" rtl="0" eaLnBrk="1" latinLnBrk="0" hangingPunct="1">
+              <a:spcBef>
+                <a:spcPct val="20000"/>
+              </a:spcBef>
+              <a:buFont typeface="Arial" pitchFamily="34" charset="0"/>
+              <a:buChar char="•"/>
+              <a:defRPr sz="3200" kern="1200">
+                <a:solidFill>
+                  <a:schemeClr val="tx1"/>
+                </a:solidFill>
+                <a:latin typeface="+mn-lt"/>
+                <a:ea typeface="+mn-ea"/>
+                <a:cs typeface="+mn-cs"/>
+              </a:defRPr>
+            </a:lvl3pPr>
+            <a:lvl4pPr marL="2133547" indent="-304792" algn="l" defTabSz="1219170" rtl="0" eaLnBrk="1" latinLnBrk="0" hangingPunct="1">
+              <a:spcBef>
+                <a:spcPct val="20000"/>
+              </a:spcBef>
+              <a:buFont typeface="Arial" pitchFamily="34" charset="0"/>
+              <a:buChar char="–"/>
+              <a:defRPr sz="2667" kern="1200">
+                <a:solidFill>
+                  <a:schemeClr val="tx1"/>
+                </a:solidFill>
+                <a:latin typeface="+mn-lt"/>
+                <a:ea typeface="+mn-ea"/>
+                <a:cs typeface="+mn-cs"/>
+              </a:defRPr>
+            </a:lvl4pPr>
+            <a:lvl5pPr marL="2743131" indent="-304792" algn="l" defTabSz="1219170" rtl="0" eaLnBrk="1" latinLnBrk="0" hangingPunct="1">
+              <a:spcBef>
+                <a:spcPct val="20000"/>
+              </a:spcBef>
+              <a:buFont typeface="Arial" pitchFamily="34" charset="0"/>
+              <a:buChar char="»"/>
+              <a:defRPr sz="2667" kern="1200">
+                <a:solidFill>
+                  <a:schemeClr val="tx1"/>
+                </a:solidFill>
+                <a:latin typeface="+mn-lt"/>
+                <a:ea typeface="+mn-ea"/>
+                <a:cs typeface="+mn-cs"/>
+              </a:defRPr>
+            </a:lvl5pPr>
+            <a:lvl6pPr marL="3352716" indent="-304792" algn="l" defTabSz="1219170" rtl="0" eaLnBrk="1" latinLnBrk="0" hangingPunct="1">
+              <a:spcBef>
+                <a:spcPct val="20000"/>
+              </a:spcBef>
+              <a:buFont typeface="Arial" pitchFamily="34" charset="0"/>
+              <a:buChar char="•"/>
+              <a:defRPr sz="2667" kern="1200">
+                <a:solidFill>
+                  <a:schemeClr val="tx1"/>
+                </a:solidFill>
+                <a:latin typeface="+mn-lt"/>
+                <a:ea typeface="+mn-ea"/>
+                <a:cs typeface="+mn-cs"/>
+              </a:defRPr>
+            </a:lvl6pPr>
+            <a:lvl7pPr marL="3962301" indent="-304792" algn="l" defTabSz="1219170" rtl="0" eaLnBrk="1" latinLnBrk="0" hangingPunct="1">
+              <a:spcBef>
+                <a:spcPct val="20000"/>
+              </a:spcBef>
+              <a:buFont typeface="Arial" pitchFamily="34" charset="0"/>
+              <a:buChar char="•"/>
+              <a:defRPr sz="2667" kern="1200">
+                <a:solidFill>
+                  <a:schemeClr val="tx1"/>
+                </a:solidFill>
+                <a:latin typeface="+mn-lt"/>
+                <a:ea typeface="+mn-ea"/>
+                <a:cs typeface="+mn-cs"/>
+              </a:defRPr>
+            </a:lvl7pPr>
+            <a:lvl8pPr marL="4571886" indent="-304792" algn="l" defTabSz="1219170" rtl="0" eaLnBrk="1" latinLnBrk="0" hangingPunct="1">
+              <a:spcBef>
+                <a:spcPct val="20000"/>
+              </a:spcBef>
+              <a:buFont typeface="Arial" pitchFamily="34" charset="0"/>
+              <a:buChar char="•"/>
+              <a:defRPr sz="2667" kern="1200">
+                <a:solidFill>
+                  <a:schemeClr val="tx1"/>
+                </a:solidFill>
+                <a:latin typeface="+mn-lt"/>
+                <a:ea typeface="+mn-ea"/>
+                <a:cs typeface="+mn-cs"/>
+              </a:defRPr>
+            </a:lvl8pPr>
+            <a:lvl9pPr marL="5181470" indent="-304792" algn="l" defTabSz="1219170" rtl="0" eaLnBrk="1" latinLnBrk="0" hangingPunct="1">
+              <a:spcBef>
+                <a:spcPct val="20000"/>
+              </a:spcBef>
+              <a:buFont typeface="Arial" pitchFamily="34" charset="0"/>
+              <a:buChar char="•"/>
+              <a:defRPr sz="2667" kern="1200">
+                <a:solidFill>
+                  <a:schemeClr val="tx1"/>
+                </a:solidFill>
+                <a:latin typeface="+mn-lt"/>
+                <a:ea typeface="+mn-ea"/>
+                <a:cs typeface="+mn-cs"/>
+              </a:defRPr>
+            </a:lvl9pPr>
+          </a:lstStyle>
+          <a:p>
+            <a:pPr marL="0" indent="0" algn="ctr">
+              <a:buNone/>
+            </a:pPr>
+            <a:r>
+              <a:rPr lang="en-US" sz="3528" b="1" dirty="0">
+                <a:solidFill>
+                  <a:srgbClr val="000066"/>
+                </a:solidFill>
+              </a:rPr>
+              <a:t>Con </a:t>
+            </a:r>
+            <a:r>
+              <a:rPr lang="en-US" sz="3528" b="1" dirty="0" err="1">
+                <a:solidFill>
+                  <a:srgbClr val="000066"/>
+                </a:solidFill>
+              </a:rPr>
+              <a:t>luôn</a:t>
+            </a:r>
+            <a:r>
+              <a:rPr lang="en-US" sz="3528" b="1" dirty="0">
+                <a:solidFill>
+                  <a:srgbClr val="000066"/>
+                </a:solidFill>
+              </a:rPr>
+              <a:t> </a:t>
+            </a:r>
+            <a:r>
+              <a:rPr lang="en-US" sz="3528" b="1" dirty="0" err="1">
+                <a:solidFill>
+                  <a:srgbClr val="000066"/>
+                </a:solidFill>
+              </a:rPr>
+              <a:t>vững</a:t>
+            </a:r>
+            <a:r>
+              <a:rPr lang="en-US" sz="3528" b="1" dirty="0">
+                <a:solidFill>
+                  <a:srgbClr val="000066"/>
+                </a:solidFill>
+              </a:rPr>
+              <a:t> </a:t>
+            </a:r>
+            <a:r>
+              <a:rPr lang="en-US" sz="3528" b="1" dirty="0" err="1">
+                <a:solidFill>
+                  <a:srgbClr val="000066"/>
+                </a:solidFill>
+              </a:rPr>
+              <a:t>lòng</a:t>
+            </a:r>
+            <a:r>
+              <a:rPr lang="en-US" sz="3528" b="1" dirty="0">
+                <a:solidFill>
+                  <a:srgbClr val="000066"/>
+                </a:solidFill>
+              </a:rPr>
+              <a:t> </a:t>
+            </a:r>
+            <a:r>
+              <a:rPr lang="en-US" sz="3528" b="1" dirty="0" err="1">
+                <a:solidFill>
+                  <a:srgbClr val="000066"/>
+                </a:solidFill>
+              </a:rPr>
+              <a:t>vì</a:t>
+            </a:r>
+            <a:r>
+              <a:rPr lang="en-US" sz="3528" b="1" dirty="0">
+                <a:solidFill>
+                  <a:srgbClr val="000066"/>
+                </a:solidFill>
+              </a:rPr>
+              <a:t> </a:t>
+            </a:r>
+            <a:r>
+              <a:rPr lang="en-US" sz="3528" b="1" dirty="0" err="1">
+                <a:solidFill>
+                  <a:srgbClr val="000066"/>
+                </a:solidFill>
+              </a:rPr>
+              <a:t>biết</a:t>
+            </a:r>
+            <a:r>
+              <a:rPr lang="en-US" sz="3528" b="1" dirty="0">
+                <a:solidFill>
+                  <a:srgbClr val="000066"/>
+                </a:solidFill>
+              </a:rPr>
+              <a:t> Cha </a:t>
+            </a:r>
+            <a:r>
+              <a:rPr lang="en-US" sz="3528" b="1" dirty="0" err="1">
+                <a:solidFill>
+                  <a:srgbClr val="000066"/>
+                </a:solidFill>
+              </a:rPr>
+              <a:t>bên</a:t>
+            </a:r>
+            <a:r>
+              <a:rPr lang="en-US" sz="3528" b="1" dirty="0">
+                <a:solidFill>
+                  <a:srgbClr val="000066"/>
+                </a:solidFill>
+              </a:rPr>
+              <a:t> con</a:t>
+            </a:r>
+          </a:p>
+        </p:txBody>
+      </p:sp>
+    </p:spTree>
+    <p:extLst>
+      <p:ext uri="{BB962C8B-B14F-4D97-AF65-F5344CB8AC3E}">
+        <p14:creationId xmlns:p14="http://schemas.microsoft.com/office/powerpoint/2010/main" val="3987348858"/>
+      </p:ext>
+    </p:extLst>
+  </p:cSld>
+  <p:clrMapOvr>
+    <a:masterClrMapping/>
+  </p:clrMapOvr>
+</p:sld>
+</file>
+
+<file path=ppt/slides/slide8.xml><?xml version="1.0" encoding="utf-8"?>
+<p:sld xmlns:a="http://schemas.openxmlformats.org/drawingml/2006/main" xmlns:r="http://schemas.openxmlformats.org/officeDocument/2006/relationships" xmlns:p="http://schemas.openxmlformats.org/presentationml/2006/main">
+  <p:cSld>
+    <p:spTree>
+      <p:nvGrpSpPr>
+        <p:cNvPr id="1" name=""/>
+        <p:cNvGrpSpPr/>
+        <p:nvPr/>
+      </p:nvGrpSpPr>
+      <p:grpSpPr>
+        <a:xfrm>
+          <a:off x="0" y="0"/>
+          <a:ext cx="0" cy="0"/>
+          <a:chOff x="0" y="0"/>
+          <a:chExt cx="0" cy="0"/>
+        </a:xfrm>
+      </p:grpSpPr>
+      <p:sp>
+        <p:nvSpPr>
+          <p:cNvPr id="5" name="內容版面配置區 4"/>
+          <p:cNvSpPr>
+            <a:spLocks noGrp="1"/>
+          </p:cNvSpPr>
+          <p:nvPr>
+            <p:ph idx="1"/>
+          </p:nvPr>
+        </p:nvSpPr>
+        <p:spPr>
+          <a:xfrm>
+            <a:off x="-1" y="1792635"/>
+            <a:ext cx="10080625" cy="1089939"/>
+          </a:xfrm>
+        </p:spPr>
+        <p:txBody>
+          <a:bodyPr anchor="ctr">
+            <a:normAutofit/>
+          </a:bodyPr>
+          <a:lstStyle/>
+          <a:p>
+            <a:pPr algn="ctr">
+              <a:buNone/>
+            </a:pPr>
+            <a:r>
+              <a:rPr lang="zh-TW" altLang="en-US" sz="5292" b="1" dirty="0">
+                <a:solidFill>
+                  <a:srgbClr val="660033"/>
+                </a:solidFill>
+                <a:latin typeface="微軟正黑體" pitchFamily="34" charset="-120"/>
+                <a:ea typeface="微軟正黑體" pitchFamily="34" charset="-120"/>
+              </a:rPr>
+              <a:t>我靈安息  在基督裡</a:t>
+            </a:r>
+            <a:endParaRPr lang="zh-TW" altLang="en-US" sz="5292" b="1" dirty="0">
+              <a:solidFill>
+                <a:srgbClr val="660033"/>
+              </a:solidFill>
+              <a:latin typeface="微軟正黑體" pitchFamily="34" charset="-120"/>
+              <a:ea typeface="微軟正黑體" pitchFamily="34" charset="-120"/>
+            </a:endParaRPr>
+          </a:p>
+        </p:txBody>
+      </p:sp>
+      <p:sp>
+        <p:nvSpPr>
+          <p:cNvPr id="3" name="內容版面配置區 4"/>
+          <p:cNvSpPr txBox="1">
+            <a:spLocks/>
+          </p:cNvSpPr>
+          <p:nvPr/>
+        </p:nvSpPr>
+        <p:spPr>
+          <a:xfrm>
+            <a:off x="-1" y="2577744"/>
+            <a:ext cx="10080625" cy="1089939"/>
+          </a:xfrm>
+          <a:prstGeom prst="rect">
+            <a:avLst/>
+          </a:prstGeom>
+        </p:spPr>
+        <p:txBody>
+          <a:bodyPr vert="horz" lIns="75605" tIns="37802" rIns="75605" bIns="37802" rtlCol="0" anchor="ctr">
+            <a:normAutofit/>
+          </a:bodyPr>
+          <a:lstStyle>
+            <a:lvl1pPr marL="457189" indent="-457189" algn="l" defTabSz="1219170" rtl="0" eaLnBrk="1" latinLnBrk="0" hangingPunct="1">
+              <a:spcBef>
+                <a:spcPct val="20000"/>
+              </a:spcBef>
+              <a:buFont typeface="Arial" pitchFamily="34" charset="0"/>
+              <a:buChar char="•"/>
+              <a:defRPr sz="4267" kern="1200">
+                <a:solidFill>
+                  <a:schemeClr val="tx1"/>
+                </a:solidFill>
+                <a:latin typeface="+mn-lt"/>
+                <a:ea typeface="+mn-ea"/>
+                <a:cs typeface="+mn-cs"/>
+              </a:defRPr>
+            </a:lvl1pPr>
+            <a:lvl2pPr marL="990575" indent="-380990" algn="l" defTabSz="1219170" rtl="0" eaLnBrk="1" latinLnBrk="0" hangingPunct="1">
+              <a:spcBef>
+                <a:spcPct val="20000"/>
+              </a:spcBef>
+              <a:buFont typeface="Arial" pitchFamily="34" charset="0"/>
+              <a:buChar char="–"/>
+              <a:defRPr sz="3733" kern="1200">
+                <a:solidFill>
+                  <a:schemeClr val="tx1"/>
+                </a:solidFill>
+                <a:latin typeface="+mn-lt"/>
+                <a:ea typeface="+mn-ea"/>
+                <a:cs typeface="+mn-cs"/>
+              </a:defRPr>
+            </a:lvl2pPr>
+            <a:lvl3pPr marL="1523962" indent="-304792" algn="l" defTabSz="1219170" rtl="0" eaLnBrk="1" latinLnBrk="0" hangingPunct="1">
+              <a:spcBef>
+                <a:spcPct val="20000"/>
+              </a:spcBef>
+              <a:buFont typeface="Arial" pitchFamily="34" charset="0"/>
+              <a:buChar char="•"/>
+              <a:defRPr sz="3200" kern="1200">
+                <a:solidFill>
+                  <a:schemeClr val="tx1"/>
+                </a:solidFill>
+                <a:latin typeface="+mn-lt"/>
+                <a:ea typeface="+mn-ea"/>
+                <a:cs typeface="+mn-cs"/>
+              </a:defRPr>
+            </a:lvl3pPr>
+            <a:lvl4pPr marL="2133547" indent="-304792" algn="l" defTabSz="1219170" rtl="0" eaLnBrk="1" latinLnBrk="0" hangingPunct="1">
+              <a:spcBef>
+                <a:spcPct val="20000"/>
+              </a:spcBef>
+              <a:buFont typeface="Arial" pitchFamily="34" charset="0"/>
+              <a:buChar char="–"/>
+              <a:defRPr sz="2667" kern="1200">
+                <a:solidFill>
+                  <a:schemeClr val="tx1"/>
+                </a:solidFill>
+                <a:latin typeface="+mn-lt"/>
+                <a:ea typeface="+mn-ea"/>
+                <a:cs typeface="+mn-cs"/>
+              </a:defRPr>
+            </a:lvl4pPr>
+            <a:lvl5pPr marL="2743131" indent="-304792" algn="l" defTabSz="1219170" rtl="0" eaLnBrk="1" latinLnBrk="0" hangingPunct="1">
+              <a:spcBef>
+                <a:spcPct val="20000"/>
+              </a:spcBef>
+              <a:buFont typeface="Arial" pitchFamily="34" charset="0"/>
+              <a:buChar char="»"/>
+              <a:defRPr sz="2667" kern="1200">
+                <a:solidFill>
+                  <a:schemeClr val="tx1"/>
+                </a:solidFill>
+                <a:latin typeface="+mn-lt"/>
+                <a:ea typeface="+mn-ea"/>
+                <a:cs typeface="+mn-cs"/>
+              </a:defRPr>
+            </a:lvl5pPr>
+            <a:lvl6pPr marL="3352716" indent="-304792" algn="l" defTabSz="1219170" rtl="0" eaLnBrk="1" latinLnBrk="0" hangingPunct="1">
+              <a:spcBef>
+                <a:spcPct val="20000"/>
+              </a:spcBef>
+              <a:buFont typeface="Arial" pitchFamily="34" charset="0"/>
+              <a:buChar char="•"/>
+              <a:defRPr sz="2667" kern="1200">
+                <a:solidFill>
+                  <a:schemeClr val="tx1"/>
+                </a:solidFill>
+                <a:latin typeface="+mn-lt"/>
+                <a:ea typeface="+mn-ea"/>
+                <a:cs typeface="+mn-cs"/>
+              </a:defRPr>
+            </a:lvl6pPr>
+            <a:lvl7pPr marL="3962301" indent="-304792" algn="l" defTabSz="1219170" rtl="0" eaLnBrk="1" latinLnBrk="0" hangingPunct="1">
+              <a:spcBef>
+                <a:spcPct val="20000"/>
+              </a:spcBef>
+              <a:buFont typeface="Arial" pitchFamily="34" charset="0"/>
+              <a:buChar char="•"/>
+              <a:defRPr sz="2667" kern="1200">
+                <a:solidFill>
+                  <a:schemeClr val="tx1"/>
+                </a:solidFill>
+                <a:latin typeface="+mn-lt"/>
+                <a:ea typeface="+mn-ea"/>
+                <a:cs typeface="+mn-cs"/>
+              </a:defRPr>
+            </a:lvl7pPr>
+            <a:lvl8pPr marL="4571886" indent="-304792" algn="l" defTabSz="1219170" rtl="0" eaLnBrk="1" latinLnBrk="0" hangingPunct="1">
+              <a:spcBef>
+                <a:spcPct val="20000"/>
+              </a:spcBef>
+              <a:buFont typeface="Arial" pitchFamily="34" charset="0"/>
+              <a:buChar char="•"/>
+              <a:defRPr sz="2667" kern="1200">
+                <a:solidFill>
+                  <a:schemeClr val="tx1"/>
+                </a:solidFill>
+                <a:latin typeface="+mn-lt"/>
+                <a:ea typeface="+mn-ea"/>
+                <a:cs typeface="+mn-cs"/>
+              </a:defRPr>
+            </a:lvl8pPr>
+            <a:lvl9pPr marL="5181470" indent="-304792" algn="l" defTabSz="1219170" rtl="0" eaLnBrk="1" latinLnBrk="0" hangingPunct="1">
+              <a:spcBef>
+                <a:spcPct val="20000"/>
+              </a:spcBef>
+              <a:buFont typeface="Arial" pitchFamily="34" charset="0"/>
+              <a:buChar char="•"/>
+              <a:defRPr sz="2667" kern="1200">
+                <a:solidFill>
+                  <a:schemeClr val="tx1"/>
+                </a:solidFill>
+                <a:latin typeface="+mn-lt"/>
+                <a:ea typeface="+mn-ea"/>
+                <a:cs typeface="+mn-cs"/>
+              </a:defRPr>
+            </a:lvl9pPr>
+          </a:lstStyle>
+          <a:p>
+            <a:pPr marL="0" indent="0" algn="ctr">
+              <a:buNone/>
+            </a:pPr>
+            <a:r>
+              <a:rPr lang="en-US" sz="3528" b="1" dirty="0">
+                <a:solidFill>
+                  <a:srgbClr val="000066"/>
+                </a:solidFill>
+              </a:rPr>
+              <a:t>Con </a:t>
+            </a:r>
+            <a:r>
+              <a:rPr lang="en-US" sz="3528" b="1" dirty="0" err="1">
+                <a:solidFill>
+                  <a:srgbClr val="000066"/>
+                </a:solidFill>
+              </a:rPr>
+              <a:t>ước</a:t>
+            </a:r>
+            <a:r>
+              <a:rPr lang="en-US" sz="3528" b="1" dirty="0">
+                <a:solidFill>
+                  <a:srgbClr val="000066"/>
+                </a:solidFill>
+              </a:rPr>
+              <a:t> </a:t>
+            </a:r>
+            <a:r>
+              <a:rPr lang="en-US" sz="3528" b="1" dirty="0" err="1">
+                <a:solidFill>
+                  <a:srgbClr val="000066"/>
+                </a:solidFill>
+              </a:rPr>
+              <a:t>nguyện</a:t>
+            </a:r>
+            <a:r>
+              <a:rPr lang="en-US" sz="3528" b="1" dirty="0">
+                <a:solidFill>
+                  <a:srgbClr val="000066"/>
+                </a:solidFill>
+              </a:rPr>
+              <a:t> </a:t>
+            </a:r>
+            <a:r>
+              <a:rPr lang="en-US" sz="3528" b="1" dirty="0" err="1">
+                <a:solidFill>
+                  <a:srgbClr val="000066"/>
+                </a:solidFill>
+              </a:rPr>
+              <a:t>nương</a:t>
+            </a:r>
+            <a:r>
+              <a:rPr lang="en-US" sz="3528" b="1" dirty="0">
+                <a:solidFill>
+                  <a:srgbClr val="000066"/>
+                </a:solidFill>
+              </a:rPr>
+              <a:t> </a:t>
+            </a:r>
+            <a:r>
+              <a:rPr lang="en-US" sz="3528" b="1" dirty="0" err="1">
+                <a:solidFill>
+                  <a:srgbClr val="000066"/>
+                </a:solidFill>
+              </a:rPr>
+              <a:t>náu</a:t>
+            </a:r>
+            <a:r>
+              <a:rPr lang="en-US" sz="3528" b="1" dirty="0">
+                <a:solidFill>
+                  <a:srgbClr val="000066"/>
+                </a:solidFill>
+              </a:rPr>
+              <a:t> </a:t>
+            </a:r>
+            <a:r>
+              <a:rPr lang="en-US" sz="3528" b="1" dirty="0" err="1">
+                <a:solidFill>
+                  <a:srgbClr val="000066"/>
+                </a:solidFill>
+              </a:rPr>
+              <a:t>Giê-xu</a:t>
+            </a:r>
+            <a:endParaRPr lang="en-US" sz="3528" b="1" dirty="0">
+              <a:solidFill>
+                <a:srgbClr val="000066"/>
+              </a:solidFill>
+            </a:endParaRPr>
+          </a:p>
+        </p:txBody>
+      </p:sp>
+    </p:spTree>
+    <p:extLst>
+      <p:ext uri="{BB962C8B-B14F-4D97-AF65-F5344CB8AC3E}">
+        <p14:creationId xmlns:p14="http://schemas.microsoft.com/office/powerpoint/2010/main" val="3119708014"/>
+      </p:ext>
+    </p:extLst>
+  </p:cSld>
+  <p:clrMapOvr>
+    <a:masterClrMapping/>
+  </p:clrMapOvr>
+</p:sld>
+</file>
+
+<file path=ppt/slides/slide9.xml><?xml version="1.0" encoding="utf-8"?>
+<p:sld xmlns:a="http://schemas.openxmlformats.org/drawingml/2006/main" xmlns:r="http://schemas.openxmlformats.org/officeDocument/2006/relationships" xmlns:p="http://schemas.openxmlformats.org/presentationml/2006/main">
+  <p:cSld>
+    <p:spTree>
+      <p:nvGrpSpPr>
+        <p:cNvPr id="1" name=""/>
+        <p:cNvGrpSpPr/>
+        <p:nvPr/>
+      </p:nvGrpSpPr>
+      <p:grpSpPr>
+        <a:xfrm>
+          <a:off x="0" y="0"/>
+          <a:ext cx="0" cy="0"/>
+          <a:chOff x="0" y="0"/>
+          <a:chExt cx="0" cy="0"/>
+        </a:xfrm>
+      </p:grpSpPr>
+      <p:sp>
+        <p:nvSpPr>
+          <p:cNvPr id="5" name="內容版面配置區 4"/>
+          <p:cNvSpPr>
+            <a:spLocks noGrp="1"/>
+          </p:cNvSpPr>
+          <p:nvPr>
+            <p:ph idx="1"/>
+          </p:nvPr>
+        </p:nvSpPr>
+        <p:spPr>
+          <a:xfrm>
+            <a:off x="-1" y="1792635"/>
+            <a:ext cx="10080625" cy="1089939"/>
+          </a:xfrm>
+        </p:spPr>
+        <p:txBody>
+          <a:bodyPr anchor="ctr">
+            <a:normAutofit/>
+          </a:bodyPr>
+          <a:lstStyle/>
+          <a:p>
+            <a:pPr algn="ctr">
+              <a:buNone/>
+            </a:pPr>
+            <a:r>
+              <a:rPr lang="zh-TW" altLang="en-US" sz="5292" b="1" dirty="0">
+                <a:solidFill>
+                  <a:srgbClr val="660033"/>
+                </a:solidFill>
+                <a:latin typeface="微軟正黑體" pitchFamily="34" charset="-120"/>
+                <a:ea typeface="微軟正黑體" pitchFamily="34" charset="-120"/>
+              </a:rPr>
+              <a:t>祢大能  使我安然信靠</a:t>
+            </a:r>
+            <a:endParaRPr lang="zh-TW" altLang="en-US" sz="5292" b="1" dirty="0">
+              <a:solidFill>
+                <a:srgbClr val="660033"/>
+              </a:solidFill>
+              <a:latin typeface="微軟正黑體" pitchFamily="34" charset="-120"/>
+              <a:ea typeface="微軟正黑體" pitchFamily="34" charset="-120"/>
+            </a:endParaRPr>
+          </a:p>
+        </p:txBody>
+      </p:sp>
+      <p:sp>
+        <p:nvSpPr>
+          <p:cNvPr id="3" name="內容版面配置區 4"/>
+          <p:cNvSpPr txBox="1">
+            <a:spLocks/>
+          </p:cNvSpPr>
+          <p:nvPr/>
+        </p:nvSpPr>
+        <p:spPr>
+          <a:xfrm>
+            <a:off x="-1" y="2577744"/>
+            <a:ext cx="10080625" cy="1089939"/>
+          </a:xfrm>
+          <a:prstGeom prst="rect">
+            <a:avLst/>
+          </a:prstGeom>
+        </p:spPr>
+        <p:txBody>
+          <a:bodyPr vert="horz" lIns="75605" tIns="37802" rIns="75605" bIns="37802" rtlCol="0" anchor="ctr">
+            <a:normAutofit/>
+          </a:bodyPr>
+          <a:lstStyle>
+            <a:lvl1pPr marL="457189" indent="-457189" algn="l" defTabSz="1219170" rtl="0" eaLnBrk="1" latinLnBrk="0" hangingPunct="1">
+              <a:spcBef>
+                <a:spcPct val="20000"/>
+              </a:spcBef>
+              <a:buFont typeface="Arial" pitchFamily="34" charset="0"/>
+              <a:buChar char="•"/>
+              <a:defRPr sz="4267" kern="1200">
+                <a:solidFill>
+                  <a:schemeClr val="tx1"/>
+                </a:solidFill>
+                <a:latin typeface="+mn-lt"/>
+                <a:ea typeface="+mn-ea"/>
+                <a:cs typeface="+mn-cs"/>
+              </a:defRPr>
+            </a:lvl1pPr>
+            <a:lvl2pPr marL="990575" indent="-380990" algn="l" defTabSz="1219170" rtl="0" eaLnBrk="1" latinLnBrk="0" hangingPunct="1">
+              <a:spcBef>
+                <a:spcPct val="20000"/>
+              </a:spcBef>
+              <a:buFont typeface="Arial" pitchFamily="34" charset="0"/>
+              <a:buChar char="–"/>
+              <a:defRPr sz="3733" kern="1200">
+                <a:solidFill>
+                  <a:schemeClr val="tx1"/>
+                </a:solidFill>
+                <a:latin typeface="+mn-lt"/>
+                <a:ea typeface="+mn-ea"/>
+                <a:cs typeface="+mn-cs"/>
+              </a:defRPr>
+            </a:lvl2pPr>
+            <a:lvl3pPr marL="1523962" indent="-304792" algn="l" defTabSz="1219170" rtl="0" eaLnBrk="1" latinLnBrk="0" hangingPunct="1">
+              <a:spcBef>
+                <a:spcPct val="20000"/>
+              </a:spcBef>
+              <a:buFont typeface="Arial" pitchFamily="34" charset="0"/>
+              <a:buChar char="•"/>
+              <a:defRPr sz="3200" kern="1200">
+                <a:solidFill>
+                  <a:schemeClr val="tx1"/>
+                </a:solidFill>
+                <a:latin typeface="+mn-lt"/>
+                <a:ea typeface="+mn-ea"/>
+                <a:cs typeface="+mn-cs"/>
+              </a:defRPr>
+            </a:lvl3pPr>
+            <a:lvl4pPr marL="2133547" indent="-304792" algn="l" defTabSz="1219170" rtl="0" eaLnBrk="1" latinLnBrk="0" hangingPunct="1">
+              <a:spcBef>
+                <a:spcPct val="20000"/>
+              </a:spcBef>
+              <a:buFont typeface="Arial" pitchFamily="34" charset="0"/>
+              <a:buChar char="–"/>
+              <a:defRPr sz="2667" kern="1200">
+                <a:solidFill>
+                  <a:schemeClr val="tx1"/>
+                </a:solidFill>
+                <a:latin typeface="+mn-lt"/>
+                <a:ea typeface="+mn-ea"/>
+                <a:cs typeface="+mn-cs"/>
+              </a:defRPr>
+            </a:lvl4pPr>
+            <a:lvl5pPr marL="2743131" indent="-304792" algn="l" defTabSz="1219170" rtl="0" eaLnBrk="1" latinLnBrk="0" hangingPunct="1">
+              <a:spcBef>
+                <a:spcPct val="20000"/>
+              </a:spcBef>
+              <a:buFont typeface="Arial" pitchFamily="34" charset="0"/>
+              <a:buChar char="»"/>
+              <a:defRPr sz="2667" kern="1200">
+                <a:solidFill>
+                  <a:schemeClr val="tx1"/>
+                </a:solidFill>
+                <a:latin typeface="+mn-lt"/>
+                <a:ea typeface="+mn-ea"/>
+                <a:cs typeface="+mn-cs"/>
+              </a:defRPr>
+            </a:lvl5pPr>
+            <a:lvl6pPr marL="3352716" indent="-304792" algn="l" defTabSz="1219170" rtl="0" eaLnBrk="1" latinLnBrk="0" hangingPunct="1">
+              <a:spcBef>
+                <a:spcPct val="20000"/>
+              </a:spcBef>
+              <a:buFont typeface="Arial" pitchFamily="34" charset="0"/>
+              <a:buChar char="•"/>
+              <a:defRPr sz="2667" kern="1200">
+                <a:solidFill>
+                  <a:schemeClr val="tx1"/>
+                </a:solidFill>
+                <a:latin typeface="+mn-lt"/>
+                <a:ea typeface="+mn-ea"/>
+                <a:cs typeface="+mn-cs"/>
+              </a:defRPr>
+            </a:lvl6pPr>
+            <a:lvl7pPr marL="3962301" indent="-304792" algn="l" defTabSz="1219170" rtl="0" eaLnBrk="1" latinLnBrk="0" hangingPunct="1">
+              <a:spcBef>
+                <a:spcPct val="20000"/>
+              </a:spcBef>
+              <a:buFont typeface="Arial" pitchFamily="34" charset="0"/>
+              <a:buChar char="•"/>
+              <a:defRPr sz="2667" kern="1200">
+                <a:solidFill>
+                  <a:schemeClr val="tx1"/>
+                </a:solidFill>
+                <a:latin typeface="+mn-lt"/>
+                <a:ea typeface="+mn-ea"/>
+                <a:cs typeface="+mn-cs"/>
+              </a:defRPr>
+            </a:lvl7pPr>
+            <a:lvl8pPr marL="4571886" indent="-304792" algn="l" defTabSz="1219170" rtl="0" eaLnBrk="1" latinLnBrk="0" hangingPunct="1">
+              <a:spcBef>
+                <a:spcPct val="20000"/>
+              </a:spcBef>
+              <a:buFont typeface="Arial" pitchFamily="34" charset="0"/>
+              <a:buChar char="•"/>
+              <a:defRPr sz="2667" kern="1200">
+                <a:solidFill>
+                  <a:schemeClr val="tx1"/>
+                </a:solidFill>
+                <a:latin typeface="+mn-lt"/>
+                <a:ea typeface="+mn-ea"/>
+                <a:cs typeface="+mn-cs"/>
+              </a:defRPr>
+            </a:lvl8pPr>
+            <a:lvl9pPr marL="5181470" indent="-304792" algn="l" defTabSz="1219170" rtl="0" eaLnBrk="1" latinLnBrk="0" hangingPunct="1">
+              <a:spcBef>
+                <a:spcPct val="20000"/>
+              </a:spcBef>
+              <a:buFont typeface="Arial" pitchFamily="34" charset="0"/>
+              <a:buChar char="•"/>
+              <a:defRPr sz="2667" kern="1200">
+                <a:solidFill>
+                  <a:schemeClr val="tx1"/>
+                </a:solidFill>
+                <a:latin typeface="+mn-lt"/>
+                <a:ea typeface="+mn-ea"/>
+                <a:cs typeface="+mn-cs"/>
+              </a:defRPr>
+            </a:lvl9pPr>
+          </a:lstStyle>
+          <a:p>
+            <a:pPr marL="0" indent="0" algn="ctr">
+              <a:buNone/>
+            </a:pPr>
+            <a:r>
+              <a:rPr lang="en-US" sz="3528" b="1" dirty="0" err="1">
+                <a:solidFill>
+                  <a:srgbClr val="000066"/>
+                </a:solidFill>
+              </a:rPr>
+              <a:t>Quyền</a:t>
+            </a:r>
+            <a:r>
+              <a:rPr lang="en-US" sz="3528" b="1" dirty="0">
+                <a:solidFill>
+                  <a:srgbClr val="000066"/>
+                </a:solidFill>
+              </a:rPr>
+              <a:t> </a:t>
+            </a:r>
+            <a:r>
+              <a:rPr lang="en-US" sz="3528" b="1" dirty="0" err="1">
+                <a:solidFill>
+                  <a:srgbClr val="000066"/>
+                </a:solidFill>
+              </a:rPr>
+              <a:t>năng</a:t>
+            </a:r>
+            <a:r>
+              <a:rPr lang="en-US" sz="3528" b="1" dirty="0">
+                <a:solidFill>
+                  <a:srgbClr val="000066"/>
+                </a:solidFill>
+              </a:rPr>
+              <a:t> </a:t>
+            </a:r>
+            <a:r>
+              <a:rPr lang="en-US" sz="3528" b="1" dirty="0" err="1">
+                <a:solidFill>
+                  <a:srgbClr val="000066"/>
+                </a:solidFill>
+              </a:rPr>
+              <a:t>Ngài</a:t>
+            </a:r>
+            <a:r>
+              <a:rPr lang="en-US" sz="3528" b="1" dirty="0">
+                <a:solidFill>
+                  <a:srgbClr val="000066"/>
+                </a:solidFill>
+              </a:rPr>
+              <a:t> </a:t>
+            </a:r>
+            <a:r>
+              <a:rPr lang="en-US" sz="3528" b="1" dirty="0" err="1">
+                <a:solidFill>
+                  <a:srgbClr val="000066"/>
+                </a:solidFill>
+              </a:rPr>
+              <a:t>làm</a:t>
+            </a:r>
+            <a:r>
+              <a:rPr lang="en-US" sz="3528" b="1" dirty="0">
+                <a:solidFill>
+                  <a:srgbClr val="000066"/>
+                </a:solidFill>
+              </a:rPr>
+              <a:t> </a:t>
+            </a:r>
+            <a:r>
+              <a:rPr lang="en-US" sz="3528" b="1" dirty="0" err="1">
+                <a:solidFill>
+                  <a:srgbClr val="000066"/>
+                </a:solidFill>
+              </a:rPr>
+              <a:t>vững</a:t>
+            </a:r>
+            <a:r>
+              <a:rPr lang="en-US" sz="3528" b="1" dirty="0">
+                <a:solidFill>
+                  <a:srgbClr val="000066"/>
+                </a:solidFill>
+              </a:rPr>
+              <a:t> tin con </a:t>
+            </a:r>
+            <a:r>
+              <a:rPr lang="en-US" sz="3528" b="1" dirty="0" err="1">
+                <a:solidFill>
+                  <a:srgbClr val="000066"/>
+                </a:solidFill>
+              </a:rPr>
+              <a:t>cậy</a:t>
+            </a:r>
+            <a:r>
+              <a:rPr lang="en-US" sz="3528" b="1" dirty="0">
+                <a:solidFill>
+                  <a:srgbClr val="000066"/>
+                </a:solidFill>
+              </a:rPr>
+              <a:t> </a:t>
+            </a:r>
+            <a:r>
+              <a:rPr lang="en-US" sz="3528" b="1" dirty="0" err="1">
+                <a:solidFill>
+                  <a:srgbClr val="000066"/>
+                </a:solidFill>
+              </a:rPr>
+              <a:t>trông</a:t>
+            </a:r>
+            <a:endParaRPr lang="en-US" sz="3528" b="1" dirty="0">
+              <a:solidFill>
+                <a:srgbClr val="000066"/>
+              </a:solidFill>
+            </a:endParaRPr>
+          </a:p>
+        </p:txBody>
+      </p:sp>
+    </p:spTree>
+    <p:extLst>
+      <p:ext uri="{BB962C8B-B14F-4D97-AF65-F5344CB8AC3E}">
+        <p14:creationId xmlns:p14="http://schemas.microsoft.com/office/powerpoint/2010/main" val="841919555"/>
+      </p:ext>
+    </p:extLst>
+  </p:cSld>
+  <p:clrMapOvr>
+    <a:masterClrMapping/>
+  </p:clrMapOvr>
 </p:sld>
 </file>
 
